--- a/0424.pptx
+++ b/0424.pptx
@@ -5,21 +5,25 @@
     <p:sldMasterId id="2147483648" r:id="rId1"/>
   </p:sldMasterIdLst>
   <p:notesMasterIdLst>
-    <p:notesMasterId r:id="rId14"/>
+    <p:notesMasterId r:id="rId18"/>
   </p:notesMasterIdLst>
   <p:sldIdLst>
     <p:sldId id="256" r:id="rId2"/>
     <p:sldId id="257" r:id="rId3"/>
     <p:sldId id="258" r:id="rId4"/>
     <p:sldId id="263" r:id="rId5"/>
-    <p:sldId id="264" r:id="rId6"/>
-    <p:sldId id="259" r:id="rId7"/>
-    <p:sldId id="262" r:id="rId8"/>
-    <p:sldId id="265" r:id="rId9"/>
-    <p:sldId id="260" r:id="rId10"/>
-    <p:sldId id="268" r:id="rId11"/>
-    <p:sldId id="267" r:id="rId12"/>
-    <p:sldId id="261" r:id="rId13"/>
+    <p:sldId id="271" r:id="rId6"/>
+    <p:sldId id="272" r:id="rId7"/>
+    <p:sldId id="270" r:id="rId8"/>
+    <p:sldId id="264" r:id="rId9"/>
+    <p:sldId id="262" r:id="rId10"/>
+    <p:sldId id="259" r:id="rId11"/>
+    <p:sldId id="265" r:id="rId12"/>
+    <p:sldId id="260" r:id="rId13"/>
+    <p:sldId id="268" r:id="rId14"/>
+    <p:sldId id="267" r:id="rId15"/>
+    <p:sldId id="261" r:id="rId16"/>
+    <p:sldId id="269" r:id="rId17"/>
   </p:sldIdLst>
   <p:sldSz cx="9144000" cy="6858000" type="screen4x3"/>
   <p:notesSz cx="6858000" cy="9144000"/>
@@ -208,7 +212,7 @@
           <a:p>
             <a:fld id="{8180ADAB-C48E-46AB-8AF2-FE54B3CA7DE2}" type="datetimeFigureOut">
               <a:rPr lang="zh-CN" altLang="en-US" smtClean="0"/>
-              <a:t>2019/4/23</a:t>
+              <a:t>2019/4/24</a:t>
             </a:fld>
             <a:endParaRPr lang="zh-CN" altLang="en-US"/>
           </a:p>
@@ -603,51 +607,7 @@
           <a:bodyPr/>
           <a:lstStyle/>
           <a:p>
-            <a:r>
-              <a:rPr lang="zh-CN" altLang="en-US" dirty="0"/>
-              <a:t>一起编码：利用</a:t>
-            </a:r>
-            <a:r>
-              <a:rPr lang="en-US" altLang="zh-CN" dirty="0"/>
-              <a:t>Bert</a:t>
-            </a:r>
-            <a:r>
-              <a:rPr lang="zh-CN" altLang="en-US" dirty="0"/>
-              <a:t>预测下一句的训练规则；最后</a:t>
-            </a:r>
-            <a:r>
-              <a:rPr lang="en-US" altLang="zh-CN" dirty="0"/>
-              <a:t>attention</a:t>
-            </a:r>
-            <a:r>
-              <a:rPr lang="zh-CN" altLang="en-US" dirty="0"/>
-              <a:t>时</a:t>
-            </a:r>
-            <a:r>
-              <a:rPr lang="en-US" altLang="zh-CN" dirty="0"/>
-              <a:t>copy</a:t>
-            </a:r>
-            <a:r>
-              <a:rPr lang="zh-CN" altLang="en-US" dirty="0"/>
-              <a:t>两个</a:t>
-            </a:r>
-            <a:r>
-              <a:rPr lang="en-US" altLang="zh-CN" dirty="0"/>
-              <a:t>sequence vector</a:t>
-            </a:r>
-            <a:r>
-              <a:rPr lang="zh-CN" altLang="en-US" dirty="0"/>
-              <a:t>，利用</a:t>
-            </a:r>
-            <a:r>
-              <a:rPr lang="en-US" altLang="zh-CN" dirty="0"/>
-              <a:t>mask</a:t>
-            </a:r>
-            <a:r>
-              <a:rPr lang="zh-CN" altLang="en-US" dirty="0"/>
-              <a:t>信息</a:t>
-            </a:r>
-            <a:endParaRPr lang="en-US" altLang="zh-CN" dirty="0"/>
+            <a:endParaRPr lang="zh-CN" altLang="en-US" dirty="0"/>
           </a:p>
         </p:txBody>
       </p:sp>
@@ -668,7 +628,7 @@
           <a:p>
             <a:fld id="{EE49BDBF-463A-4B57-A225-93A9BE3D9D52}" type="slidenum">
               <a:rPr lang="zh-CN" altLang="en-US" smtClean="0"/>
-              <a:t>6</a:t>
+              <a:t>4</a:t>
             </a:fld>
             <a:endParaRPr lang="zh-CN" altLang="en-US"/>
           </a:p>
@@ -677,7 +637,7 @@
     </p:spTree>
     <p:extLst>
       <p:ext uri="{BB962C8B-B14F-4D97-AF65-F5344CB8AC3E}">
-        <p14:creationId xmlns:p14="http://schemas.microsoft.com/office/powerpoint/2010/main" val="3070767818"/>
+        <p14:creationId xmlns:p14="http://schemas.microsoft.com/office/powerpoint/2010/main" val="2685695651"/>
       </p:ext>
     </p:extLst>
   </p:cSld>
@@ -752,7 +712,7 @@
           <a:p>
             <a:fld id="{EE49BDBF-463A-4B57-A225-93A9BE3D9D52}" type="slidenum">
               <a:rPr lang="zh-CN" altLang="en-US" smtClean="0"/>
-              <a:t>7</a:t>
+              <a:t>6</a:t>
             </a:fld>
             <a:endParaRPr lang="zh-CN" altLang="en-US"/>
           </a:p>
@@ -761,7 +721,7 @@
     </p:spTree>
     <p:extLst>
       <p:ext uri="{BB962C8B-B14F-4D97-AF65-F5344CB8AC3E}">
-        <p14:creationId xmlns:p14="http://schemas.microsoft.com/office/powerpoint/2010/main" val="2998639363"/>
+        <p14:creationId xmlns:p14="http://schemas.microsoft.com/office/powerpoint/2010/main" val="1326457048"/>
       </p:ext>
     </p:extLst>
   </p:cSld>
@@ -836,7 +796,262 @@
           <a:p>
             <a:fld id="{EE49BDBF-463A-4B57-A225-93A9BE3D9D52}" type="slidenum">
               <a:rPr lang="zh-CN" altLang="en-US" smtClean="0"/>
-              <a:t>8</a:t>
+              <a:t>9</a:t>
+            </a:fld>
+            <a:endParaRPr lang="zh-CN" altLang="en-US"/>
+          </a:p>
+        </p:txBody>
+      </p:sp>
+    </p:spTree>
+    <p:extLst>
+      <p:ext uri="{BB962C8B-B14F-4D97-AF65-F5344CB8AC3E}">
+        <p14:creationId xmlns:p14="http://schemas.microsoft.com/office/powerpoint/2010/main" val="2998639363"/>
+      </p:ext>
+    </p:extLst>
+  </p:cSld>
+  <p:clrMapOvr>
+    <a:masterClrMapping/>
+  </p:clrMapOvr>
+</p:notes>
+</file>
+
+<file path=ppt/notesSlides/notesSlide5.xml><?xml version="1.0" encoding="utf-8"?>
+<p:notes xmlns:a="http://schemas.openxmlformats.org/drawingml/2006/main" xmlns:r="http://schemas.openxmlformats.org/officeDocument/2006/relationships" xmlns:p="http://schemas.openxmlformats.org/presentationml/2006/main">
+  <p:cSld>
+    <p:spTree>
+      <p:nvGrpSpPr>
+        <p:cNvPr id="1" name=""/>
+        <p:cNvGrpSpPr/>
+        <p:nvPr/>
+      </p:nvGrpSpPr>
+      <p:grpSpPr>
+        <a:xfrm>
+          <a:off x="0" y="0"/>
+          <a:ext cx="0" cy="0"/>
+          <a:chOff x="0" y="0"/>
+          <a:chExt cx="0" cy="0"/>
+        </a:xfrm>
+      </p:grpSpPr>
+      <p:sp>
+        <p:nvSpPr>
+          <p:cNvPr id="2" name="幻灯片图像占位符 1"/>
+          <p:cNvSpPr>
+            <a:spLocks noGrp="1" noRot="1" noChangeAspect="1"/>
+          </p:cNvSpPr>
+          <p:nvPr>
+            <p:ph type="sldImg"/>
+          </p:nvPr>
+        </p:nvSpPr>
+        <p:spPr/>
+      </p:sp>
+      <p:sp>
+        <p:nvSpPr>
+          <p:cNvPr id="3" name="备注占位符 2"/>
+          <p:cNvSpPr>
+            <a:spLocks noGrp="1"/>
+          </p:cNvSpPr>
+          <p:nvPr>
+            <p:ph type="body" idx="1"/>
+          </p:nvPr>
+        </p:nvSpPr>
+        <p:spPr/>
+        <p:txBody>
+          <a:bodyPr/>
+          <a:lstStyle/>
+          <a:p>
+            <a:r>
+              <a:rPr lang="zh-CN" altLang="en-US" dirty="0"/>
+              <a:t>编码：利用</a:t>
+            </a:r>
+            <a:r>
+              <a:rPr lang="en-US" altLang="zh-CN" dirty="0"/>
+              <a:t>Bert</a:t>
+            </a:r>
+            <a:r>
+              <a:rPr lang="zh-CN" altLang="en-US" dirty="0"/>
+              <a:t>预测下一句的训练规则；最后</a:t>
+            </a:r>
+            <a:r>
+              <a:rPr lang="en-US" altLang="zh-CN" dirty="0"/>
+              <a:t>attention</a:t>
+            </a:r>
+            <a:r>
+              <a:rPr lang="zh-CN" altLang="en-US" dirty="0"/>
+              <a:t>时</a:t>
+            </a:r>
+            <a:r>
+              <a:rPr lang="en-US" altLang="zh-CN" dirty="0"/>
+              <a:t>copy</a:t>
+            </a:r>
+            <a:r>
+              <a:rPr lang="zh-CN" altLang="en-US" dirty="0"/>
+              <a:t>两个</a:t>
+            </a:r>
+            <a:r>
+              <a:rPr lang="en-US" altLang="zh-CN" dirty="0"/>
+              <a:t>sequence vector</a:t>
+            </a:r>
+            <a:r>
+              <a:rPr lang="zh-CN" altLang="en-US" dirty="0"/>
+              <a:t>，利用</a:t>
+            </a:r>
+            <a:r>
+              <a:rPr lang="en-US" altLang="zh-CN" dirty="0"/>
+              <a:t>mask</a:t>
+            </a:r>
+            <a:r>
+              <a:rPr lang="zh-CN" altLang="en-US" dirty="0"/>
+              <a:t>信息</a:t>
+            </a:r>
+            <a:endParaRPr lang="en-US" altLang="zh-CN" dirty="0"/>
+          </a:p>
+          <a:p>
+            <a:r>
+              <a:rPr lang="en-US" altLang="zh-CN" dirty="0"/>
+              <a:t>Start/End</a:t>
+            </a:r>
+            <a:r>
+              <a:rPr lang="zh-CN" altLang="en-US" dirty="0"/>
+              <a:t>：模型输出形式，</a:t>
+            </a:r>
+            <a:r>
+              <a:rPr lang="en-US" altLang="zh-CN" dirty="0" err="1"/>
+              <a:t>BiDAF</a:t>
+            </a:r>
+            <a:r>
+              <a:rPr lang="zh-CN" altLang="en-US" dirty="0"/>
+              <a:t>中提出了</a:t>
+            </a:r>
+            <a:r>
+              <a:rPr lang="en-US" altLang="zh-CN" dirty="0"/>
+              <a:t>1.</a:t>
+            </a:r>
+            <a:r>
+              <a:rPr lang="zh-CN" altLang="en-US" dirty="0"/>
+              <a:t>按顺序预测答案序列；</a:t>
+            </a:r>
+            <a:r>
+              <a:rPr lang="en-US" altLang="zh-CN" dirty="0"/>
+              <a:t>2.</a:t>
+            </a:r>
+            <a:r>
+              <a:rPr lang="zh-CN" altLang="en-US" dirty="0"/>
+              <a:t>预测答案边界；数据集词表，会有未登录词，这是</a:t>
+            </a:r>
+            <a:r>
+              <a:rPr lang="en-US" altLang="zh-CN" dirty="0"/>
+              <a:t>CMRC2017</a:t>
+            </a:r>
+            <a:r>
+              <a:rPr lang="zh-CN" altLang="en-US" dirty="0"/>
+              <a:t>的解决方案</a:t>
+            </a:r>
+            <a:endParaRPr lang="en-US" altLang="zh-CN" dirty="0"/>
+          </a:p>
+        </p:txBody>
+      </p:sp>
+      <p:sp>
+        <p:nvSpPr>
+          <p:cNvPr id="4" name="灯片编号占位符 3"/>
+          <p:cNvSpPr>
+            <a:spLocks noGrp="1"/>
+          </p:cNvSpPr>
+          <p:nvPr>
+            <p:ph type="sldNum" sz="quarter" idx="5"/>
+          </p:nvPr>
+        </p:nvSpPr>
+        <p:spPr/>
+        <p:txBody>
+          <a:bodyPr/>
+          <a:lstStyle/>
+          <a:p>
+            <a:fld id="{EE49BDBF-463A-4B57-A225-93A9BE3D9D52}" type="slidenum">
+              <a:rPr lang="zh-CN" altLang="en-US" smtClean="0"/>
+              <a:t>10</a:t>
+            </a:fld>
+            <a:endParaRPr lang="zh-CN" altLang="en-US"/>
+          </a:p>
+        </p:txBody>
+      </p:sp>
+    </p:spTree>
+    <p:extLst>
+      <p:ext uri="{BB962C8B-B14F-4D97-AF65-F5344CB8AC3E}">
+        <p14:creationId xmlns:p14="http://schemas.microsoft.com/office/powerpoint/2010/main" val="3070767818"/>
+      </p:ext>
+    </p:extLst>
+  </p:cSld>
+  <p:clrMapOvr>
+    <a:masterClrMapping/>
+  </p:clrMapOvr>
+</p:notes>
+</file>
+
+<file path=ppt/notesSlides/notesSlide6.xml><?xml version="1.0" encoding="utf-8"?>
+<p:notes xmlns:a="http://schemas.openxmlformats.org/drawingml/2006/main" xmlns:r="http://schemas.openxmlformats.org/officeDocument/2006/relationships" xmlns:p="http://schemas.openxmlformats.org/presentationml/2006/main">
+  <p:cSld>
+    <p:spTree>
+      <p:nvGrpSpPr>
+        <p:cNvPr id="1" name=""/>
+        <p:cNvGrpSpPr/>
+        <p:nvPr/>
+      </p:nvGrpSpPr>
+      <p:grpSpPr>
+        <a:xfrm>
+          <a:off x="0" y="0"/>
+          <a:ext cx="0" cy="0"/>
+          <a:chOff x="0" y="0"/>
+          <a:chExt cx="0" cy="0"/>
+        </a:xfrm>
+      </p:grpSpPr>
+      <p:sp>
+        <p:nvSpPr>
+          <p:cNvPr id="2" name="幻灯片图像占位符 1"/>
+          <p:cNvSpPr>
+            <a:spLocks noGrp="1" noRot="1" noChangeAspect="1"/>
+          </p:cNvSpPr>
+          <p:nvPr>
+            <p:ph type="sldImg"/>
+          </p:nvPr>
+        </p:nvSpPr>
+        <p:spPr/>
+      </p:sp>
+      <p:sp>
+        <p:nvSpPr>
+          <p:cNvPr id="3" name="备注占位符 2"/>
+          <p:cNvSpPr>
+            <a:spLocks noGrp="1"/>
+          </p:cNvSpPr>
+          <p:nvPr>
+            <p:ph type="body" idx="1"/>
+          </p:nvPr>
+        </p:nvSpPr>
+        <p:spPr/>
+        <p:txBody>
+          <a:bodyPr/>
+          <a:lstStyle/>
+          <a:p>
+            <a:endParaRPr lang="zh-CN" altLang="en-US" dirty="0"/>
+          </a:p>
+        </p:txBody>
+      </p:sp>
+      <p:sp>
+        <p:nvSpPr>
+          <p:cNvPr id="4" name="灯片编号占位符 3"/>
+          <p:cNvSpPr>
+            <a:spLocks noGrp="1"/>
+          </p:cNvSpPr>
+          <p:nvPr>
+            <p:ph type="sldNum" sz="quarter" idx="5"/>
+          </p:nvPr>
+        </p:nvSpPr>
+        <p:spPr/>
+        <p:txBody>
+          <a:bodyPr/>
+          <a:lstStyle/>
+          <a:p>
+            <a:fld id="{EE49BDBF-463A-4B57-A225-93A9BE3D9D52}" type="slidenum">
+              <a:rPr lang="zh-CN" altLang="en-US" smtClean="0"/>
+              <a:t>11</a:t>
             </a:fld>
             <a:endParaRPr lang="zh-CN" altLang="en-US"/>
           </a:p>
@@ -846,6 +1061,174 @@
     <p:extLst>
       <p:ext uri="{BB962C8B-B14F-4D97-AF65-F5344CB8AC3E}">
         <p14:creationId xmlns:p14="http://schemas.microsoft.com/office/powerpoint/2010/main" val="2132867814"/>
+      </p:ext>
+    </p:extLst>
+  </p:cSld>
+  <p:clrMapOvr>
+    <a:masterClrMapping/>
+  </p:clrMapOvr>
+</p:notes>
+</file>
+
+<file path=ppt/notesSlides/notesSlide7.xml><?xml version="1.0" encoding="utf-8"?>
+<p:notes xmlns:a="http://schemas.openxmlformats.org/drawingml/2006/main" xmlns:r="http://schemas.openxmlformats.org/officeDocument/2006/relationships" xmlns:p="http://schemas.openxmlformats.org/presentationml/2006/main">
+  <p:cSld>
+    <p:spTree>
+      <p:nvGrpSpPr>
+        <p:cNvPr id="1" name=""/>
+        <p:cNvGrpSpPr/>
+        <p:nvPr/>
+      </p:nvGrpSpPr>
+      <p:grpSpPr>
+        <a:xfrm>
+          <a:off x="0" y="0"/>
+          <a:ext cx="0" cy="0"/>
+          <a:chOff x="0" y="0"/>
+          <a:chExt cx="0" cy="0"/>
+        </a:xfrm>
+      </p:grpSpPr>
+      <p:sp>
+        <p:nvSpPr>
+          <p:cNvPr id="2" name="幻灯片图像占位符 1"/>
+          <p:cNvSpPr>
+            <a:spLocks noGrp="1" noRot="1" noChangeAspect="1"/>
+          </p:cNvSpPr>
+          <p:nvPr>
+            <p:ph type="sldImg"/>
+          </p:nvPr>
+        </p:nvSpPr>
+        <p:spPr/>
+      </p:sp>
+      <p:sp>
+        <p:nvSpPr>
+          <p:cNvPr id="3" name="备注占位符 2"/>
+          <p:cNvSpPr>
+            <a:spLocks noGrp="1"/>
+          </p:cNvSpPr>
+          <p:nvPr>
+            <p:ph type="body" idx="1"/>
+          </p:nvPr>
+        </p:nvSpPr>
+        <p:spPr/>
+        <p:txBody>
+          <a:bodyPr/>
+          <a:lstStyle/>
+          <a:p>
+            <a:endParaRPr lang="zh-CN" altLang="en-US" dirty="0"/>
+          </a:p>
+        </p:txBody>
+      </p:sp>
+      <p:sp>
+        <p:nvSpPr>
+          <p:cNvPr id="4" name="灯片编号占位符 3"/>
+          <p:cNvSpPr>
+            <a:spLocks noGrp="1"/>
+          </p:cNvSpPr>
+          <p:nvPr>
+            <p:ph type="sldNum" sz="quarter" idx="5"/>
+          </p:nvPr>
+        </p:nvSpPr>
+        <p:spPr/>
+        <p:txBody>
+          <a:bodyPr/>
+          <a:lstStyle/>
+          <a:p>
+            <a:fld id="{EE49BDBF-463A-4B57-A225-93A9BE3D9D52}" type="slidenum">
+              <a:rPr lang="zh-CN" altLang="en-US" smtClean="0"/>
+              <a:t>14</a:t>
+            </a:fld>
+            <a:endParaRPr lang="zh-CN" altLang="en-US"/>
+          </a:p>
+        </p:txBody>
+      </p:sp>
+    </p:spTree>
+    <p:extLst>
+      <p:ext uri="{BB962C8B-B14F-4D97-AF65-F5344CB8AC3E}">
+        <p14:creationId xmlns:p14="http://schemas.microsoft.com/office/powerpoint/2010/main" val="999627789"/>
+      </p:ext>
+    </p:extLst>
+  </p:cSld>
+  <p:clrMapOvr>
+    <a:masterClrMapping/>
+  </p:clrMapOvr>
+</p:notes>
+</file>
+
+<file path=ppt/notesSlides/notesSlide8.xml><?xml version="1.0" encoding="utf-8"?>
+<p:notes xmlns:a="http://schemas.openxmlformats.org/drawingml/2006/main" xmlns:r="http://schemas.openxmlformats.org/officeDocument/2006/relationships" xmlns:p="http://schemas.openxmlformats.org/presentationml/2006/main">
+  <p:cSld>
+    <p:spTree>
+      <p:nvGrpSpPr>
+        <p:cNvPr id="1" name=""/>
+        <p:cNvGrpSpPr/>
+        <p:nvPr/>
+      </p:nvGrpSpPr>
+      <p:grpSpPr>
+        <a:xfrm>
+          <a:off x="0" y="0"/>
+          <a:ext cx="0" cy="0"/>
+          <a:chOff x="0" y="0"/>
+          <a:chExt cx="0" cy="0"/>
+        </a:xfrm>
+      </p:grpSpPr>
+      <p:sp>
+        <p:nvSpPr>
+          <p:cNvPr id="2" name="幻灯片图像占位符 1"/>
+          <p:cNvSpPr>
+            <a:spLocks noGrp="1" noRot="1" noChangeAspect="1"/>
+          </p:cNvSpPr>
+          <p:nvPr>
+            <p:ph type="sldImg"/>
+          </p:nvPr>
+        </p:nvSpPr>
+        <p:spPr/>
+      </p:sp>
+      <p:sp>
+        <p:nvSpPr>
+          <p:cNvPr id="3" name="备注占位符 2"/>
+          <p:cNvSpPr>
+            <a:spLocks noGrp="1"/>
+          </p:cNvSpPr>
+          <p:nvPr>
+            <p:ph type="body" idx="1"/>
+          </p:nvPr>
+        </p:nvSpPr>
+        <p:spPr/>
+        <p:txBody>
+          <a:bodyPr/>
+          <a:lstStyle/>
+          <a:p>
+            <a:endParaRPr lang="zh-CN" altLang="en-US" dirty="0"/>
+          </a:p>
+        </p:txBody>
+      </p:sp>
+      <p:sp>
+        <p:nvSpPr>
+          <p:cNvPr id="4" name="灯片编号占位符 3"/>
+          <p:cNvSpPr>
+            <a:spLocks noGrp="1"/>
+          </p:cNvSpPr>
+          <p:nvPr>
+            <p:ph type="sldNum" sz="quarter" idx="5"/>
+          </p:nvPr>
+        </p:nvSpPr>
+        <p:spPr/>
+        <p:txBody>
+          <a:bodyPr/>
+          <a:lstStyle/>
+          <a:p>
+            <a:fld id="{EE49BDBF-463A-4B57-A225-93A9BE3D9D52}" type="slidenum">
+              <a:rPr lang="zh-CN" altLang="en-US" smtClean="0"/>
+              <a:t>15</a:t>
+            </a:fld>
+            <a:endParaRPr lang="zh-CN" altLang="en-US"/>
+          </a:p>
+        </p:txBody>
+      </p:sp>
+    </p:spTree>
+    <p:extLst>
+      <p:ext uri="{BB962C8B-B14F-4D97-AF65-F5344CB8AC3E}">
+        <p14:creationId xmlns:p14="http://schemas.microsoft.com/office/powerpoint/2010/main" val="350267759"/>
       </p:ext>
     </p:extLst>
   </p:cSld>
@@ -1002,7 +1385,7 @@
           <a:p>
             <a:fld id="{E5049357-7B08-40E3-A88F-364B08A63176}" type="datetimeFigureOut">
               <a:rPr lang="zh-CN" altLang="en-US" smtClean="0"/>
-              <a:t>2019/4/23</a:t>
+              <a:t>2019/4/24</a:t>
             </a:fld>
             <a:endParaRPr lang="zh-CN" altLang="en-US"/>
           </a:p>
@@ -1200,7 +1583,7 @@
           <a:p>
             <a:fld id="{E5049357-7B08-40E3-A88F-364B08A63176}" type="datetimeFigureOut">
               <a:rPr lang="zh-CN" altLang="en-US" smtClean="0"/>
-              <a:t>2019/4/23</a:t>
+              <a:t>2019/4/24</a:t>
             </a:fld>
             <a:endParaRPr lang="zh-CN" altLang="en-US"/>
           </a:p>
@@ -1408,7 +1791,7 @@
           <a:p>
             <a:fld id="{E5049357-7B08-40E3-A88F-364B08A63176}" type="datetimeFigureOut">
               <a:rPr lang="zh-CN" altLang="en-US" smtClean="0"/>
-              <a:t>2019/4/23</a:t>
+              <a:t>2019/4/24</a:t>
             </a:fld>
             <a:endParaRPr lang="zh-CN" altLang="en-US"/>
           </a:p>
@@ -1606,7 +1989,7 @@
           <a:p>
             <a:fld id="{E5049357-7B08-40E3-A88F-364B08A63176}" type="datetimeFigureOut">
               <a:rPr lang="zh-CN" altLang="en-US" smtClean="0"/>
-              <a:t>2019/4/23</a:t>
+              <a:t>2019/4/24</a:t>
             </a:fld>
             <a:endParaRPr lang="zh-CN" altLang="en-US"/>
           </a:p>
@@ -1881,7 +2264,7 @@
           <a:p>
             <a:fld id="{E5049357-7B08-40E3-A88F-364B08A63176}" type="datetimeFigureOut">
               <a:rPr lang="zh-CN" altLang="en-US" smtClean="0"/>
-              <a:t>2019/4/23</a:t>
+              <a:t>2019/4/24</a:t>
             </a:fld>
             <a:endParaRPr lang="zh-CN" altLang="en-US"/>
           </a:p>
@@ -2146,7 +2529,7 @@
           <a:p>
             <a:fld id="{E5049357-7B08-40E3-A88F-364B08A63176}" type="datetimeFigureOut">
               <a:rPr lang="zh-CN" altLang="en-US" smtClean="0"/>
-              <a:t>2019/4/23</a:t>
+              <a:t>2019/4/24</a:t>
             </a:fld>
             <a:endParaRPr lang="zh-CN" altLang="en-US"/>
           </a:p>
@@ -2558,7 +2941,7 @@
           <a:p>
             <a:fld id="{E5049357-7B08-40E3-A88F-364B08A63176}" type="datetimeFigureOut">
               <a:rPr lang="zh-CN" altLang="en-US" smtClean="0"/>
-              <a:t>2019/4/23</a:t>
+              <a:t>2019/4/24</a:t>
             </a:fld>
             <a:endParaRPr lang="zh-CN" altLang="en-US"/>
           </a:p>
@@ -2699,7 +3082,7 @@
           <a:p>
             <a:fld id="{E5049357-7B08-40E3-A88F-364B08A63176}" type="datetimeFigureOut">
               <a:rPr lang="zh-CN" altLang="en-US" smtClean="0"/>
-              <a:t>2019/4/23</a:t>
+              <a:t>2019/4/24</a:t>
             </a:fld>
             <a:endParaRPr lang="zh-CN" altLang="en-US"/>
           </a:p>
@@ -2812,7 +3195,7 @@
           <a:p>
             <a:fld id="{E5049357-7B08-40E3-A88F-364B08A63176}" type="datetimeFigureOut">
               <a:rPr lang="zh-CN" altLang="en-US" smtClean="0"/>
-              <a:t>2019/4/23</a:t>
+              <a:t>2019/4/24</a:t>
             </a:fld>
             <a:endParaRPr lang="zh-CN" altLang="en-US"/>
           </a:p>
@@ -3123,7 +3506,7 @@
           <a:p>
             <a:fld id="{E5049357-7B08-40E3-A88F-364B08A63176}" type="datetimeFigureOut">
               <a:rPr lang="zh-CN" altLang="en-US" smtClean="0"/>
-              <a:t>2019/4/23</a:t>
+              <a:t>2019/4/24</a:t>
             </a:fld>
             <a:endParaRPr lang="zh-CN" altLang="en-US"/>
           </a:p>
@@ -3411,7 +3794,7 @@
           <a:p>
             <a:fld id="{E5049357-7B08-40E3-A88F-364B08A63176}" type="datetimeFigureOut">
               <a:rPr lang="zh-CN" altLang="en-US" smtClean="0"/>
-              <a:t>2019/4/23</a:t>
+              <a:t>2019/4/24</a:t>
             </a:fld>
             <a:endParaRPr lang="zh-CN" altLang="en-US"/>
           </a:p>
@@ -3652,7 +4035,7 @@
           <a:p>
             <a:fld id="{E5049357-7B08-40E3-A88F-364B08A63176}" type="datetimeFigureOut">
               <a:rPr lang="zh-CN" altLang="en-US" smtClean="0"/>
-              <a:t>2019/4/23</a:t>
+              <a:t>2019/4/24</a:t>
             </a:fld>
             <a:endParaRPr lang="zh-CN" altLang="en-US"/>
           </a:p>
@@ -4104,7 +4487,7 @@
             </a:pPr>
             <a:r>
               <a:rPr lang="zh-CN" altLang="en-US" sz="5400" dirty="0"/>
-              <a:t>研发工作进展及问题汇报</a:t>
+              <a:t>研发工作进展汇报</a:t>
             </a:r>
           </a:p>
         </p:txBody>
@@ -4229,979 +4612,6 @@
           <p:cNvPr id="2" name="标题 1">
             <a:extLst>
               <a:ext uri="{FF2B5EF4-FFF2-40B4-BE49-F238E27FC236}">
-                <a16:creationId xmlns:a16="http://schemas.microsoft.com/office/drawing/2014/main" id="{F11CBDBF-1C02-41EB-85BE-F4EBEBF4C078}"/>
-              </a:ext>
-            </a:extLst>
-          </p:cNvPr>
-          <p:cNvSpPr>
-            <a:spLocks noGrp="1"/>
-          </p:cNvSpPr>
-          <p:nvPr>
-            <p:ph type="title"/>
-          </p:nvPr>
-        </p:nvSpPr>
-        <p:spPr/>
-        <p:txBody>
-          <a:bodyPr/>
-          <a:lstStyle/>
-          <a:p>
-            <a:pPr>
-              <a:lnSpc>
-                <a:spcPct val="150000"/>
-              </a:lnSpc>
-            </a:pPr>
-            <a:r>
-              <a:rPr lang="zh-CN" altLang="en-US" dirty="0"/>
-              <a:t>结果分析</a:t>
-            </a:r>
-          </a:p>
-        </p:txBody>
-      </p:sp>
-      <p:sp>
-        <p:nvSpPr>
-          <p:cNvPr id="3" name="内容占位符 2">
-            <a:extLst>
-              <a:ext uri="{FF2B5EF4-FFF2-40B4-BE49-F238E27FC236}">
-                <a16:creationId xmlns:a16="http://schemas.microsoft.com/office/drawing/2014/main" id="{4E612BBC-EFE8-4C9D-8E10-E7787BD57701}"/>
-              </a:ext>
-            </a:extLst>
-          </p:cNvPr>
-          <p:cNvSpPr>
-            <a:spLocks noGrp="1"/>
-          </p:cNvSpPr>
-          <p:nvPr>
-            <p:ph idx="1"/>
-          </p:nvPr>
-        </p:nvSpPr>
-        <p:spPr/>
-        <p:txBody>
-          <a:bodyPr/>
-          <a:lstStyle/>
-          <a:p>
-            <a:pPr>
-              <a:lnSpc>
-                <a:spcPct val="150000"/>
-              </a:lnSpc>
-              <a:spcBef>
-                <a:spcPts val="0"/>
-              </a:spcBef>
-            </a:pPr>
-            <a:r>
-              <a:rPr lang="zh-CN" altLang="en-US" dirty="0"/>
-              <a:t>上分析图及</a:t>
-            </a:r>
-            <a:r>
-              <a:rPr lang="en-US" altLang="zh-CN" dirty="0"/>
-              <a:t>n-best</a:t>
-            </a:r>
-            <a:r>
-              <a:rPr lang="zh-CN" altLang="en-US" dirty="0"/>
-              <a:t>图</a:t>
-            </a:r>
-            <a:endParaRPr lang="en-US" altLang="zh-CN" dirty="0"/>
-          </a:p>
-          <a:p>
-            <a:pPr>
-              <a:lnSpc>
-                <a:spcPct val="150000"/>
-              </a:lnSpc>
-              <a:spcBef>
-                <a:spcPts val="0"/>
-              </a:spcBef>
-            </a:pPr>
-            <a:r>
-              <a:rPr lang="zh-CN" altLang="en-US" dirty="0"/>
-              <a:t>长度限制，词性，分词</a:t>
-            </a:r>
-            <a:endParaRPr lang="en-US" altLang="zh-CN" dirty="0"/>
-          </a:p>
-          <a:p>
-            <a:pPr>
-              <a:lnSpc>
-                <a:spcPct val="150000"/>
-              </a:lnSpc>
-              <a:spcBef>
-                <a:spcPts val="0"/>
-              </a:spcBef>
-            </a:pPr>
-            <a:r>
-              <a:rPr lang="zh-CN" altLang="en-US" dirty="0"/>
-              <a:t>考虑如何从</a:t>
-            </a:r>
-            <a:r>
-              <a:rPr lang="en-US" altLang="zh-CN" dirty="0"/>
-              <a:t>n-best</a:t>
-            </a:r>
-            <a:r>
-              <a:rPr lang="zh-CN" altLang="en-US" dirty="0"/>
-              <a:t>中找出更好的答案</a:t>
-            </a:r>
-          </a:p>
-        </p:txBody>
-      </p:sp>
-    </p:spTree>
-    <p:extLst>
-      <p:ext uri="{BB962C8B-B14F-4D97-AF65-F5344CB8AC3E}">
-        <p14:creationId xmlns:p14="http://schemas.microsoft.com/office/powerpoint/2010/main" val="2492904965"/>
-      </p:ext>
-    </p:extLst>
-  </p:cSld>
-  <p:clrMapOvr>
-    <a:masterClrMapping/>
-  </p:clrMapOvr>
-</p:sld>
-</file>
-
-<file path=ppt/slides/slide11.xml><?xml version="1.0" encoding="utf-8"?>
-<p:sld xmlns:a="http://schemas.openxmlformats.org/drawingml/2006/main" xmlns:r="http://schemas.openxmlformats.org/officeDocument/2006/relationships" xmlns:p="http://schemas.openxmlformats.org/presentationml/2006/main">
-  <p:cSld>
-    <p:spTree>
-      <p:nvGrpSpPr>
-        <p:cNvPr id="1" name=""/>
-        <p:cNvGrpSpPr/>
-        <p:nvPr/>
-      </p:nvGrpSpPr>
-      <p:grpSpPr>
-        <a:xfrm>
-          <a:off x="0" y="0"/>
-          <a:ext cx="0" cy="0"/>
-          <a:chOff x="0" y="0"/>
-          <a:chExt cx="0" cy="0"/>
-        </a:xfrm>
-      </p:grpSpPr>
-      <p:sp>
-        <p:nvSpPr>
-          <p:cNvPr id="2" name="标题 1">
-            <a:extLst>
-              <a:ext uri="{FF2B5EF4-FFF2-40B4-BE49-F238E27FC236}">
-                <a16:creationId xmlns:a16="http://schemas.microsoft.com/office/drawing/2014/main" id="{C8CF51F8-0C55-433D-9E73-2939D575A852}"/>
-              </a:ext>
-            </a:extLst>
-          </p:cNvPr>
-          <p:cNvSpPr>
-            <a:spLocks noGrp="1"/>
-          </p:cNvSpPr>
-          <p:nvPr>
-            <p:ph type="title"/>
-          </p:nvPr>
-        </p:nvSpPr>
-        <p:spPr/>
-        <p:txBody>
-          <a:bodyPr/>
-          <a:lstStyle/>
-          <a:p>
-            <a:pPr>
-              <a:lnSpc>
-                <a:spcPct val="150000"/>
-              </a:lnSpc>
-            </a:pPr>
-            <a:r>
-              <a:rPr lang="zh-CN" altLang="en-US" dirty="0"/>
-              <a:t>结果分析</a:t>
-            </a:r>
-          </a:p>
-        </p:txBody>
-      </p:sp>
-      <p:sp>
-        <p:nvSpPr>
-          <p:cNvPr id="3" name="内容占位符 2">
-            <a:extLst>
-              <a:ext uri="{FF2B5EF4-FFF2-40B4-BE49-F238E27FC236}">
-                <a16:creationId xmlns:a16="http://schemas.microsoft.com/office/drawing/2014/main" id="{0AD49C96-0A8C-4C00-8A5C-14A35C838D15}"/>
-              </a:ext>
-            </a:extLst>
-          </p:cNvPr>
-          <p:cNvSpPr>
-            <a:spLocks noGrp="1"/>
-          </p:cNvSpPr>
-          <p:nvPr>
-            <p:ph idx="1"/>
-          </p:nvPr>
-        </p:nvSpPr>
-        <p:spPr>
-          <a:xfrm>
-            <a:off x="628650" y="1690689"/>
-            <a:ext cx="7886700" cy="4351338"/>
-          </a:xfrm>
-        </p:spPr>
-        <p:txBody>
-          <a:bodyPr/>
-          <a:lstStyle/>
-          <a:p>
-            <a:pPr>
-              <a:lnSpc>
-                <a:spcPct val="150000"/>
-              </a:lnSpc>
-              <a:spcBef>
-                <a:spcPct val="0"/>
-              </a:spcBef>
-            </a:pPr>
-            <a:r>
-              <a:rPr lang="en-US" altLang="zh-CN" dirty="0"/>
-              <a:t>Bert + R-net</a:t>
-            </a:r>
-            <a:r>
-              <a:rPr lang="zh-CN" altLang="en-US" dirty="0"/>
-              <a:t>后续考虑</a:t>
-            </a:r>
-            <a:endParaRPr lang="en-US" altLang="zh-CN" dirty="0"/>
-          </a:p>
-          <a:p>
-            <a:pPr lvl="1">
-              <a:lnSpc>
-                <a:spcPct val="150000"/>
-              </a:lnSpc>
-              <a:spcBef>
-                <a:spcPct val="0"/>
-              </a:spcBef>
-            </a:pPr>
-            <a:endParaRPr lang="zh-CN" altLang="en-US" dirty="0"/>
-          </a:p>
-        </p:txBody>
-      </p:sp>
-    </p:spTree>
-    <p:extLst>
-      <p:ext uri="{BB962C8B-B14F-4D97-AF65-F5344CB8AC3E}">
-        <p14:creationId xmlns:p14="http://schemas.microsoft.com/office/powerpoint/2010/main" val="1345620330"/>
-      </p:ext>
-    </p:extLst>
-  </p:cSld>
-  <p:clrMapOvr>
-    <a:masterClrMapping/>
-  </p:clrMapOvr>
-</p:sld>
-</file>
-
-<file path=ppt/slides/slide12.xml><?xml version="1.0" encoding="utf-8"?>
-<p:sld xmlns:a="http://schemas.openxmlformats.org/drawingml/2006/main" xmlns:r="http://schemas.openxmlformats.org/officeDocument/2006/relationships" xmlns:p="http://schemas.openxmlformats.org/presentationml/2006/main">
-  <p:cSld>
-    <p:spTree>
-      <p:nvGrpSpPr>
-        <p:cNvPr id="1" name=""/>
-        <p:cNvGrpSpPr/>
-        <p:nvPr/>
-      </p:nvGrpSpPr>
-      <p:grpSpPr>
-        <a:xfrm>
-          <a:off x="0" y="0"/>
-          <a:ext cx="0" cy="0"/>
-          <a:chOff x="0" y="0"/>
-          <a:chExt cx="0" cy="0"/>
-        </a:xfrm>
-      </p:grpSpPr>
-      <p:sp>
-        <p:nvSpPr>
-          <p:cNvPr id="2" name="标题 1">
-            <a:extLst>
-              <a:ext uri="{FF2B5EF4-FFF2-40B4-BE49-F238E27FC236}">
-                <a16:creationId xmlns:a16="http://schemas.microsoft.com/office/drawing/2014/main" id="{98BF4FD2-D736-4A87-8CB4-38D265372D04}"/>
-              </a:ext>
-            </a:extLst>
-          </p:cNvPr>
-          <p:cNvSpPr>
-            <a:spLocks noGrp="1"/>
-          </p:cNvSpPr>
-          <p:nvPr>
-            <p:ph type="title"/>
-          </p:nvPr>
-        </p:nvSpPr>
-        <p:spPr>
-          <a:xfrm>
-            <a:off x="628650" y="365126"/>
-            <a:ext cx="7886700" cy="916919"/>
-          </a:xfrm>
-        </p:spPr>
-        <p:txBody>
-          <a:bodyPr>
-            <a:normAutofit fontScale="90000"/>
-          </a:bodyPr>
-          <a:lstStyle/>
-          <a:p>
-            <a:pPr>
-              <a:lnSpc>
-                <a:spcPct val="150000"/>
-              </a:lnSpc>
-            </a:pPr>
-            <a:r>
-              <a:rPr lang="zh-CN" altLang="en-US" dirty="0"/>
-              <a:t>可视化应用</a:t>
-            </a:r>
-          </a:p>
-        </p:txBody>
-      </p:sp>
-      <p:pic>
-        <p:nvPicPr>
-          <p:cNvPr id="7" name="图片 6">
-            <a:extLst>
-              <a:ext uri="{FF2B5EF4-FFF2-40B4-BE49-F238E27FC236}">
-                <a16:creationId xmlns:a16="http://schemas.microsoft.com/office/drawing/2014/main" id="{B9D35912-51DE-4DBA-B67D-F75AC817A2D8}"/>
-              </a:ext>
-            </a:extLst>
-          </p:cNvPr>
-          <p:cNvPicPr>
-            <a:picLocks noChangeAspect="1"/>
-          </p:cNvPicPr>
-          <p:nvPr/>
-        </p:nvPicPr>
-        <p:blipFill>
-          <a:blip r:embed="rId2"/>
-          <a:stretch>
-            <a:fillRect/>
-          </a:stretch>
-        </p:blipFill>
-        <p:spPr>
-          <a:xfrm>
-            <a:off x="896924" y="1282045"/>
-            <a:ext cx="7350152" cy="5274211"/>
-          </a:xfrm>
-          <a:prstGeom prst="rect">
-            <a:avLst/>
-          </a:prstGeom>
-        </p:spPr>
-      </p:pic>
-    </p:spTree>
-    <p:extLst>
-      <p:ext uri="{BB962C8B-B14F-4D97-AF65-F5344CB8AC3E}">
-        <p14:creationId xmlns:p14="http://schemas.microsoft.com/office/powerpoint/2010/main" val="1188429629"/>
-      </p:ext>
-    </p:extLst>
-  </p:cSld>
-  <p:clrMapOvr>
-    <a:masterClrMapping/>
-  </p:clrMapOvr>
-</p:sld>
-</file>
-
-<file path=ppt/slides/slide2.xml><?xml version="1.0" encoding="utf-8"?>
-<p:sld xmlns:a="http://schemas.openxmlformats.org/drawingml/2006/main" xmlns:r="http://schemas.openxmlformats.org/officeDocument/2006/relationships" xmlns:p="http://schemas.openxmlformats.org/presentationml/2006/main">
-  <p:cSld>
-    <p:spTree>
-      <p:nvGrpSpPr>
-        <p:cNvPr id="1" name=""/>
-        <p:cNvGrpSpPr/>
-        <p:nvPr/>
-      </p:nvGrpSpPr>
-      <p:grpSpPr>
-        <a:xfrm>
-          <a:off x="0" y="0"/>
-          <a:ext cx="0" cy="0"/>
-          <a:chOff x="0" y="0"/>
-          <a:chExt cx="0" cy="0"/>
-        </a:xfrm>
-      </p:grpSpPr>
-      <p:sp>
-        <p:nvSpPr>
-          <p:cNvPr id="2" name="标题 1">
-            <a:extLst>
-              <a:ext uri="{FF2B5EF4-FFF2-40B4-BE49-F238E27FC236}">
-                <a16:creationId xmlns:a16="http://schemas.microsoft.com/office/drawing/2014/main" id="{67BF9A66-C4BB-4A89-871A-1EC2F73AD4E1}"/>
-              </a:ext>
-            </a:extLst>
-          </p:cNvPr>
-          <p:cNvSpPr>
-            <a:spLocks noGrp="1"/>
-          </p:cNvSpPr>
-          <p:nvPr>
-            <p:ph type="title"/>
-          </p:nvPr>
-        </p:nvSpPr>
-        <p:spPr/>
-        <p:txBody>
-          <a:bodyPr/>
-          <a:lstStyle/>
-          <a:p>
-            <a:pPr>
-              <a:lnSpc>
-                <a:spcPct val="150000"/>
-              </a:lnSpc>
-            </a:pPr>
-            <a:r>
-              <a:rPr lang="zh-CN" altLang="en-US" dirty="0"/>
-              <a:t>汇报内容</a:t>
-            </a:r>
-          </a:p>
-        </p:txBody>
-      </p:sp>
-      <p:sp>
-        <p:nvSpPr>
-          <p:cNvPr id="3" name="内容占位符 2">
-            <a:extLst>
-              <a:ext uri="{FF2B5EF4-FFF2-40B4-BE49-F238E27FC236}">
-                <a16:creationId xmlns:a16="http://schemas.microsoft.com/office/drawing/2014/main" id="{673275EA-4933-4325-8D12-FAE1614B564D}"/>
-              </a:ext>
-            </a:extLst>
-          </p:cNvPr>
-          <p:cNvSpPr>
-            <a:spLocks noGrp="1"/>
-          </p:cNvSpPr>
-          <p:nvPr>
-            <p:ph idx="1"/>
-          </p:nvPr>
-        </p:nvSpPr>
-        <p:spPr>
-          <a:xfrm>
-            <a:off x="628650" y="1825625"/>
-            <a:ext cx="7563243" cy="4351338"/>
-          </a:xfrm>
-        </p:spPr>
-        <p:txBody>
-          <a:bodyPr/>
-          <a:lstStyle/>
-          <a:p>
-            <a:pPr>
-              <a:lnSpc>
-                <a:spcPct val="150000"/>
-              </a:lnSpc>
-              <a:spcBef>
-                <a:spcPts val="0"/>
-              </a:spcBef>
-            </a:pPr>
-            <a:r>
-              <a:rPr lang="zh-CN" altLang="en-US" dirty="0"/>
-              <a:t>预处理</a:t>
-            </a:r>
-            <a:endParaRPr lang="en-US" altLang="zh-CN" dirty="0"/>
-          </a:p>
-          <a:p>
-            <a:pPr>
-              <a:lnSpc>
-                <a:spcPct val="150000"/>
-              </a:lnSpc>
-              <a:spcBef>
-                <a:spcPts val="0"/>
-              </a:spcBef>
-            </a:pPr>
-            <a:r>
-              <a:rPr lang="zh-CN" altLang="en-US" dirty="0"/>
-              <a:t>模型训练</a:t>
-            </a:r>
-            <a:endParaRPr lang="en-US" altLang="zh-CN" dirty="0"/>
-          </a:p>
-          <a:p>
-            <a:pPr>
-              <a:lnSpc>
-                <a:spcPct val="150000"/>
-              </a:lnSpc>
-              <a:spcBef>
-                <a:spcPts val="0"/>
-              </a:spcBef>
-            </a:pPr>
-            <a:r>
-              <a:rPr lang="zh-CN" altLang="en-US" dirty="0"/>
-              <a:t>结果分析</a:t>
-            </a:r>
-            <a:endParaRPr lang="en-US" altLang="zh-CN" dirty="0"/>
-          </a:p>
-          <a:p>
-            <a:pPr>
-              <a:lnSpc>
-                <a:spcPct val="150000"/>
-              </a:lnSpc>
-              <a:spcBef>
-                <a:spcPts val="0"/>
-              </a:spcBef>
-            </a:pPr>
-            <a:r>
-              <a:rPr lang="zh-CN" altLang="en-US" dirty="0"/>
-              <a:t>可视化应用</a:t>
-            </a:r>
-          </a:p>
-        </p:txBody>
-      </p:sp>
-    </p:spTree>
-    <p:extLst>
-      <p:ext uri="{BB962C8B-B14F-4D97-AF65-F5344CB8AC3E}">
-        <p14:creationId xmlns:p14="http://schemas.microsoft.com/office/powerpoint/2010/main" val="2563273748"/>
-      </p:ext>
-    </p:extLst>
-  </p:cSld>
-  <p:clrMapOvr>
-    <a:masterClrMapping/>
-  </p:clrMapOvr>
-</p:sld>
-</file>
-
-<file path=ppt/slides/slide3.xml><?xml version="1.0" encoding="utf-8"?>
-<p:sld xmlns:a="http://schemas.openxmlformats.org/drawingml/2006/main" xmlns:r="http://schemas.openxmlformats.org/officeDocument/2006/relationships" xmlns:p="http://schemas.openxmlformats.org/presentationml/2006/main">
-  <p:cSld>
-    <p:spTree>
-      <p:nvGrpSpPr>
-        <p:cNvPr id="1" name=""/>
-        <p:cNvGrpSpPr/>
-        <p:nvPr/>
-      </p:nvGrpSpPr>
-      <p:grpSpPr>
-        <a:xfrm>
-          <a:off x="0" y="0"/>
-          <a:ext cx="0" cy="0"/>
-          <a:chOff x="0" y="0"/>
-          <a:chExt cx="0" cy="0"/>
-        </a:xfrm>
-      </p:grpSpPr>
-      <p:sp>
-        <p:nvSpPr>
-          <p:cNvPr id="2" name="标题 1">
-            <a:extLst>
-              <a:ext uri="{FF2B5EF4-FFF2-40B4-BE49-F238E27FC236}">
-                <a16:creationId xmlns:a16="http://schemas.microsoft.com/office/drawing/2014/main" id="{B58AD062-2591-4D5B-9146-A27345786AF0}"/>
-              </a:ext>
-            </a:extLst>
-          </p:cNvPr>
-          <p:cNvSpPr>
-            <a:spLocks noGrp="1"/>
-          </p:cNvSpPr>
-          <p:nvPr>
-            <p:ph type="title"/>
-          </p:nvPr>
-        </p:nvSpPr>
-        <p:spPr/>
-        <p:txBody>
-          <a:bodyPr/>
-          <a:lstStyle/>
-          <a:p>
-            <a:pPr>
-              <a:lnSpc>
-                <a:spcPct val="150000"/>
-              </a:lnSpc>
-            </a:pPr>
-            <a:r>
-              <a:rPr lang="zh-CN" altLang="en-US" dirty="0"/>
-              <a:t>预处理</a:t>
-            </a:r>
-          </a:p>
-        </p:txBody>
-      </p:sp>
-      <p:sp>
-        <p:nvSpPr>
-          <p:cNvPr id="3" name="内容占位符 2">
-            <a:extLst>
-              <a:ext uri="{FF2B5EF4-FFF2-40B4-BE49-F238E27FC236}">
-                <a16:creationId xmlns:a16="http://schemas.microsoft.com/office/drawing/2014/main" id="{2EC106B2-BE57-4AD5-A059-0926EE0EE4E0}"/>
-              </a:ext>
-            </a:extLst>
-          </p:cNvPr>
-          <p:cNvSpPr>
-            <a:spLocks noGrp="1"/>
-          </p:cNvSpPr>
-          <p:nvPr>
-            <p:ph idx="1"/>
-          </p:nvPr>
-        </p:nvSpPr>
-        <p:spPr/>
-        <p:txBody>
-          <a:bodyPr/>
-          <a:lstStyle/>
-          <a:p>
-            <a:pPr>
-              <a:lnSpc>
-                <a:spcPct val="150000"/>
-              </a:lnSpc>
-              <a:spcBef>
-                <a:spcPct val="0"/>
-              </a:spcBef>
-            </a:pPr>
-            <a:r>
-              <a:rPr lang="zh-CN" altLang="en-US" dirty="0"/>
-              <a:t>数据集分析</a:t>
-            </a:r>
-            <a:endParaRPr lang="en-US" altLang="zh-CN" dirty="0"/>
-          </a:p>
-          <a:p>
-            <a:pPr lvl="1">
-              <a:lnSpc>
-                <a:spcPct val="150000"/>
-              </a:lnSpc>
-              <a:spcBef>
-                <a:spcPct val="0"/>
-              </a:spcBef>
-            </a:pPr>
-            <a:r>
-              <a:rPr lang="en-US" altLang="zh-CN" dirty="0"/>
-              <a:t>(</a:t>
-            </a:r>
-            <a:r>
-              <a:rPr lang="zh-CN" altLang="en-US" dirty="0"/>
-              <a:t>形容词</a:t>
-            </a:r>
-            <a:r>
-              <a:rPr lang="en-US" altLang="zh-CN" dirty="0"/>
-              <a:t> + ) </a:t>
-            </a:r>
-            <a:r>
-              <a:rPr lang="zh-CN" altLang="en-US" dirty="0"/>
-              <a:t>名词</a:t>
-            </a:r>
-            <a:endParaRPr lang="en-US" altLang="zh-CN" dirty="0"/>
-          </a:p>
-          <a:p>
-            <a:pPr lvl="1">
-              <a:lnSpc>
-                <a:spcPct val="150000"/>
-              </a:lnSpc>
-              <a:spcBef>
-                <a:spcPct val="0"/>
-              </a:spcBef>
-            </a:pPr>
-            <a:r>
-              <a:rPr lang="zh-CN" altLang="en-US" dirty="0"/>
-              <a:t>分析举例</a:t>
-            </a:r>
-            <a:r>
-              <a:rPr lang="en-US" altLang="zh-CN" dirty="0"/>
-              <a:t>[TODO]</a:t>
-            </a:r>
-          </a:p>
-        </p:txBody>
-      </p:sp>
-    </p:spTree>
-    <p:extLst>
-      <p:ext uri="{BB962C8B-B14F-4D97-AF65-F5344CB8AC3E}">
-        <p14:creationId xmlns:p14="http://schemas.microsoft.com/office/powerpoint/2010/main" val="3238854027"/>
-      </p:ext>
-    </p:extLst>
-  </p:cSld>
-  <p:clrMapOvr>
-    <a:masterClrMapping/>
-  </p:clrMapOvr>
-</p:sld>
-</file>
-
-<file path=ppt/slides/slide4.xml><?xml version="1.0" encoding="utf-8"?>
-<p:sld xmlns:a="http://schemas.openxmlformats.org/drawingml/2006/main" xmlns:r="http://schemas.openxmlformats.org/officeDocument/2006/relationships" xmlns:p="http://schemas.openxmlformats.org/presentationml/2006/main">
-  <p:cSld>
-    <p:spTree>
-      <p:nvGrpSpPr>
-        <p:cNvPr id="1" name=""/>
-        <p:cNvGrpSpPr/>
-        <p:nvPr/>
-      </p:nvGrpSpPr>
-      <p:grpSpPr>
-        <a:xfrm>
-          <a:off x="0" y="0"/>
-          <a:ext cx="0" cy="0"/>
-          <a:chOff x="0" y="0"/>
-          <a:chExt cx="0" cy="0"/>
-        </a:xfrm>
-      </p:grpSpPr>
-      <p:sp>
-        <p:nvSpPr>
-          <p:cNvPr id="2" name="标题 1">
-            <a:extLst>
-              <a:ext uri="{FF2B5EF4-FFF2-40B4-BE49-F238E27FC236}">
-                <a16:creationId xmlns:a16="http://schemas.microsoft.com/office/drawing/2014/main" id="{1BBFE9CA-C705-41BA-8ED9-E7A704726E74}"/>
-              </a:ext>
-            </a:extLst>
-          </p:cNvPr>
-          <p:cNvSpPr>
-            <a:spLocks noGrp="1"/>
-          </p:cNvSpPr>
-          <p:nvPr>
-            <p:ph type="title"/>
-          </p:nvPr>
-        </p:nvSpPr>
-        <p:spPr/>
-        <p:txBody>
-          <a:bodyPr/>
-          <a:lstStyle/>
-          <a:p>
-            <a:pPr>
-              <a:lnSpc>
-                <a:spcPct val="150000"/>
-              </a:lnSpc>
-            </a:pPr>
-            <a:r>
-              <a:rPr lang="zh-CN" altLang="en-US" dirty="0"/>
-              <a:t>预处理</a:t>
-            </a:r>
-          </a:p>
-        </p:txBody>
-      </p:sp>
-      <p:sp>
-        <p:nvSpPr>
-          <p:cNvPr id="3" name="内容占位符 2">
-            <a:extLst>
-              <a:ext uri="{FF2B5EF4-FFF2-40B4-BE49-F238E27FC236}">
-                <a16:creationId xmlns:a16="http://schemas.microsoft.com/office/drawing/2014/main" id="{CC6AB183-7442-4041-8A19-A20FEBB68AC0}"/>
-              </a:ext>
-            </a:extLst>
-          </p:cNvPr>
-          <p:cNvSpPr>
-            <a:spLocks noGrp="1"/>
-          </p:cNvSpPr>
-          <p:nvPr>
-            <p:ph idx="1"/>
-          </p:nvPr>
-        </p:nvSpPr>
-        <p:spPr/>
-        <p:txBody>
-          <a:bodyPr/>
-          <a:lstStyle/>
-          <a:p>
-            <a:pPr>
-              <a:lnSpc>
-                <a:spcPct val="150000"/>
-              </a:lnSpc>
-              <a:spcBef>
-                <a:spcPct val="0"/>
-              </a:spcBef>
-            </a:pPr>
-            <a:r>
-              <a:rPr lang="zh-CN" altLang="en-US" dirty="0"/>
-              <a:t>数据增强</a:t>
-            </a:r>
-            <a:endParaRPr lang="en-US" altLang="zh-CN" dirty="0"/>
-          </a:p>
-          <a:p>
-            <a:pPr lvl="1">
-              <a:lnSpc>
-                <a:spcPct val="150000"/>
-              </a:lnSpc>
-              <a:spcBef>
-                <a:spcPct val="0"/>
-              </a:spcBef>
-            </a:pPr>
-            <a:r>
-              <a:rPr lang="zh-CN" altLang="en-US" dirty="0"/>
-              <a:t>回译</a:t>
-            </a:r>
-            <a:endParaRPr lang="en-US" altLang="zh-CN" dirty="0"/>
-          </a:p>
-          <a:p>
-            <a:pPr lvl="2">
-              <a:lnSpc>
-                <a:spcPct val="150000"/>
-              </a:lnSpc>
-              <a:spcBef>
-                <a:spcPct val="0"/>
-              </a:spcBef>
-            </a:pPr>
-            <a:r>
-              <a:rPr lang="zh-CN" altLang="en-US" dirty="0"/>
-              <a:t>中文 </a:t>
-            </a:r>
-            <a:r>
-              <a:rPr lang="en-US" altLang="zh-CN" dirty="0">
-                <a:sym typeface="Wingdings" panose="05000000000000000000" pitchFamily="2" charset="2"/>
-              </a:rPr>
-              <a:t> </a:t>
-            </a:r>
-            <a:r>
-              <a:rPr lang="zh-CN" altLang="en-US" dirty="0">
-                <a:sym typeface="Wingdings" panose="05000000000000000000" pitchFamily="2" charset="2"/>
-              </a:rPr>
-              <a:t>搜狗翻译 </a:t>
-            </a:r>
-            <a:r>
-              <a:rPr lang="en-US" altLang="zh-CN" dirty="0">
-                <a:sym typeface="Wingdings" panose="05000000000000000000" pitchFamily="2" charset="2"/>
-              </a:rPr>
-              <a:t> </a:t>
-            </a:r>
-            <a:r>
-              <a:rPr lang="zh-CN" altLang="en-US" dirty="0">
-                <a:sym typeface="Wingdings" panose="05000000000000000000" pitchFamily="2" charset="2"/>
-              </a:rPr>
-              <a:t>英文 </a:t>
-            </a:r>
-            <a:r>
-              <a:rPr lang="en-US" altLang="zh-CN" dirty="0">
-                <a:sym typeface="Wingdings" panose="05000000000000000000" pitchFamily="2" charset="2"/>
-              </a:rPr>
-              <a:t> </a:t>
-            </a:r>
-            <a:r>
-              <a:rPr lang="zh-CN" altLang="en-US" dirty="0">
-                <a:sym typeface="Wingdings" panose="05000000000000000000" pitchFamily="2" charset="2"/>
-              </a:rPr>
-              <a:t>有道翻译 </a:t>
-            </a:r>
-            <a:r>
-              <a:rPr lang="en-US" altLang="zh-CN" dirty="0">
-                <a:sym typeface="Wingdings" panose="05000000000000000000" pitchFamily="2" charset="2"/>
-              </a:rPr>
-              <a:t> </a:t>
-            </a:r>
-            <a:r>
-              <a:rPr lang="zh-CN" altLang="en-US" dirty="0">
-                <a:sym typeface="Wingdings" panose="05000000000000000000" pitchFamily="2" charset="2"/>
-              </a:rPr>
-              <a:t>中文</a:t>
-            </a:r>
-            <a:endParaRPr lang="en-US" altLang="zh-CN" dirty="0">
-              <a:sym typeface="Wingdings" panose="05000000000000000000" pitchFamily="2" charset="2"/>
-            </a:endParaRPr>
-          </a:p>
-          <a:p>
-            <a:pPr lvl="2">
-              <a:lnSpc>
-                <a:spcPct val="150000"/>
-              </a:lnSpc>
-              <a:spcBef>
-                <a:spcPct val="0"/>
-              </a:spcBef>
-            </a:pPr>
-            <a:r>
-              <a:rPr lang="zh-CN" altLang="en-US" dirty="0">
-                <a:sym typeface="Wingdings" panose="05000000000000000000" pitchFamily="2" charset="2"/>
-              </a:rPr>
-              <a:t>效果举例，好的和不好的</a:t>
-            </a:r>
-            <a:endParaRPr lang="en-US" altLang="zh-CN" dirty="0">
-              <a:sym typeface="Wingdings" panose="05000000000000000000" pitchFamily="2" charset="2"/>
-            </a:endParaRPr>
-          </a:p>
-        </p:txBody>
-      </p:sp>
-    </p:spTree>
-    <p:extLst>
-      <p:ext uri="{BB962C8B-B14F-4D97-AF65-F5344CB8AC3E}">
-        <p14:creationId xmlns:p14="http://schemas.microsoft.com/office/powerpoint/2010/main" val="1410162400"/>
-      </p:ext>
-    </p:extLst>
-  </p:cSld>
-  <p:clrMapOvr>
-    <a:masterClrMapping/>
-  </p:clrMapOvr>
-</p:sld>
-</file>
-
-<file path=ppt/slides/slide5.xml><?xml version="1.0" encoding="utf-8"?>
-<p:sld xmlns:a="http://schemas.openxmlformats.org/drawingml/2006/main" xmlns:r="http://schemas.openxmlformats.org/officeDocument/2006/relationships" xmlns:p="http://schemas.openxmlformats.org/presentationml/2006/main">
-  <p:cSld>
-    <p:spTree>
-      <p:nvGrpSpPr>
-        <p:cNvPr id="1" name=""/>
-        <p:cNvGrpSpPr/>
-        <p:nvPr/>
-      </p:nvGrpSpPr>
-      <p:grpSpPr>
-        <a:xfrm>
-          <a:off x="0" y="0"/>
-          <a:ext cx="0" cy="0"/>
-          <a:chOff x="0" y="0"/>
-          <a:chExt cx="0" cy="0"/>
-        </a:xfrm>
-      </p:grpSpPr>
-      <p:sp>
-        <p:nvSpPr>
-          <p:cNvPr id="2" name="标题 1">
-            <a:extLst>
-              <a:ext uri="{FF2B5EF4-FFF2-40B4-BE49-F238E27FC236}">
-                <a16:creationId xmlns:a16="http://schemas.microsoft.com/office/drawing/2014/main" id="{A4403452-F44C-4A26-A576-CBA86D68613B}"/>
-              </a:ext>
-            </a:extLst>
-          </p:cNvPr>
-          <p:cNvSpPr>
-            <a:spLocks noGrp="1"/>
-          </p:cNvSpPr>
-          <p:nvPr>
-            <p:ph type="title"/>
-          </p:nvPr>
-        </p:nvSpPr>
-        <p:spPr/>
-        <p:txBody>
-          <a:bodyPr/>
-          <a:lstStyle/>
-          <a:p>
-            <a:pPr>
-              <a:lnSpc>
-                <a:spcPct val="150000"/>
-              </a:lnSpc>
-            </a:pPr>
-            <a:r>
-              <a:rPr lang="zh-CN" altLang="en-US" dirty="0"/>
-              <a:t>预处理</a:t>
-            </a:r>
-          </a:p>
-        </p:txBody>
-      </p:sp>
-      <p:sp>
-        <p:nvSpPr>
-          <p:cNvPr id="3" name="内容占位符 2">
-            <a:extLst>
-              <a:ext uri="{FF2B5EF4-FFF2-40B4-BE49-F238E27FC236}">
-                <a16:creationId xmlns:a16="http://schemas.microsoft.com/office/drawing/2014/main" id="{ED328317-943C-4B79-9AE0-6BC3DB353970}"/>
-              </a:ext>
-            </a:extLst>
-          </p:cNvPr>
-          <p:cNvSpPr>
-            <a:spLocks noGrp="1"/>
-          </p:cNvSpPr>
-          <p:nvPr>
-            <p:ph idx="1"/>
-          </p:nvPr>
-        </p:nvSpPr>
-        <p:spPr/>
-        <p:txBody>
-          <a:bodyPr/>
-          <a:lstStyle/>
-          <a:p>
-            <a:pPr>
-              <a:lnSpc>
-                <a:spcPct val="150000"/>
-              </a:lnSpc>
-              <a:spcBef>
-                <a:spcPct val="0"/>
-              </a:spcBef>
-            </a:pPr>
-            <a:r>
-              <a:rPr lang="zh-CN" altLang="en-US" dirty="0"/>
-              <a:t>数据增强</a:t>
-            </a:r>
-            <a:endParaRPr lang="en-US" altLang="zh-CN" dirty="0"/>
-          </a:p>
-          <a:p>
-            <a:pPr lvl="1">
-              <a:lnSpc>
-                <a:spcPct val="150000"/>
-              </a:lnSpc>
-              <a:spcBef>
-                <a:spcPct val="0"/>
-              </a:spcBef>
-            </a:pPr>
-            <a:r>
-              <a:rPr lang="en-US" altLang="zh-CN" dirty="0"/>
-              <a:t>EDA</a:t>
-            </a:r>
-            <a:endParaRPr lang="zh-CN" altLang="en-US" dirty="0"/>
-          </a:p>
-        </p:txBody>
-      </p:sp>
-    </p:spTree>
-    <p:extLst>
-      <p:ext uri="{BB962C8B-B14F-4D97-AF65-F5344CB8AC3E}">
-        <p14:creationId xmlns:p14="http://schemas.microsoft.com/office/powerpoint/2010/main" val="2844187483"/>
-      </p:ext>
-    </p:extLst>
-  </p:cSld>
-  <p:clrMapOvr>
-    <a:masterClrMapping/>
-  </p:clrMapOvr>
-</p:sld>
-</file>
-
-<file path=ppt/slides/slide6.xml><?xml version="1.0" encoding="utf-8"?>
-<p:sld xmlns:a="http://schemas.openxmlformats.org/drawingml/2006/main" xmlns:r="http://schemas.openxmlformats.org/officeDocument/2006/relationships" xmlns:p="http://schemas.openxmlformats.org/presentationml/2006/main">
-  <p:cSld>
-    <p:spTree>
-      <p:nvGrpSpPr>
-        <p:cNvPr id="1" name=""/>
-        <p:cNvGrpSpPr/>
-        <p:nvPr/>
-      </p:nvGrpSpPr>
-      <p:grpSpPr>
-        <a:xfrm>
-          <a:off x="0" y="0"/>
-          <a:ext cx="0" cy="0"/>
-          <a:chOff x="0" y="0"/>
-          <a:chExt cx="0" cy="0"/>
-        </a:xfrm>
-      </p:grpSpPr>
-      <p:sp>
-        <p:nvSpPr>
-          <p:cNvPr id="2" name="标题 1">
-            <a:extLst>
-              <a:ext uri="{FF2B5EF4-FFF2-40B4-BE49-F238E27FC236}">
                 <a16:creationId xmlns:a16="http://schemas.microsoft.com/office/drawing/2014/main" id="{3599B843-403C-4D7A-872A-51C1CE378B40}"/>
               </a:ext>
             </a:extLst>
@@ -5456,7 +4866,7 @@
           <a:graphicData uri="http://schemas.openxmlformats.org/presentationml/2006/ole">
             <mc:AlternateContent xmlns:mc="http://schemas.openxmlformats.org/markup-compatibility/2006">
               <mc:Choice xmlns:v="urn:schemas-microsoft-com:vml" Requires="v">
-                <p:oleObj spid="_x0000_s1481" name="Equation" r:id="rId4" imgW="2120760" imgH="203040" progId="Equation.DSMT4">
+                <p:oleObj spid="_x0000_s1658" name="Equation" r:id="rId4" imgW="2120760" imgH="203040" progId="Equation.DSMT4">
                   <p:embed/>
                 </p:oleObj>
               </mc:Choice>
@@ -5504,7 +4914,7 @@
 </p:sld>
 </file>
 
-<file path=ppt/slides/slide7.xml><?xml version="1.0" encoding="utf-8"?>
+<file path=ppt/slides/slide11.xml><?xml version="1.0" encoding="utf-8"?>
 <p:sld xmlns:a="http://schemas.openxmlformats.org/drawingml/2006/main" xmlns:r="http://schemas.openxmlformats.org/officeDocument/2006/relationships" xmlns:p="http://schemas.openxmlformats.org/presentationml/2006/main">
   <p:cSld>
     <p:spTree>
@@ -5526,7 +4936,7 @@
           <p:cNvPr id="2" name="标题 1">
             <a:extLst>
               <a:ext uri="{FF2B5EF4-FFF2-40B4-BE49-F238E27FC236}">
-                <a16:creationId xmlns:a16="http://schemas.microsoft.com/office/drawing/2014/main" id="{5C9A53AF-80C2-463F-B615-5FB311D687E7}"/>
+                <a16:creationId xmlns:a16="http://schemas.microsoft.com/office/drawing/2014/main" id="{92F48656-BA8D-4914-82E9-3E735447EDA5}"/>
               </a:ext>
             </a:extLst>
           </p:cNvPr>
@@ -5559,7 +4969,7 @@
           <p:cNvPr id="3" name="内容占位符 2">
             <a:extLst>
               <a:ext uri="{FF2B5EF4-FFF2-40B4-BE49-F238E27FC236}">
-                <a16:creationId xmlns:a16="http://schemas.microsoft.com/office/drawing/2014/main" id="{D6A60BF5-2C3A-4908-8877-CD53B4AECA9B}"/>
+                <a16:creationId xmlns:a16="http://schemas.microsoft.com/office/drawing/2014/main" id="{28EE7E6A-8595-416F-B488-EEC550812FBE}"/>
               </a:ext>
             </a:extLst>
           </p:cNvPr>
@@ -5572,7 +4982,7 @@
         </p:nvSpPr>
         <p:spPr>
           <a:xfrm>
-            <a:off x="628650" y="1582433"/>
+            <a:off x="628650" y="1690689"/>
             <a:ext cx="7886700" cy="4351338"/>
           </a:xfrm>
         </p:spPr>
@@ -5585,12 +4995,12 @@
                 <a:spcPct val="150000"/>
               </a:lnSpc>
               <a:spcBef>
-                <a:spcPts val="0"/>
+                <a:spcPct val="0"/>
               </a:spcBef>
             </a:pPr>
             <a:r>
               <a:rPr lang="zh-CN" altLang="en-US" dirty="0"/>
-              <a:t>主要模型</a:t>
+              <a:t>遇到的问题</a:t>
             </a:r>
             <a:endParaRPr lang="en-US" altLang="zh-CN" dirty="0"/>
           </a:p>
@@ -5600,13 +5010,85 @@
                 <a:spcPct val="150000"/>
               </a:lnSpc>
               <a:spcBef>
-                <a:spcPts val="0"/>
+                <a:spcPct val="0"/>
               </a:spcBef>
             </a:pPr>
             <a:r>
               <a:rPr lang="en-US" altLang="zh-CN" dirty="0"/>
-              <a:t>Bert baseline</a:t>
-            </a:r>
+              <a:t>loss = Nan</a:t>
+            </a:r>
+          </a:p>
+          <a:p>
+            <a:pPr lvl="2">
+              <a:lnSpc>
+                <a:spcPct val="150000"/>
+              </a:lnSpc>
+              <a:spcBef>
+                <a:spcPct val="0"/>
+              </a:spcBef>
+            </a:pPr>
+            <a:r>
+              <a:rPr lang="en-US" altLang="zh-CN" dirty="0"/>
+              <a:t>Doc Span </a:t>
+            </a:r>
+            <a:r>
+              <a:rPr lang="en-US" altLang="zh-CN" dirty="0">
+                <a:sym typeface="Wingdings" panose="05000000000000000000" pitchFamily="2" charset="2"/>
+              </a:rPr>
+              <a:t> No Answer</a:t>
+            </a:r>
+          </a:p>
+          <a:p>
+            <a:pPr lvl="2">
+              <a:lnSpc>
+                <a:spcPct val="150000"/>
+              </a:lnSpc>
+              <a:spcBef>
+                <a:spcPct val="0"/>
+              </a:spcBef>
+            </a:pPr>
+            <a:r>
+              <a:rPr lang="zh-CN" altLang="en-US" dirty="0">
+                <a:sym typeface="Wingdings" panose="05000000000000000000" pitchFamily="2" charset="2"/>
+              </a:rPr>
+              <a:t>计算中出现：</a:t>
+            </a:r>
+            <a:r>
+              <a:rPr lang="en-US" altLang="zh-CN" dirty="0">
+                <a:latin typeface="Consolas" panose="020B0609020204030204" pitchFamily="49" charset="0"/>
+                <a:sym typeface="Wingdings" panose="05000000000000000000" pitchFamily="2" charset="2"/>
+              </a:rPr>
+              <a:t>-</a:t>
+            </a:r>
+            <a:r>
+              <a:rPr lang="en-US" altLang="zh-CN" dirty="0" err="1">
+                <a:latin typeface="Consolas" panose="020B0609020204030204" pitchFamily="49" charset="0"/>
+                <a:sym typeface="Wingdings" panose="05000000000000000000" pitchFamily="2" charset="2"/>
+              </a:rPr>
+              <a:t>tf.reduce_sum</a:t>
+            </a:r>
+            <a:r>
+              <a:rPr lang="en-US" altLang="zh-CN" dirty="0">
+                <a:latin typeface="Consolas" panose="020B0609020204030204" pitchFamily="49" charset="0"/>
+                <a:sym typeface="Wingdings" panose="05000000000000000000" pitchFamily="2" charset="2"/>
+              </a:rPr>
+              <a:t>(y *log(0))</a:t>
+            </a:r>
+          </a:p>
+          <a:p>
+            <a:pPr lvl="2">
+              <a:lnSpc>
+                <a:spcPct val="150000"/>
+              </a:lnSpc>
+              <a:spcBef>
+                <a:spcPct val="0"/>
+              </a:spcBef>
+            </a:pPr>
+            <a:r>
+              <a:rPr lang="zh-CN" altLang="en-US" dirty="0"/>
+              <a:t>删除无答案样本</a:t>
+            </a:r>
+            <a:endParaRPr lang="en-US" altLang="zh-CN" dirty="0"/>
           </a:p>
           <a:p>
             <a:pPr lvl="1">
@@ -5614,151 +5096,61 @@
                 <a:spcPct val="150000"/>
               </a:lnSpc>
               <a:spcBef>
-                <a:spcPts val="0"/>
+                <a:spcPct val="0"/>
               </a:spcBef>
             </a:pPr>
             <a:r>
-              <a:rPr lang="en-US" altLang="zh-CN" dirty="0"/>
-              <a:t>Bert + context2query and query2context attention</a:t>
-            </a:r>
-          </a:p>
-          <a:p>
-            <a:pPr lvl="1">
+              <a:rPr lang="zh-CN" altLang="en-US" dirty="0"/>
+              <a:t>过拟合</a:t>
+            </a:r>
+            <a:endParaRPr lang="en-US" altLang="zh-CN" dirty="0"/>
+          </a:p>
+          <a:p>
+            <a:pPr lvl="2">
               <a:lnSpc>
                 <a:spcPct val="150000"/>
               </a:lnSpc>
               <a:spcBef>
-                <a:spcPts val="0"/>
+                <a:spcPct val="0"/>
               </a:spcBef>
             </a:pPr>
-            <a:endParaRPr lang="en-US" altLang="zh-CN" dirty="0"/>
-          </a:p>
-          <a:p>
-            <a:pPr lvl="1">
+            <a:r>
+              <a:rPr lang="en-US" altLang="zh-CN" dirty="0"/>
+              <a:t>Dropout</a:t>
+            </a:r>
+            <a:r>
+              <a:rPr lang="zh-CN" altLang="en-US" dirty="0"/>
+              <a:t>，</a:t>
+            </a:r>
+            <a:r>
+              <a:rPr lang="en-US" altLang="zh-CN" dirty="0" err="1"/>
+              <a:t>keep_prob</a:t>
+            </a:r>
+            <a:r>
+              <a:rPr lang="en-US" altLang="zh-CN" dirty="0"/>
+              <a:t>=0.5/0.6/0.75</a:t>
+            </a:r>
+          </a:p>
+          <a:p>
+            <a:pPr lvl="2">
               <a:lnSpc>
                 <a:spcPct val="150000"/>
               </a:lnSpc>
               <a:spcBef>
-                <a:spcPts val="0"/>
+                <a:spcPct val="0"/>
               </a:spcBef>
             </a:pPr>
-            <a:endParaRPr lang="en-US" altLang="zh-CN" dirty="0"/>
-          </a:p>
-          <a:p>
-            <a:pPr lvl="1">
-              <a:lnSpc>
-                <a:spcPct val="150000"/>
-              </a:lnSpc>
-              <a:spcBef>
-                <a:spcPts val="0"/>
-              </a:spcBef>
-            </a:pPr>
-            <a:r>
-              <a:rPr lang="en-US" altLang="zh-CN" dirty="0"/>
-              <a:t>Bert + </a:t>
-            </a:r>
-            <a:r>
-              <a:rPr lang="en-US" altLang="zh-CN" dirty="0" err="1"/>
-              <a:t>rnet</a:t>
-            </a:r>
-            <a:endParaRPr lang="zh-CN" altLang="en-US" dirty="0"/>
-          </a:p>
-        </p:txBody>
-      </p:sp>
-      <p:pic>
-        <p:nvPicPr>
-          <p:cNvPr id="4" name="图片 3">
-            <a:extLst>
-              <a:ext uri="{FF2B5EF4-FFF2-40B4-BE49-F238E27FC236}">
-                <a16:creationId xmlns:a16="http://schemas.microsoft.com/office/drawing/2014/main" id="{887082F0-0D0E-4843-AF58-0425CDAE9591}"/>
-              </a:ext>
-            </a:extLst>
-          </p:cNvPr>
-          <p:cNvPicPr>
-            <a:picLocks noChangeAspect="1"/>
-          </p:cNvPicPr>
-          <p:nvPr/>
-        </p:nvPicPr>
-        <p:blipFill>
-          <a:blip r:embed="rId3"/>
-          <a:stretch>
-            <a:fillRect/>
-          </a:stretch>
-        </p:blipFill>
-        <p:spPr>
-          <a:xfrm>
-            <a:off x="3389493" y="3620368"/>
-            <a:ext cx="1182507" cy="1030470"/>
-          </a:xfrm>
-          <a:prstGeom prst="rect">
-            <a:avLst/>
-          </a:prstGeom>
-        </p:spPr>
-      </p:pic>
-      <p:pic>
-        <p:nvPicPr>
-          <p:cNvPr id="5" name="图片 4">
-            <a:extLst>
-              <a:ext uri="{FF2B5EF4-FFF2-40B4-BE49-F238E27FC236}">
-                <a16:creationId xmlns:a16="http://schemas.microsoft.com/office/drawing/2014/main" id="{B361C887-CEFB-43CE-A058-9B3079DB1995}"/>
-              </a:ext>
-            </a:extLst>
-          </p:cNvPr>
-          <p:cNvPicPr>
-            <a:picLocks noChangeAspect="1"/>
-          </p:cNvPicPr>
-          <p:nvPr/>
-        </p:nvPicPr>
-        <p:blipFill>
-          <a:blip r:embed="rId4"/>
-          <a:stretch>
-            <a:fillRect/>
-          </a:stretch>
-        </p:blipFill>
-        <p:spPr>
-          <a:xfrm>
-            <a:off x="1674765" y="3602906"/>
-            <a:ext cx="1218102" cy="1058197"/>
-          </a:xfrm>
-          <a:prstGeom prst="rect">
-            <a:avLst/>
-          </a:prstGeom>
-        </p:spPr>
-      </p:pic>
-      <p:pic>
-        <p:nvPicPr>
-          <p:cNvPr id="7" name="图片 6">
-            <a:extLst>
-              <a:ext uri="{FF2B5EF4-FFF2-40B4-BE49-F238E27FC236}">
-                <a16:creationId xmlns:a16="http://schemas.microsoft.com/office/drawing/2014/main" id="{9EE8993D-A098-4A05-8436-36E5F7667A6C}"/>
-              </a:ext>
-            </a:extLst>
-          </p:cNvPr>
-          <p:cNvPicPr>
-            <a:picLocks noChangeAspect="1"/>
-          </p:cNvPicPr>
-          <p:nvPr/>
-        </p:nvPicPr>
-        <p:blipFill>
-          <a:blip r:embed="rId5"/>
-          <a:stretch>
-            <a:fillRect/>
-          </a:stretch>
-        </p:blipFill>
-        <p:spPr>
-          <a:xfrm>
-            <a:off x="4572000" y="3463572"/>
-            <a:ext cx="4264044" cy="3029302"/>
-          </a:xfrm>
-          <a:prstGeom prst="rect">
-            <a:avLst/>
-          </a:prstGeom>
-        </p:spPr>
-      </p:pic>
+            <a:r>
+              <a:rPr lang="zh-CN" altLang="en-US" dirty="0"/>
+              <a:t>数据少</a:t>
+            </a:r>
+          </a:p>
+        </p:txBody>
+      </p:sp>
     </p:spTree>
     <p:extLst>
       <p:ext uri="{BB962C8B-B14F-4D97-AF65-F5344CB8AC3E}">
-        <p14:creationId xmlns:p14="http://schemas.microsoft.com/office/powerpoint/2010/main" val="2803102934"/>
+        <p14:creationId xmlns:p14="http://schemas.microsoft.com/office/powerpoint/2010/main" val="1731475166"/>
       </p:ext>
     </p:extLst>
   </p:cSld>
@@ -5768,7 +5160,7 @@
 </p:sld>
 </file>
 
-<file path=ppt/slides/slide8.xml><?xml version="1.0" encoding="utf-8"?>
+<file path=ppt/slides/slide12.xml><?xml version="1.0" encoding="utf-8"?>
 <p:sld xmlns:a="http://schemas.openxmlformats.org/drawingml/2006/main" xmlns:r="http://schemas.openxmlformats.org/officeDocument/2006/relationships" xmlns:p="http://schemas.openxmlformats.org/presentationml/2006/main">
   <p:cSld>
     <p:spTree>
@@ -5790,7 +5182,7 @@
           <p:cNvPr id="2" name="标题 1">
             <a:extLst>
               <a:ext uri="{FF2B5EF4-FFF2-40B4-BE49-F238E27FC236}">
-                <a16:creationId xmlns:a16="http://schemas.microsoft.com/office/drawing/2014/main" id="{92F48656-BA8D-4914-82E9-3E735447EDA5}"/>
+                <a16:creationId xmlns:a16="http://schemas.microsoft.com/office/drawing/2014/main" id="{246B43CC-CDF4-48FB-A316-D26F65B51F21}"/>
               </a:ext>
             </a:extLst>
           </p:cNvPr>
@@ -5813,239 +5205,6 @@
             </a:pPr>
             <a:r>
               <a:rPr lang="zh-CN" altLang="en-US" dirty="0"/>
-              <a:t>模型训练</a:t>
-            </a:r>
-          </a:p>
-        </p:txBody>
-      </p:sp>
-      <p:sp>
-        <p:nvSpPr>
-          <p:cNvPr id="3" name="内容占位符 2">
-            <a:extLst>
-              <a:ext uri="{FF2B5EF4-FFF2-40B4-BE49-F238E27FC236}">
-                <a16:creationId xmlns:a16="http://schemas.microsoft.com/office/drawing/2014/main" id="{28EE7E6A-8595-416F-B488-EEC550812FBE}"/>
-              </a:ext>
-            </a:extLst>
-          </p:cNvPr>
-          <p:cNvSpPr>
-            <a:spLocks noGrp="1"/>
-          </p:cNvSpPr>
-          <p:nvPr>
-            <p:ph idx="1"/>
-          </p:nvPr>
-        </p:nvSpPr>
-        <p:spPr>
-          <a:xfrm>
-            <a:off x="628650" y="1690689"/>
-            <a:ext cx="7886700" cy="4351338"/>
-          </a:xfrm>
-        </p:spPr>
-        <p:txBody>
-          <a:bodyPr/>
-          <a:lstStyle/>
-          <a:p>
-            <a:pPr>
-              <a:lnSpc>
-                <a:spcPct val="150000"/>
-              </a:lnSpc>
-              <a:spcBef>
-                <a:spcPct val="0"/>
-              </a:spcBef>
-            </a:pPr>
-            <a:r>
-              <a:rPr lang="zh-CN" altLang="en-US" dirty="0"/>
-              <a:t>遇到的问题</a:t>
-            </a:r>
-            <a:endParaRPr lang="en-US" altLang="zh-CN" dirty="0"/>
-          </a:p>
-          <a:p>
-            <a:pPr lvl="1">
-              <a:lnSpc>
-                <a:spcPct val="150000"/>
-              </a:lnSpc>
-              <a:spcBef>
-                <a:spcPct val="0"/>
-              </a:spcBef>
-            </a:pPr>
-            <a:r>
-              <a:rPr lang="en-US" altLang="zh-CN" dirty="0"/>
-              <a:t>loss = Nan</a:t>
-            </a:r>
-          </a:p>
-          <a:p>
-            <a:pPr lvl="2">
-              <a:lnSpc>
-                <a:spcPct val="150000"/>
-              </a:lnSpc>
-              <a:spcBef>
-                <a:spcPct val="0"/>
-              </a:spcBef>
-            </a:pPr>
-            <a:r>
-              <a:rPr lang="en-US" altLang="zh-CN" dirty="0"/>
-              <a:t>Doc Span </a:t>
-            </a:r>
-            <a:r>
-              <a:rPr lang="en-US" altLang="zh-CN" dirty="0">
-                <a:sym typeface="Wingdings" panose="05000000000000000000" pitchFamily="2" charset="2"/>
-              </a:rPr>
-              <a:t> No Answer</a:t>
-            </a:r>
-          </a:p>
-          <a:p>
-            <a:pPr lvl="2">
-              <a:lnSpc>
-                <a:spcPct val="150000"/>
-              </a:lnSpc>
-              <a:spcBef>
-                <a:spcPct val="0"/>
-              </a:spcBef>
-            </a:pPr>
-            <a:r>
-              <a:rPr lang="zh-CN" altLang="en-US" dirty="0">
-                <a:sym typeface="Wingdings" panose="05000000000000000000" pitchFamily="2" charset="2"/>
-              </a:rPr>
-              <a:t>计算中出现：</a:t>
-            </a:r>
-            <a:r>
-              <a:rPr lang="en-US" altLang="zh-CN" dirty="0">
-                <a:latin typeface="Consolas" panose="020B0609020204030204" pitchFamily="49" charset="0"/>
-                <a:sym typeface="Wingdings" panose="05000000000000000000" pitchFamily="2" charset="2"/>
-              </a:rPr>
-              <a:t>-</a:t>
-            </a:r>
-            <a:r>
-              <a:rPr lang="en-US" altLang="zh-CN" dirty="0" err="1">
-                <a:latin typeface="Consolas" panose="020B0609020204030204" pitchFamily="49" charset="0"/>
-                <a:sym typeface="Wingdings" panose="05000000000000000000" pitchFamily="2" charset="2"/>
-              </a:rPr>
-              <a:t>tf.reduce_sum</a:t>
-            </a:r>
-            <a:r>
-              <a:rPr lang="en-US" altLang="zh-CN" dirty="0">
-                <a:latin typeface="Consolas" panose="020B0609020204030204" pitchFamily="49" charset="0"/>
-                <a:sym typeface="Wingdings" panose="05000000000000000000" pitchFamily="2" charset="2"/>
-              </a:rPr>
-              <a:t>(y *log(0))</a:t>
-            </a:r>
-          </a:p>
-          <a:p>
-            <a:pPr lvl="2">
-              <a:lnSpc>
-                <a:spcPct val="150000"/>
-              </a:lnSpc>
-              <a:spcBef>
-                <a:spcPct val="0"/>
-              </a:spcBef>
-            </a:pPr>
-            <a:r>
-              <a:rPr lang="zh-CN" altLang="en-US" dirty="0"/>
-              <a:t>删除无答案样本</a:t>
-            </a:r>
-            <a:endParaRPr lang="en-US" altLang="zh-CN" dirty="0"/>
-          </a:p>
-          <a:p>
-            <a:pPr lvl="1">
-              <a:lnSpc>
-                <a:spcPct val="150000"/>
-              </a:lnSpc>
-              <a:spcBef>
-                <a:spcPct val="0"/>
-              </a:spcBef>
-            </a:pPr>
-            <a:r>
-              <a:rPr lang="zh-CN" altLang="en-US" dirty="0"/>
-              <a:t>过拟合</a:t>
-            </a:r>
-            <a:endParaRPr lang="en-US" altLang="zh-CN" dirty="0"/>
-          </a:p>
-          <a:p>
-            <a:pPr lvl="2">
-              <a:lnSpc>
-                <a:spcPct val="150000"/>
-              </a:lnSpc>
-              <a:spcBef>
-                <a:spcPct val="0"/>
-              </a:spcBef>
-            </a:pPr>
-            <a:r>
-              <a:rPr lang="en-US" altLang="zh-CN" dirty="0"/>
-              <a:t>Dropout</a:t>
-            </a:r>
-            <a:r>
-              <a:rPr lang="zh-CN" altLang="en-US" dirty="0"/>
-              <a:t>，</a:t>
-            </a:r>
-            <a:r>
-              <a:rPr lang="en-US" altLang="zh-CN" dirty="0" err="1"/>
-              <a:t>keep_prob</a:t>
-            </a:r>
-            <a:r>
-              <a:rPr lang="en-US" altLang="zh-CN" dirty="0"/>
-              <a:t>=0.5/0.6/0.75</a:t>
-            </a:r>
-            <a:endParaRPr lang="zh-CN" altLang="en-US" dirty="0"/>
-          </a:p>
-        </p:txBody>
-      </p:sp>
-    </p:spTree>
-    <p:extLst>
-      <p:ext uri="{BB962C8B-B14F-4D97-AF65-F5344CB8AC3E}">
-        <p14:creationId xmlns:p14="http://schemas.microsoft.com/office/powerpoint/2010/main" val="1731475166"/>
-      </p:ext>
-    </p:extLst>
-  </p:cSld>
-  <p:clrMapOvr>
-    <a:masterClrMapping/>
-  </p:clrMapOvr>
-</p:sld>
-</file>
-
-<file path=ppt/slides/slide9.xml><?xml version="1.0" encoding="utf-8"?>
-<p:sld xmlns:a="http://schemas.openxmlformats.org/drawingml/2006/main" xmlns:r="http://schemas.openxmlformats.org/officeDocument/2006/relationships" xmlns:p="http://schemas.openxmlformats.org/presentationml/2006/main">
-  <p:cSld>
-    <p:spTree>
-      <p:nvGrpSpPr>
-        <p:cNvPr id="1" name=""/>
-        <p:cNvGrpSpPr/>
-        <p:nvPr/>
-      </p:nvGrpSpPr>
-      <p:grpSpPr>
-        <a:xfrm>
-          <a:off x="0" y="0"/>
-          <a:ext cx="0" cy="0"/>
-          <a:chOff x="0" y="0"/>
-          <a:chExt cx="0" cy="0"/>
-        </a:xfrm>
-      </p:grpSpPr>
-      <p:sp>
-        <p:nvSpPr>
-          <p:cNvPr id="2" name="标题 1">
-            <a:extLst>
-              <a:ext uri="{FF2B5EF4-FFF2-40B4-BE49-F238E27FC236}">
-                <a16:creationId xmlns:a16="http://schemas.microsoft.com/office/drawing/2014/main" id="{246B43CC-CDF4-48FB-A316-D26F65B51F21}"/>
-              </a:ext>
-            </a:extLst>
-          </p:cNvPr>
-          <p:cNvSpPr>
-            <a:spLocks noGrp="1"/>
-          </p:cNvSpPr>
-          <p:nvPr>
-            <p:ph type="title"/>
-          </p:nvPr>
-        </p:nvSpPr>
-        <p:spPr/>
-        <p:txBody>
-          <a:bodyPr/>
-          <a:lstStyle/>
-          <a:p>
-            <a:pPr>
-              <a:lnSpc>
-                <a:spcPct val="150000"/>
-              </a:lnSpc>
-            </a:pPr>
-            <a:r>
-              <a:rPr lang="zh-CN" altLang="en-US" dirty="0"/>
               <a:t>结果分析</a:t>
             </a:r>
             <a:r>
@@ -6088,7 +5247,7 @@
             <p:ph idx="1"/>
             <p:extLst>
               <p:ext uri="{D42A27DB-BD31-4B8C-83A1-F6EECF244321}">
-                <p14:modId xmlns:p14="http://schemas.microsoft.com/office/powerpoint/2010/main" val="2110102610"/>
+                <p14:modId xmlns:p14="http://schemas.microsoft.com/office/powerpoint/2010/main" val="430973837"/>
               </p:ext>
             </p:extLst>
           </p:nvPr>
@@ -6178,6 +5337,11 @@
                         <a:rPr lang="zh-CN" altLang="en-US" dirty="0"/>
                         <a:t>召回率</a:t>
                       </a:r>
+                      <a:r>
+                        <a:rPr lang="en-US" altLang="zh-CN" dirty="0"/>
+                        <a:t>(%)</a:t>
+                      </a:r>
+                      <a:endParaRPr lang="zh-CN" altLang="en-US" dirty="0"/>
                     </a:p>
                   </a:txBody>
                   <a:tcPr/>
@@ -6202,6 +5366,11 @@
                         <a:rPr lang="zh-CN" altLang="en-US" dirty="0"/>
                         <a:t>准确率</a:t>
                       </a:r>
+                      <a:r>
+                        <a:rPr lang="en-US" altLang="zh-CN" dirty="0"/>
+                        <a:t>(%)</a:t>
+                      </a:r>
+                      <a:endParaRPr lang="zh-CN" altLang="en-US" dirty="0"/>
                     </a:p>
                   </a:txBody>
                   <a:tcPr/>
@@ -6230,6 +5399,11 @@
                         <a:rPr lang="zh-CN" altLang="en-US" dirty="0"/>
                         <a:t>值</a:t>
                       </a:r>
+                      <a:r>
+                        <a:rPr lang="en-US" altLang="zh-CN" dirty="0"/>
+                        <a:t>(%)</a:t>
+                      </a:r>
+                      <a:endParaRPr lang="zh-CN" altLang="en-US" dirty="0"/>
                     </a:p>
                   </a:txBody>
                   <a:tcPr/>
@@ -6523,7 +5697,7 @@
                       </a:pPr>
                       <a:r>
                         <a:rPr lang="en-US" altLang="zh-CN" dirty="0"/>
-                        <a:t>87.237</a:t>
+                        <a:t>88.237</a:t>
                       </a:r>
                       <a:endParaRPr lang="zh-CN" altLang="en-US" dirty="0"/>
                     </a:p>
@@ -6548,7 +5722,7 @@
                       </a:pPr>
                       <a:r>
                         <a:rPr lang="en-US" altLang="zh-CN" b="1" dirty="0"/>
-                        <a:t>87.152</a:t>
+                        <a:t>87.752</a:t>
                       </a:r>
                       <a:endParaRPr lang="zh-CN" altLang="en-US" b="1" dirty="0"/>
                     </a:p>
@@ -6779,7 +5953,7 @@
                   </a:ext>
                 </a:extLst>
               </a:tr>
-              <a:tr h="442958">
+              <a:tr h="327804">
                 <a:tc>
                   <a:txBody>
                     <a:bodyPr/>
@@ -6852,7 +6026,7 @@
                       </a:pPr>
                       <a:r>
                         <a:rPr lang="en-US" altLang="zh-CN" dirty="0"/>
-                        <a:t>87.157</a:t>
+                        <a:t>88.857</a:t>
                       </a:r>
                       <a:endParaRPr lang="zh-CN" altLang="en-US" dirty="0"/>
                     </a:p>
@@ -6877,7 +6051,7 @@
                       </a:pPr>
                       <a:r>
                         <a:rPr lang="en-US" altLang="zh-CN" b="1" dirty="0"/>
-                        <a:t>87.451</a:t>
+                        <a:t>88.451</a:t>
                       </a:r>
                       <a:endParaRPr lang="zh-CN" altLang="en-US" b="1" dirty="0"/>
                     </a:p>
@@ -6990,6 +6164,4110 @@
     <p:extLst>
       <p:ext uri="{BB962C8B-B14F-4D97-AF65-F5344CB8AC3E}">
         <p14:creationId xmlns:p14="http://schemas.microsoft.com/office/powerpoint/2010/main" val="417862162"/>
+      </p:ext>
+    </p:extLst>
+  </p:cSld>
+  <p:clrMapOvr>
+    <a:masterClrMapping/>
+  </p:clrMapOvr>
+</p:sld>
+</file>
+
+<file path=ppt/slides/slide13.xml><?xml version="1.0" encoding="utf-8"?>
+<p:sld xmlns:a="http://schemas.openxmlformats.org/drawingml/2006/main" xmlns:r="http://schemas.openxmlformats.org/officeDocument/2006/relationships" xmlns:p="http://schemas.openxmlformats.org/presentationml/2006/main">
+  <p:cSld>
+    <p:spTree>
+      <p:nvGrpSpPr>
+        <p:cNvPr id="1" name=""/>
+        <p:cNvGrpSpPr/>
+        <p:nvPr/>
+      </p:nvGrpSpPr>
+      <p:grpSpPr>
+        <a:xfrm>
+          <a:off x="0" y="0"/>
+          <a:ext cx="0" cy="0"/>
+          <a:chOff x="0" y="0"/>
+          <a:chExt cx="0" cy="0"/>
+        </a:xfrm>
+      </p:grpSpPr>
+      <p:sp>
+        <p:nvSpPr>
+          <p:cNvPr id="2" name="标题 1">
+            <a:extLst>
+              <a:ext uri="{FF2B5EF4-FFF2-40B4-BE49-F238E27FC236}">
+                <a16:creationId xmlns:a16="http://schemas.microsoft.com/office/drawing/2014/main" id="{F11CBDBF-1C02-41EB-85BE-F4EBEBF4C078}"/>
+              </a:ext>
+            </a:extLst>
+          </p:cNvPr>
+          <p:cNvSpPr>
+            <a:spLocks noGrp="1"/>
+          </p:cNvSpPr>
+          <p:nvPr>
+            <p:ph type="title"/>
+          </p:nvPr>
+        </p:nvSpPr>
+        <p:spPr/>
+        <p:txBody>
+          <a:bodyPr/>
+          <a:lstStyle/>
+          <a:p>
+            <a:pPr>
+              <a:lnSpc>
+                <a:spcPct val="150000"/>
+              </a:lnSpc>
+            </a:pPr>
+            <a:r>
+              <a:rPr lang="zh-CN" altLang="en-US" dirty="0"/>
+              <a:t>结果分析</a:t>
+            </a:r>
+          </a:p>
+        </p:txBody>
+      </p:sp>
+      <p:sp>
+        <p:nvSpPr>
+          <p:cNvPr id="3" name="内容占位符 2">
+            <a:extLst>
+              <a:ext uri="{FF2B5EF4-FFF2-40B4-BE49-F238E27FC236}">
+                <a16:creationId xmlns:a16="http://schemas.microsoft.com/office/drawing/2014/main" id="{4E612BBC-EFE8-4C9D-8E10-E7787BD57701}"/>
+              </a:ext>
+            </a:extLst>
+          </p:cNvPr>
+          <p:cNvSpPr>
+            <a:spLocks noGrp="1"/>
+          </p:cNvSpPr>
+          <p:nvPr>
+            <p:ph idx="1"/>
+          </p:nvPr>
+        </p:nvSpPr>
+        <p:spPr>
+          <a:xfrm>
+            <a:off x="628650" y="1690689"/>
+            <a:ext cx="7886700" cy="4351338"/>
+          </a:xfrm>
+        </p:spPr>
+        <p:txBody>
+          <a:bodyPr/>
+          <a:lstStyle/>
+          <a:p>
+            <a:pPr>
+              <a:lnSpc>
+                <a:spcPct val="150000"/>
+              </a:lnSpc>
+              <a:spcBef>
+                <a:spcPts val="0"/>
+              </a:spcBef>
+            </a:pPr>
+            <a:r>
+              <a:rPr lang="en-US" altLang="zh-CN" dirty="0"/>
+              <a:t>n-best</a:t>
+            </a:r>
+            <a:r>
+              <a:rPr lang="zh-CN" altLang="en-US" dirty="0"/>
+              <a:t>答案选择</a:t>
+            </a:r>
+            <a:endParaRPr lang="en-US" altLang="zh-CN" dirty="0"/>
+          </a:p>
+          <a:p>
+            <a:pPr lvl="1">
+              <a:lnSpc>
+                <a:spcPct val="150000"/>
+              </a:lnSpc>
+              <a:spcBef>
+                <a:spcPts val="0"/>
+              </a:spcBef>
+            </a:pPr>
+            <a:r>
+              <a:rPr lang="zh-CN" altLang="en-US" dirty="0"/>
+              <a:t>答案长度限制</a:t>
+            </a:r>
+            <a:endParaRPr lang="en-US" altLang="zh-CN" dirty="0"/>
+          </a:p>
+          <a:p>
+            <a:pPr lvl="1">
+              <a:lnSpc>
+                <a:spcPct val="150000"/>
+              </a:lnSpc>
+              <a:spcBef>
+                <a:spcPts val="0"/>
+              </a:spcBef>
+            </a:pPr>
+            <a:r>
+              <a:rPr lang="zh-CN" altLang="en-US" dirty="0"/>
+              <a:t>分词先验</a:t>
+            </a:r>
+            <a:endParaRPr lang="en-US" altLang="zh-CN" dirty="0"/>
+          </a:p>
+          <a:p>
+            <a:pPr lvl="2">
+              <a:lnSpc>
+                <a:spcPct val="150000"/>
+              </a:lnSpc>
+              <a:spcBef>
+                <a:spcPts val="0"/>
+              </a:spcBef>
+            </a:pPr>
+            <a:r>
+              <a:rPr lang="zh-CN" altLang="en-US" dirty="0"/>
+              <a:t>分词序列直接输入模型</a:t>
+            </a:r>
+            <a:endParaRPr lang="en-US" altLang="zh-CN" dirty="0"/>
+          </a:p>
+          <a:p>
+            <a:pPr lvl="2">
+              <a:lnSpc>
+                <a:spcPct val="150000"/>
+              </a:lnSpc>
+              <a:spcBef>
+                <a:spcPts val="0"/>
+              </a:spcBef>
+            </a:pPr>
+            <a:r>
+              <a:rPr lang="zh-CN" altLang="en-US" dirty="0"/>
+              <a:t>使用分词信息选择答案</a:t>
+            </a:r>
+            <a:endParaRPr lang="en-US" altLang="zh-CN" dirty="0"/>
+          </a:p>
+          <a:p>
+            <a:pPr lvl="1">
+              <a:lnSpc>
+                <a:spcPct val="150000"/>
+              </a:lnSpc>
+              <a:spcBef>
+                <a:spcPts val="0"/>
+              </a:spcBef>
+            </a:pPr>
+            <a:r>
+              <a:rPr lang="zh-CN" altLang="en-US" dirty="0"/>
+              <a:t>词性</a:t>
+            </a:r>
+            <a:endParaRPr lang="en-US" altLang="zh-CN" dirty="0"/>
+          </a:p>
+        </p:txBody>
+      </p:sp>
+      <p:pic>
+        <p:nvPicPr>
+          <p:cNvPr id="6" name="图片 5">
+            <a:extLst>
+              <a:ext uri="{FF2B5EF4-FFF2-40B4-BE49-F238E27FC236}">
+                <a16:creationId xmlns:a16="http://schemas.microsoft.com/office/drawing/2014/main" id="{034312B9-B2D9-4CC6-9517-1289282CC94C}"/>
+              </a:ext>
+            </a:extLst>
+          </p:cNvPr>
+          <p:cNvPicPr>
+            <a:picLocks noChangeAspect="1"/>
+          </p:cNvPicPr>
+          <p:nvPr/>
+        </p:nvPicPr>
+        <p:blipFill>
+          <a:blip r:embed="rId2">
+            <a:extLst>
+              <a:ext uri="{28A0092B-C50C-407E-A947-70E740481C1C}">
+                <a14:useLocalDpi xmlns:a14="http://schemas.microsoft.com/office/drawing/2010/main" val="0"/>
+              </a:ext>
+            </a:extLst>
+          </a:blip>
+          <a:stretch>
+            <a:fillRect/>
+          </a:stretch>
+        </p:blipFill>
+        <p:spPr>
+          <a:xfrm>
+            <a:off x="4565378" y="1528355"/>
+            <a:ext cx="4578622" cy="3383887"/>
+          </a:xfrm>
+          <a:prstGeom prst="rect">
+            <a:avLst/>
+          </a:prstGeom>
+        </p:spPr>
+      </p:pic>
+      <p:graphicFrame>
+        <p:nvGraphicFramePr>
+          <p:cNvPr id="5" name="表格 4">
+            <a:extLst>
+              <a:ext uri="{FF2B5EF4-FFF2-40B4-BE49-F238E27FC236}">
+                <a16:creationId xmlns:a16="http://schemas.microsoft.com/office/drawing/2014/main" id="{DEE1473A-6EF3-436F-B51C-5BFA52D96280}"/>
+              </a:ext>
+            </a:extLst>
+          </p:cNvPr>
+          <p:cNvGraphicFramePr>
+            <a:graphicFrameLocks noGrp="1"/>
+          </p:cNvGraphicFramePr>
+          <p:nvPr>
+            <p:extLst>
+              <p:ext uri="{D42A27DB-BD31-4B8C-83A1-F6EECF244321}">
+                <p14:modId xmlns:p14="http://schemas.microsoft.com/office/powerpoint/2010/main" val="1476389545"/>
+              </p:ext>
+            </p:extLst>
+          </p:nvPr>
+        </p:nvGraphicFramePr>
+        <p:xfrm>
+          <a:off x="4593341" y="1690689"/>
+          <a:ext cx="4236334" cy="3293944"/>
+        </p:xfrm>
+        <a:graphic>
+          <a:graphicData uri="http://schemas.openxmlformats.org/drawingml/2006/table">
+            <a:tbl>
+              <a:tblPr firstRow="1" bandRow="1">
+                <a:tableStyleId>{5C22544A-7EE6-4342-B048-85BDC9FD1C3A}</a:tableStyleId>
+              </a:tblPr>
+              <a:tblGrid>
+                <a:gridCol w="2118167">
+                  <a:extLst>
+                    <a:ext uri="{9D8B030D-6E8A-4147-A177-3AD203B41FA5}">
+                      <a16:colId xmlns:a16="http://schemas.microsoft.com/office/drawing/2014/main" val="1225563036"/>
+                    </a:ext>
+                  </a:extLst>
+                </a:gridCol>
+                <a:gridCol w="2118167">
+                  <a:extLst>
+                    <a:ext uri="{9D8B030D-6E8A-4147-A177-3AD203B41FA5}">
+                      <a16:colId xmlns:a16="http://schemas.microsoft.com/office/drawing/2014/main" val="3250483483"/>
+                    </a:ext>
+                  </a:extLst>
+                </a:gridCol>
+              </a:tblGrid>
+              <a:tr h="558310">
+                <a:tc>
+                  <a:txBody>
+                    <a:bodyPr/>
+                    <a:lstStyle/>
+                    <a:p>
+                      <a:r>
+                        <a:rPr lang="en-US" altLang="zh-CN" dirty="0"/>
+                        <a:t>Gold Answer</a:t>
+                      </a:r>
+                      <a:endParaRPr lang="zh-CN" altLang="en-US" dirty="0"/>
+                    </a:p>
+                  </a:txBody>
+                  <a:tcPr/>
+                </a:tc>
+                <a:tc>
+                  <a:txBody>
+                    <a:bodyPr/>
+                    <a:lstStyle/>
+                    <a:p>
+                      <a:r>
+                        <a:rPr lang="en-US" altLang="zh-CN" dirty="0"/>
+                        <a:t>Predict Answer</a:t>
+                      </a:r>
+                      <a:endParaRPr lang="zh-CN" altLang="en-US" dirty="0"/>
+                    </a:p>
+                  </a:txBody>
+                  <a:tcPr/>
+                </a:tc>
+                <a:extLst>
+                  <a:ext uri="{0D108BD9-81ED-4DB2-BD59-A6C34878D82A}">
+                    <a16:rowId xmlns:a16="http://schemas.microsoft.com/office/drawing/2014/main" val="3956018096"/>
+                  </a:ext>
+                </a:extLst>
+              </a:tr>
+              <a:tr h="455939">
+                <a:tc>
+                  <a:txBody>
+                    <a:bodyPr/>
+                    <a:lstStyle/>
+                    <a:p>
+                      <a:r>
+                        <a:rPr lang="zh-CN" altLang="en-US" dirty="0"/>
+                        <a:t>小金鱼</a:t>
+                      </a:r>
+                    </a:p>
+                  </a:txBody>
+                  <a:tcPr/>
+                </a:tc>
+                <a:tc>
+                  <a:txBody>
+                    <a:bodyPr/>
+                    <a:lstStyle/>
+                    <a:p>
+                      <a:r>
+                        <a:rPr lang="zh-CN" altLang="en-US" dirty="0"/>
+                        <a:t>金鱼</a:t>
+                      </a:r>
+                      <a:endParaRPr lang="en-US" altLang="zh-CN" dirty="0"/>
+                    </a:p>
+                  </a:txBody>
+                  <a:tcPr/>
+                </a:tc>
+                <a:extLst>
+                  <a:ext uri="{0D108BD9-81ED-4DB2-BD59-A6C34878D82A}">
+                    <a16:rowId xmlns:a16="http://schemas.microsoft.com/office/drawing/2014/main" val="2721922128"/>
+                  </a:ext>
+                </a:extLst>
+              </a:tr>
+              <a:tr h="455939">
+                <a:tc>
+                  <a:txBody>
+                    <a:bodyPr/>
+                    <a:lstStyle/>
+                    <a:p>
+                      <a:r>
+                        <a:rPr lang="zh-CN" altLang="en-US" dirty="0"/>
+                        <a:t>辣椒</a:t>
+                      </a:r>
+                    </a:p>
+                  </a:txBody>
+                  <a:tcPr/>
+                </a:tc>
+                <a:tc>
+                  <a:txBody>
+                    <a:bodyPr/>
+                    <a:lstStyle/>
+                    <a:p>
+                      <a:r>
+                        <a:rPr lang="zh-CN" altLang="en-US" dirty="0"/>
+                        <a:t>野 辣椒</a:t>
+                      </a:r>
+                    </a:p>
+                  </a:txBody>
+                  <a:tcPr/>
+                </a:tc>
+                <a:extLst>
+                  <a:ext uri="{0D108BD9-81ED-4DB2-BD59-A6C34878D82A}">
+                    <a16:rowId xmlns:a16="http://schemas.microsoft.com/office/drawing/2014/main" val="4000778074"/>
+                  </a:ext>
+                </a:extLst>
+              </a:tr>
+              <a:tr h="455939">
+                <a:tc>
+                  <a:txBody>
+                    <a:bodyPr/>
+                    <a:lstStyle/>
+                    <a:p>
+                      <a:r>
+                        <a:rPr lang="zh-CN" altLang="en-US" dirty="0"/>
+                        <a:t>丝带</a:t>
+                      </a:r>
+                    </a:p>
+                  </a:txBody>
+                  <a:tcPr/>
+                </a:tc>
+                <a:tc>
+                  <a:txBody>
+                    <a:bodyPr/>
+                    <a:lstStyle/>
+                    <a:p>
+                      <a:r>
+                        <a:rPr lang="zh-CN" altLang="en-US" dirty="0"/>
+                        <a:t>红 丝带</a:t>
+                      </a:r>
+                    </a:p>
+                  </a:txBody>
+                  <a:tcPr/>
+                </a:tc>
+                <a:extLst>
+                  <a:ext uri="{0D108BD9-81ED-4DB2-BD59-A6C34878D82A}">
+                    <a16:rowId xmlns:a16="http://schemas.microsoft.com/office/drawing/2014/main" val="1429523565"/>
+                  </a:ext>
+                </a:extLst>
+              </a:tr>
+              <a:tr h="455939">
+                <a:tc>
+                  <a:txBody>
+                    <a:bodyPr/>
+                    <a:lstStyle/>
+                    <a:p>
+                      <a:r>
+                        <a:rPr lang="zh-CN" altLang="en-US" dirty="0"/>
+                        <a:t>山脚</a:t>
+                      </a:r>
+                    </a:p>
+                  </a:txBody>
+                  <a:tcPr/>
+                </a:tc>
+                <a:tc>
+                  <a:txBody>
+                    <a:bodyPr/>
+                    <a:lstStyle/>
+                    <a:p>
+                      <a:r>
+                        <a:rPr lang="zh-CN" altLang="en-US" dirty="0"/>
+                        <a:t>山脚 下</a:t>
+                      </a:r>
+                    </a:p>
+                  </a:txBody>
+                  <a:tcPr/>
+                </a:tc>
+                <a:extLst>
+                  <a:ext uri="{0D108BD9-81ED-4DB2-BD59-A6C34878D82A}">
+                    <a16:rowId xmlns:a16="http://schemas.microsoft.com/office/drawing/2014/main" val="300740164"/>
+                  </a:ext>
+                </a:extLst>
+              </a:tr>
+              <a:tr h="455939">
+                <a:tc>
+                  <a:txBody>
+                    <a:bodyPr/>
+                    <a:lstStyle/>
+                    <a:p>
+                      <a:r>
+                        <a:rPr lang="zh-CN" altLang="en-US" dirty="0"/>
+                        <a:t>长尾巴</a:t>
+                      </a:r>
+                    </a:p>
+                  </a:txBody>
+                  <a:tcPr/>
+                </a:tc>
+                <a:tc>
+                  <a:txBody>
+                    <a:bodyPr/>
+                    <a:lstStyle/>
+                    <a:p>
+                      <a:r>
+                        <a:rPr lang="zh-CN" altLang="en-US" dirty="0"/>
+                        <a:t>尾巴</a:t>
+                      </a:r>
+                    </a:p>
+                  </a:txBody>
+                  <a:tcPr/>
+                </a:tc>
+                <a:extLst>
+                  <a:ext uri="{0D108BD9-81ED-4DB2-BD59-A6C34878D82A}">
+                    <a16:rowId xmlns:a16="http://schemas.microsoft.com/office/drawing/2014/main" val="2027469669"/>
+                  </a:ext>
+                </a:extLst>
+              </a:tr>
+              <a:tr h="455939">
+                <a:tc>
+                  <a:txBody>
+                    <a:bodyPr/>
+                    <a:lstStyle/>
+                    <a:p>
+                      <a:r>
+                        <a:rPr lang="zh-CN" altLang="en-US" dirty="0"/>
+                        <a:t>山羊</a:t>
+                      </a:r>
+                    </a:p>
+                  </a:txBody>
+                  <a:tcPr/>
+                </a:tc>
+                <a:tc>
+                  <a:txBody>
+                    <a:bodyPr/>
+                    <a:lstStyle/>
+                    <a:p>
+                      <a:r>
+                        <a:rPr lang="zh-CN" altLang="en-US" dirty="0"/>
+                        <a:t>小 山羊</a:t>
+                      </a:r>
+                    </a:p>
+                  </a:txBody>
+                  <a:tcPr/>
+                </a:tc>
+                <a:extLst>
+                  <a:ext uri="{0D108BD9-81ED-4DB2-BD59-A6C34878D82A}">
+                    <a16:rowId xmlns:a16="http://schemas.microsoft.com/office/drawing/2014/main" val="2383687001"/>
+                  </a:ext>
+                </a:extLst>
+              </a:tr>
+            </a:tbl>
+          </a:graphicData>
+        </a:graphic>
+      </p:graphicFrame>
+    </p:spTree>
+    <p:extLst>
+      <p:ext uri="{BB962C8B-B14F-4D97-AF65-F5344CB8AC3E}">
+        <p14:creationId xmlns:p14="http://schemas.microsoft.com/office/powerpoint/2010/main" val="2492904965"/>
+      </p:ext>
+    </p:extLst>
+  </p:cSld>
+  <p:clrMapOvr>
+    <a:masterClrMapping/>
+  </p:clrMapOvr>
+  <p:timing>
+    <p:tnLst>
+      <p:par>
+        <p:cTn id="1" dur="indefinite" restart="never" nodeType="tmRoot">
+          <p:childTnLst>
+            <p:seq concurrent="1" nextAc="seek">
+              <p:cTn id="2" dur="indefinite" nodeType="mainSeq">
+                <p:childTnLst>
+                  <p:par>
+                    <p:cTn id="3" fill="hold">
+                      <p:stCondLst>
+                        <p:cond delay="indefinite"/>
+                      </p:stCondLst>
+                      <p:childTnLst>
+                        <p:par>
+                          <p:cTn id="4" fill="hold">
+                            <p:stCondLst>
+                              <p:cond delay="0"/>
+                            </p:stCondLst>
+                            <p:childTnLst>
+                              <p:par>
+                                <p:cTn id="5" presetID="10" presetClass="entr" presetSubtype="0" fill="hold" nodeType="clickEffect">
+                                  <p:stCondLst>
+                                    <p:cond delay="0"/>
+                                  </p:stCondLst>
+                                  <p:childTnLst>
+                                    <p:set>
+                                      <p:cBhvr>
+                                        <p:cTn id="6" dur="1" fill="hold">
+                                          <p:stCondLst>
+                                            <p:cond delay="0"/>
+                                          </p:stCondLst>
+                                        </p:cTn>
+                                        <p:tgtEl>
+                                          <p:spTgt spid="5"/>
+                                        </p:tgtEl>
+                                        <p:attrNameLst>
+                                          <p:attrName>style.visibility</p:attrName>
+                                        </p:attrNameLst>
+                                      </p:cBhvr>
+                                      <p:to>
+                                        <p:strVal val="visible"/>
+                                      </p:to>
+                                    </p:set>
+                                    <p:animEffect transition="in" filter="fade">
+                                      <p:cBhvr>
+                                        <p:cTn id="7" dur="500"/>
+                                        <p:tgtEl>
+                                          <p:spTgt spid="5"/>
+                                        </p:tgtEl>
+                                      </p:cBhvr>
+                                    </p:animEffect>
+                                  </p:childTnLst>
+                                </p:cTn>
+                              </p:par>
+                            </p:childTnLst>
+                          </p:cTn>
+                        </p:par>
+                      </p:childTnLst>
+                    </p:cTn>
+                  </p:par>
+                </p:childTnLst>
+              </p:cTn>
+              <p:prevCondLst>
+                <p:cond evt="onPrev" delay="0">
+                  <p:tgtEl>
+                    <p:sldTgt/>
+                  </p:tgtEl>
+                </p:cond>
+              </p:prevCondLst>
+              <p:nextCondLst>
+                <p:cond evt="onNext" delay="0">
+                  <p:tgtEl>
+                    <p:sldTgt/>
+                  </p:tgtEl>
+                </p:cond>
+              </p:nextCondLst>
+            </p:seq>
+          </p:childTnLst>
+        </p:cTn>
+      </p:par>
+    </p:tnLst>
+  </p:timing>
+</p:sld>
+</file>
+
+<file path=ppt/slides/slide14.xml><?xml version="1.0" encoding="utf-8"?>
+<p:sld xmlns:a="http://schemas.openxmlformats.org/drawingml/2006/main" xmlns:r="http://schemas.openxmlformats.org/officeDocument/2006/relationships" xmlns:p="http://schemas.openxmlformats.org/presentationml/2006/main">
+  <p:cSld>
+    <p:spTree>
+      <p:nvGrpSpPr>
+        <p:cNvPr id="1" name=""/>
+        <p:cNvGrpSpPr/>
+        <p:nvPr/>
+      </p:nvGrpSpPr>
+      <p:grpSpPr>
+        <a:xfrm>
+          <a:off x="0" y="0"/>
+          <a:ext cx="0" cy="0"/>
+          <a:chOff x="0" y="0"/>
+          <a:chExt cx="0" cy="0"/>
+        </a:xfrm>
+      </p:grpSpPr>
+      <p:sp>
+        <p:nvSpPr>
+          <p:cNvPr id="2" name="标题 1">
+            <a:extLst>
+              <a:ext uri="{FF2B5EF4-FFF2-40B4-BE49-F238E27FC236}">
+                <a16:creationId xmlns:a16="http://schemas.microsoft.com/office/drawing/2014/main" id="{C8CF51F8-0C55-433D-9E73-2939D575A852}"/>
+              </a:ext>
+            </a:extLst>
+          </p:cNvPr>
+          <p:cNvSpPr>
+            <a:spLocks noGrp="1"/>
+          </p:cNvSpPr>
+          <p:nvPr>
+            <p:ph type="title"/>
+          </p:nvPr>
+        </p:nvSpPr>
+        <p:spPr/>
+        <p:txBody>
+          <a:bodyPr/>
+          <a:lstStyle/>
+          <a:p>
+            <a:pPr>
+              <a:lnSpc>
+                <a:spcPct val="150000"/>
+              </a:lnSpc>
+            </a:pPr>
+            <a:r>
+              <a:rPr lang="zh-CN" altLang="en-US" dirty="0"/>
+              <a:t>结果分析</a:t>
+            </a:r>
+          </a:p>
+        </p:txBody>
+      </p:sp>
+      <p:sp>
+        <p:nvSpPr>
+          <p:cNvPr id="3" name="内容占位符 2">
+            <a:extLst>
+              <a:ext uri="{FF2B5EF4-FFF2-40B4-BE49-F238E27FC236}">
+                <a16:creationId xmlns:a16="http://schemas.microsoft.com/office/drawing/2014/main" id="{0AD49C96-0A8C-4C00-8A5C-14A35C838D15}"/>
+              </a:ext>
+            </a:extLst>
+          </p:cNvPr>
+          <p:cNvSpPr>
+            <a:spLocks noGrp="1"/>
+          </p:cNvSpPr>
+          <p:nvPr>
+            <p:ph idx="1"/>
+          </p:nvPr>
+        </p:nvSpPr>
+        <p:spPr>
+          <a:xfrm>
+            <a:off x="628650" y="1690689"/>
+            <a:ext cx="7886700" cy="4351338"/>
+          </a:xfrm>
+        </p:spPr>
+        <p:txBody>
+          <a:bodyPr/>
+          <a:lstStyle/>
+          <a:p>
+            <a:pPr>
+              <a:lnSpc>
+                <a:spcPct val="150000"/>
+              </a:lnSpc>
+              <a:spcBef>
+                <a:spcPct val="0"/>
+              </a:spcBef>
+            </a:pPr>
+            <a:r>
+              <a:rPr lang="en-US" altLang="zh-CN" dirty="0"/>
+              <a:t>Bert + R-net</a:t>
+            </a:r>
+            <a:r>
+              <a:rPr lang="zh-CN" altLang="en-US" dirty="0"/>
+              <a:t>后续考虑</a:t>
+            </a:r>
+            <a:endParaRPr lang="en-US" altLang="zh-CN" dirty="0"/>
+          </a:p>
+          <a:p>
+            <a:pPr lvl="1">
+              <a:lnSpc>
+                <a:spcPct val="150000"/>
+              </a:lnSpc>
+              <a:spcBef>
+                <a:spcPct val="0"/>
+              </a:spcBef>
+            </a:pPr>
+            <a:r>
+              <a:rPr lang="en-US" altLang="zh-CN" dirty="0"/>
+              <a:t>No answer doc span(</a:t>
+            </a:r>
+            <a:r>
+              <a:rPr lang="zh-CN" altLang="en-US" dirty="0"/>
+              <a:t>数据不足</a:t>
+            </a:r>
+            <a:r>
+              <a:rPr lang="en-US" altLang="zh-CN" dirty="0"/>
+              <a:t>)</a:t>
+            </a:r>
+          </a:p>
+          <a:p>
+            <a:pPr lvl="2">
+              <a:lnSpc>
+                <a:spcPct val="150000"/>
+              </a:lnSpc>
+              <a:spcBef>
+                <a:spcPct val="0"/>
+              </a:spcBef>
+            </a:pPr>
+            <a:r>
+              <a:rPr lang="en-US" altLang="zh-CN" dirty="0"/>
+              <a:t>Loss</a:t>
+            </a:r>
+            <a:r>
+              <a:rPr lang="zh-CN" altLang="en-US" dirty="0"/>
+              <a:t>函数</a:t>
+            </a:r>
+            <a:endParaRPr lang="en-US" altLang="zh-CN" dirty="0"/>
+          </a:p>
+          <a:p>
+            <a:pPr lvl="2">
+              <a:lnSpc>
+                <a:spcPct val="150000"/>
+              </a:lnSpc>
+              <a:spcBef>
+                <a:spcPct val="0"/>
+              </a:spcBef>
+            </a:pPr>
+            <a:r>
+              <a:rPr lang="zh-CN" altLang="en-US" dirty="0"/>
+              <a:t>文章长度压缩</a:t>
+            </a:r>
+            <a:r>
+              <a:rPr lang="en-US" altLang="zh-CN" dirty="0"/>
+              <a:t>(</a:t>
+            </a:r>
+            <a:r>
+              <a:rPr lang="zh-CN" altLang="en-US" dirty="0"/>
+              <a:t>停用词、关键词密度和句子位置信息</a:t>
+            </a:r>
+            <a:r>
+              <a:rPr lang="en-US" altLang="zh-CN" dirty="0"/>
+              <a:t>)</a:t>
+            </a:r>
+          </a:p>
+          <a:p>
+            <a:pPr lvl="1">
+              <a:lnSpc>
+                <a:spcPct val="150000"/>
+              </a:lnSpc>
+              <a:spcBef>
+                <a:spcPct val="0"/>
+              </a:spcBef>
+            </a:pPr>
+            <a:r>
+              <a:rPr lang="zh-CN" altLang="en-US" dirty="0"/>
+              <a:t>调参</a:t>
+            </a:r>
+            <a:endParaRPr lang="en-US" altLang="zh-CN" dirty="0"/>
+          </a:p>
+          <a:p>
+            <a:pPr lvl="2">
+              <a:lnSpc>
+                <a:spcPct val="150000"/>
+              </a:lnSpc>
+              <a:spcBef>
+                <a:spcPct val="0"/>
+              </a:spcBef>
+            </a:pPr>
+            <a:r>
+              <a:rPr lang="en-US" altLang="zh-CN" dirty="0"/>
+              <a:t>Dropout </a:t>
+            </a:r>
+            <a:r>
+              <a:rPr lang="en-US" altLang="zh-CN" dirty="0" err="1"/>
+              <a:t>keep_prob</a:t>
+            </a:r>
+            <a:endParaRPr lang="en-US" altLang="zh-CN" dirty="0"/>
+          </a:p>
+          <a:p>
+            <a:pPr lvl="2">
+              <a:lnSpc>
+                <a:spcPct val="150000"/>
+              </a:lnSpc>
+              <a:spcBef>
+                <a:spcPct val="0"/>
+              </a:spcBef>
+            </a:pPr>
+            <a:r>
+              <a:rPr lang="en-US" altLang="zh-CN" dirty="0"/>
+              <a:t>Learning rate</a:t>
+            </a:r>
+          </a:p>
+          <a:p>
+            <a:pPr lvl="2">
+              <a:lnSpc>
+                <a:spcPct val="150000"/>
+              </a:lnSpc>
+              <a:spcBef>
+                <a:spcPct val="0"/>
+              </a:spcBef>
+            </a:pPr>
+            <a:r>
+              <a:rPr lang="en-US" altLang="zh-CN" dirty="0"/>
+              <a:t>Hidden size</a:t>
+            </a:r>
+          </a:p>
+          <a:p>
+            <a:pPr lvl="1">
+              <a:lnSpc>
+                <a:spcPct val="150000"/>
+              </a:lnSpc>
+              <a:spcBef>
+                <a:spcPct val="0"/>
+              </a:spcBef>
+            </a:pPr>
+            <a:endParaRPr lang="zh-CN" altLang="en-US" dirty="0"/>
+          </a:p>
+        </p:txBody>
+      </p:sp>
+    </p:spTree>
+    <p:extLst>
+      <p:ext uri="{BB962C8B-B14F-4D97-AF65-F5344CB8AC3E}">
+        <p14:creationId xmlns:p14="http://schemas.microsoft.com/office/powerpoint/2010/main" val="1345620330"/>
+      </p:ext>
+    </p:extLst>
+  </p:cSld>
+  <p:clrMapOvr>
+    <a:masterClrMapping/>
+  </p:clrMapOvr>
+</p:sld>
+</file>
+
+<file path=ppt/slides/slide15.xml><?xml version="1.0" encoding="utf-8"?>
+<p:sld xmlns:a="http://schemas.openxmlformats.org/drawingml/2006/main" xmlns:r="http://schemas.openxmlformats.org/officeDocument/2006/relationships" xmlns:p="http://schemas.openxmlformats.org/presentationml/2006/main">
+  <p:cSld>
+    <p:spTree>
+      <p:nvGrpSpPr>
+        <p:cNvPr id="1" name=""/>
+        <p:cNvGrpSpPr/>
+        <p:nvPr/>
+      </p:nvGrpSpPr>
+      <p:grpSpPr>
+        <a:xfrm>
+          <a:off x="0" y="0"/>
+          <a:ext cx="0" cy="0"/>
+          <a:chOff x="0" y="0"/>
+          <a:chExt cx="0" cy="0"/>
+        </a:xfrm>
+      </p:grpSpPr>
+      <p:sp>
+        <p:nvSpPr>
+          <p:cNvPr id="2" name="标题 1">
+            <a:extLst>
+              <a:ext uri="{FF2B5EF4-FFF2-40B4-BE49-F238E27FC236}">
+                <a16:creationId xmlns:a16="http://schemas.microsoft.com/office/drawing/2014/main" id="{98BF4FD2-D736-4A87-8CB4-38D265372D04}"/>
+              </a:ext>
+            </a:extLst>
+          </p:cNvPr>
+          <p:cNvSpPr>
+            <a:spLocks noGrp="1"/>
+          </p:cNvSpPr>
+          <p:nvPr>
+            <p:ph type="title"/>
+          </p:nvPr>
+        </p:nvSpPr>
+        <p:spPr>
+          <a:xfrm>
+            <a:off x="628650" y="365126"/>
+            <a:ext cx="7886700" cy="916919"/>
+          </a:xfrm>
+        </p:spPr>
+        <p:txBody>
+          <a:bodyPr>
+            <a:normAutofit fontScale="90000"/>
+          </a:bodyPr>
+          <a:lstStyle/>
+          <a:p>
+            <a:pPr>
+              <a:lnSpc>
+                <a:spcPct val="150000"/>
+              </a:lnSpc>
+            </a:pPr>
+            <a:r>
+              <a:rPr lang="zh-CN" altLang="en-US" dirty="0"/>
+              <a:t>可视化应用</a:t>
+            </a:r>
+          </a:p>
+        </p:txBody>
+      </p:sp>
+      <p:pic>
+        <p:nvPicPr>
+          <p:cNvPr id="7" name="图片 6">
+            <a:extLst>
+              <a:ext uri="{FF2B5EF4-FFF2-40B4-BE49-F238E27FC236}">
+                <a16:creationId xmlns:a16="http://schemas.microsoft.com/office/drawing/2014/main" id="{B9D35912-51DE-4DBA-B67D-F75AC817A2D8}"/>
+              </a:ext>
+            </a:extLst>
+          </p:cNvPr>
+          <p:cNvPicPr>
+            <a:picLocks noChangeAspect="1"/>
+          </p:cNvPicPr>
+          <p:nvPr/>
+        </p:nvPicPr>
+        <p:blipFill>
+          <a:blip r:embed="rId3"/>
+          <a:stretch>
+            <a:fillRect/>
+          </a:stretch>
+        </p:blipFill>
+        <p:spPr>
+          <a:xfrm>
+            <a:off x="896924" y="1282045"/>
+            <a:ext cx="7350152" cy="5274211"/>
+          </a:xfrm>
+          <a:prstGeom prst="rect">
+            <a:avLst/>
+          </a:prstGeom>
+        </p:spPr>
+      </p:pic>
+    </p:spTree>
+    <p:extLst>
+      <p:ext uri="{BB962C8B-B14F-4D97-AF65-F5344CB8AC3E}">
+        <p14:creationId xmlns:p14="http://schemas.microsoft.com/office/powerpoint/2010/main" val="1188429629"/>
+      </p:ext>
+    </p:extLst>
+  </p:cSld>
+  <p:clrMapOvr>
+    <a:masterClrMapping/>
+  </p:clrMapOvr>
+</p:sld>
+</file>
+
+<file path=ppt/slides/slide16.xml><?xml version="1.0" encoding="utf-8"?>
+<p:sld xmlns:a="http://schemas.openxmlformats.org/drawingml/2006/main" xmlns:r="http://schemas.openxmlformats.org/officeDocument/2006/relationships" xmlns:p="http://schemas.openxmlformats.org/presentationml/2006/main">
+  <p:cSld>
+    <p:spTree>
+      <p:nvGrpSpPr>
+        <p:cNvPr id="1" name=""/>
+        <p:cNvGrpSpPr/>
+        <p:nvPr/>
+      </p:nvGrpSpPr>
+      <p:grpSpPr>
+        <a:xfrm>
+          <a:off x="0" y="0"/>
+          <a:ext cx="0" cy="0"/>
+          <a:chOff x="0" y="0"/>
+          <a:chExt cx="0" cy="0"/>
+        </a:xfrm>
+      </p:grpSpPr>
+      <p:sp>
+        <p:nvSpPr>
+          <p:cNvPr id="2" name="标题 1">
+            <a:extLst>
+              <a:ext uri="{FF2B5EF4-FFF2-40B4-BE49-F238E27FC236}">
+                <a16:creationId xmlns:a16="http://schemas.microsoft.com/office/drawing/2014/main" id="{5B7D301E-B9F5-48FE-90D4-0F15D0994399}"/>
+              </a:ext>
+            </a:extLst>
+          </p:cNvPr>
+          <p:cNvSpPr>
+            <a:spLocks noGrp="1"/>
+          </p:cNvSpPr>
+          <p:nvPr>
+            <p:ph type="title"/>
+          </p:nvPr>
+        </p:nvSpPr>
+        <p:spPr>
+          <a:xfrm>
+            <a:off x="451013" y="346273"/>
+            <a:ext cx="7886700" cy="1325563"/>
+          </a:xfrm>
+        </p:spPr>
+        <p:txBody>
+          <a:bodyPr/>
+          <a:lstStyle/>
+          <a:p>
+            <a:pPr>
+              <a:lnSpc>
+                <a:spcPct val="150000"/>
+              </a:lnSpc>
+            </a:pPr>
+            <a:r>
+              <a:rPr lang="en-US" altLang="zh-CN" dirty="0"/>
+              <a:t>Reference</a:t>
+            </a:r>
+            <a:endParaRPr lang="zh-CN" altLang="en-US" dirty="0"/>
+          </a:p>
+        </p:txBody>
+      </p:sp>
+      <p:sp>
+        <p:nvSpPr>
+          <p:cNvPr id="3" name="内容占位符 2">
+            <a:extLst>
+              <a:ext uri="{FF2B5EF4-FFF2-40B4-BE49-F238E27FC236}">
+                <a16:creationId xmlns:a16="http://schemas.microsoft.com/office/drawing/2014/main" id="{7475ACD7-D24D-4297-9C8C-BB8F6A6263D6}"/>
+              </a:ext>
+            </a:extLst>
+          </p:cNvPr>
+          <p:cNvSpPr>
+            <a:spLocks noGrp="1"/>
+          </p:cNvSpPr>
+          <p:nvPr>
+            <p:ph idx="1"/>
+          </p:nvPr>
+        </p:nvSpPr>
+        <p:spPr>
+          <a:xfrm>
+            <a:off x="451014" y="1391991"/>
+            <a:ext cx="7627758" cy="5119735"/>
+          </a:xfrm>
+        </p:spPr>
+        <p:txBody>
+          <a:bodyPr>
+            <a:normAutofit fontScale="85000" lnSpcReduction="10000"/>
+          </a:bodyPr>
+          <a:lstStyle/>
+          <a:p>
+            <a:pPr>
+              <a:lnSpc>
+                <a:spcPct val="150000"/>
+              </a:lnSpc>
+              <a:spcBef>
+                <a:spcPts val="0"/>
+              </a:spcBef>
+            </a:pPr>
+            <a:r>
+              <a:rPr lang="en-US" altLang="zh-CN" sz="1600" dirty="0"/>
+              <a:t>EDA</a:t>
+            </a:r>
+            <a:r>
+              <a:rPr lang="zh-CN" altLang="en-US" sz="1600" dirty="0"/>
+              <a:t>，</a:t>
+            </a:r>
+            <a:r>
+              <a:rPr lang="en-US" altLang="zh-CN" sz="1600" dirty="0"/>
+              <a:t>Easy data augmentation techniques for boosting performance on text classification tasks</a:t>
+            </a:r>
+          </a:p>
+          <a:p>
+            <a:pPr>
+              <a:lnSpc>
+                <a:spcPct val="150000"/>
+              </a:lnSpc>
+              <a:spcBef>
+                <a:spcPts val="0"/>
+              </a:spcBef>
+            </a:pPr>
+            <a:r>
+              <a:rPr lang="en-US" altLang="zh-CN" sz="1600" dirty="0"/>
+              <a:t>Bert</a:t>
+            </a:r>
+            <a:r>
+              <a:rPr lang="zh-CN" altLang="en-US" sz="1600" dirty="0"/>
+              <a:t>，</a:t>
+            </a:r>
+            <a:r>
+              <a:rPr lang="en-US" altLang="zh-CN" sz="1600" dirty="0"/>
+              <a:t>BERT: Pre-training of Deep Bidirectional Transformers for Language Understanding</a:t>
+            </a:r>
+          </a:p>
+          <a:p>
+            <a:pPr>
+              <a:lnSpc>
+                <a:spcPct val="150000"/>
+              </a:lnSpc>
+              <a:spcBef>
+                <a:spcPts val="0"/>
+              </a:spcBef>
+            </a:pPr>
+            <a:r>
+              <a:rPr lang="en-US" altLang="zh-CN" sz="1600" dirty="0"/>
+              <a:t>R-net</a:t>
+            </a:r>
+            <a:r>
+              <a:rPr lang="zh-CN" altLang="en-US" sz="1600" dirty="0"/>
+              <a:t>，</a:t>
+            </a:r>
+            <a:r>
+              <a:rPr lang="en-US" altLang="zh-CN" sz="1600" dirty="0"/>
+              <a:t> R-NET: MACHINE READING COMPREHENSION WITH SELF-MATCHING NETWORKS</a:t>
+            </a:r>
+          </a:p>
+          <a:p>
+            <a:pPr>
+              <a:lnSpc>
+                <a:spcPct val="150000"/>
+              </a:lnSpc>
+              <a:spcBef>
+                <a:spcPts val="0"/>
+              </a:spcBef>
+            </a:pPr>
+            <a:r>
+              <a:rPr lang="en-US" altLang="zh-CN" sz="1600" dirty="0" err="1"/>
+              <a:t>BiDAF</a:t>
+            </a:r>
+            <a:r>
+              <a:rPr lang="zh-CN" altLang="en-US" sz="1600" dirty="0"/>
+              <a:t>，</a:t>
+            </a:r>
+            <a:r>
+              <a:rPr lang="en-US" altLang="zh-CN" sz="1600" dirty="0"/>
+              <a:t>Bidirectional Attention Flow for Machine Comprehension</a:t>
+            </a:r>
+          </a:p>
+          <a:p>
+            <a:pPr>
+              <a:lnSpc>
+                <a:spcPct val="150000"/>
+              </a:lnSpc>
+              <a:spcBef>
+                <a:spcPts val="0"/>
+              </a:spcBef>
+            </a:pPr>
+            <a:r>
+              <a:rPr lang="en-US" altLang="zh-CN" sz="1600" dirty="0"/>
+              <a:t>Cmrc2017</a:t>
+            </a:r>
+            <a:r>
+              <a:rPr lang="zh-CN" altLang="en-US" sz="1600" dirty="0"/>
+              <a:t>，</a:t>
+            </a:r>
+            <a:r>
+              <a:rPr lang="en-US" altLang="zh-CN" sz="1600" dirty="0"/>
+              <a:t> Dataset for the First Evaluation on Chinese Machine Reading Comprehension </a:t>
+            </a:r>
+          </a:p>
+          <a:p>
+            <a:pPr>
+              <a:lnSpc>
+                <a:spcPct val="150000"/>
+              </a:lnSpc>
+              <a:spcBef>
+                <a:spcPts val="0"/>
+              </a:spcBef>
+            </a:pPr>
+            <a:r>
+              <a:rPr lang="en-US" altLang="zh-CN" sz="1600" dirty="0">
+                <a:hlinkClick r:id="rId2"/>
+              </a:rPr>
+              <a:t>http://cs231n.github.io/neural-networks-3/#loss</a:t>
+            </a:r>
+            <a:endParaRPr lang="en-US" altLang="zh-CN" sz="1600" dirty="0"/>
+          </a:p>
+          <a:p>
+            <a:pPr>
+              <a:lnSpc>
+                <a:spcPct val="150000"/>
+              </a:lnSpc>
+              <a:spcBef>
+                <a:spcPts val="0"/>
+              </a:spcBef>
+            </a:pPr>
+            <a:r>
+              <a:rPr lang="en-US" altLang="zh-CN" sz="1600" dirty="0">
+                <a:hlinkClick r:id="rId3"/>
+              </a:rPr>
+              <a:t>https://github.com/google-research/bert/issues/495</a:t>
+            </a:r>
+            <a:endParaRPr lang="en-US" altLang="zh-CN" sz="1600" dirty="0"/>
+          </a:p>
+          <a:p>
+            <a:pPr>
+              <a:lnSpc>
+                <a:spcPct val="150000"/>
+              </a:lnSpc>
+              <a:spcBef>
+                <a:spcPts val="0"/>
+              </a:spcBef>
+            </a:pPr>
+            <a:r>
+              <a:rPr lang="en-US" altLang="zh-CN" sz="1600" dirty="0">
+                <a:hlinkClick r:id="rId4"/>
+              </a:rPr>
+              <a:t>https://github.com/google-research/bert/issues/70</a:t>
+            </a:r>
+            <a:endParaRPr lang="en-US" altLang="zh-CN" sz="1600" dirty="0"/>
+          </a:p>
+          <a:p>
+            <a:pPr>
+              <a:lnSpc>
+                <a:spcPct val="150000"/>
+              </a:lnSpc>
+              <a:spcBef>
+                <a:spcPts val="0"/>
+              </a:spcBef>
+            </a:pPr>
+            <a:r>
+              <a:rPr lang="en-US" altLang="zh-CN" sz="1600" dirty="0">
+                <a:hlinkClick r:id="rId5"/>
+              </a:rPr>
+              <a:t>https://stackoverflow.com/questions/33712178/tensorflow-nan-bug/33713196#33713196</a:t>
+            </a:r>
+            <a:endParaRPr lang="en-US" altLang="zh-CN" sz="1600" dirty="0"/>
+          </a:p>
+          <a:p>
+            <a:pPr>
+              <a:lnSpc>
+                <a:spcPct val="150000"/>
+              </a:lnSpc>
+              <a:spcBef>
+                <a:spcPts val="0"/>
+              </a:spcBef>
+            </a:pPr>
+            <a:r>
+              <a:rPr lang="en-US" altLang="zh-CN" sz="1600" dirty="0">
+                <a:hlinkClick r:id="rId6"/>
+              </a:rPr>
+              <a:t>https://stackoverflow.com/questions/40158633/how-to-solve-nan-loss</a:t>
+            </a:r>
+            <a:endParaRPr lang="en-US" altLang="zh-CN" sz="1600" dirty="0"/>
+          </a:p>
+          <a:p>
+            <a:pPr>
+              <a:lnSpc>
+                <a:spcPct val="150000"/>
+              </a:lnSpc>
+              <a:spcBef>
+                <a:spcPts val="0"/>
+              </a:spcBef>
+            </a:pPr>
+            <a:r>
+              <a:rPr lang="en-US" altLang="zh-CN" sz="1600" dirty="0">
+                <a:hlinkClick r:id="rId7"/>
+              </a:rPr>
+              <a:t>https://blog.slavv.com/37-reasons-why-your-neural-network-is-not-working-4020854bd607?gi=54b476ba316f</a:t>
+            </a:r>
+            <a:endParaRPr lang="en-US" altLang="zh-CN" sz="1600" dirty="0"/>
+          </a:p>
+          <a:p>
+            <a:pPr>
+              <a:lnSpc>
+                <a:spcPct val="150000"/>
+              </a:lnSpc>
+              <a:spcBef>
+                <a:spcPts val="0"/>
+              </a:spcBef>
+            </a:pPr>
+            <a:endParaRPr lang="en-US" altLang="zh-CN" sz="1600" dirty="0"/>
+          </a:p>
+        </p:txBody>
+      </p:sp>
+    </p:spTree>
+    <p:extLst>
+      <p:ext uri="{BB962C8B-B14F-4D97-AF65-F5344CB8AC3E}">
+        <p14:creationId xmlns:p14="http://schemas.microsoft.com/office/powerpoint/2010/main" val="775653990"/>
+      </p:ext>
+    </p:extLst>
+  </p:cSld>
+  <p:clrMapOvr>
+    <a:masterClrMapping/>
+  </p:clrMapOvr>
+</p:sld>
+</file>
+
+<file path=ppt/slides/slide2.xml><?xml version="1.0" encoding="utf-8"?>
+<p:sld xmlns:a="http://schemas.openxmlformats.org/drawingml/2006/main" xmlns:r="http://schemas.openxmlformats.org/officeDocument/2006/relationships" xmlns:p="http://schemas.openxmlformats.org/presentationml/2006/main">
+  <p:cSld>
+    <p:spTree>
+      <p:nvGrpSpPr>
+        <p:cNvPr id="1" name=""/>
+        <p:cNvGrpSpPr/>
+        <p:nvPr/>
+      </p:nvGrpSpPr>
+      <p:grpSpPr>
+        <a:xfrm>
+          <a:off x="0" y="0"/>
+          <a:ext cx="0" cy="0"/>
+          <a:chOff x="0" y="0"/>
+          <a:chExt cx="0" cy="0"/>
+        </a:xfrm>
+      </p:grpSpPr>
+      <p:sp>
+        <p:nvSpPr>
+          <p:cNvPr id="2" name="标题 1">
+            <a:extLst>
+              <a:ext uri="{FF2B5EF4-FFF2-40B4-BE49-F238E27FC236}">
+                <a16:creationId xmlns:a16="http://schemas.microsoft.com/office/drawing/2014/main" id="{67BF9A66-C4BB-4A89-871A-1EC2F73AD4E1}"/>
+              </a:ext>
+            </a:extLst>
+          </p:cNvPr>
+          <p:cNvSpPr>
+            <a:spLocks noGrp="1"/>
+          </p:cNvSpPr>
+          <p:nvPr>
+            <p:ph type="title"/>
+          </p:nvPr>
+        </p:nvSpPr>
+        <p:spPr/>
+        <p:txBody>
+          <a:bodyPr/>
+          <a:lstStyle/>
+          <a:p>
+            <a:pPr>
+              <a:lnSpc>
+                <a:spcPct val="150000"/>
+              </a:lnSpc>
+            </a:pPr>
+            <a:r>
+              <a:rPr lang="zh-CN" altLang="en-US" dirty="0"/>
+              <a:t>汇报内容</a:t>
+            </a:r>
+          </a:p>
+        </p:txBody>
+      </p:sp>
+      <p:sp>
+        <p:nvSpPr>
+          <p:cNvPr id="3" name="内容占位符 2">
+            <a:extLst>
+              <a:ext uri="{FF2B5EF4-FFF2-40B4-BE49-F238E27FC236}">
+                <a16:creationId xmlns:a16="http://schemas.microsoft.com/office/drawing/2014/main" id="{673275EA-4933-4325-8D12-FAE1614B564D}"/>
+              </a:ext>
+            </a:extLst>
+          </p:cNvPr>
+          <p:cNvSpPr>
+            <a:spLocks noGrp="1"/>
+          </p:cNvSpPr>
+          <p:nvPr>
+            <p:ph idx="1"/>
+          </p:nvPr>
+        </p:nvSpPr>
+        <p:spPr>
+          <a:xfrm>
+            <a:off x="628650" y="1825625"/>
+            <a:ext cx="7563243" cy="4351338"/>
+          </a:xfrm>
+        </p:spPr>
+        <p:txBody>
+          <a:bodyPr/>
+          <a:lstStyle/>
+          <a:p>
+            <a:pPr>
+              <a:lnSpc>
+                <a:spcPct val="150000"/>
+              </a:lnSpc>
+              <a:spcBef>
+                <a:spcPts val="0"/>
+              </a:spcBef>
+            </a:pPr>
+            <a:r>
+              <a:rPr lang="zh-CN" altLang="en-US" dirty="0"/>
+              <a:t>预处理</a:t>
+            </a:r>
+            <a:endParaRPr lang="en-US" altLang="zh-CN" dirty="0"/>
+          </a:p>
+          <a:p>
+            <a:pPr>
+              <a:lnSpc>
+                <a:spcPct val="150000"/>
+              </a:lnSpc>
+              <a:spcBef>
+                <a:spcPts val="0"/>
+              </a:spcBef>
+            </a:pPr>
+            <a:r>
+              <a:rPr lang="zh-CN" altLang="en-US" dirty="0"/>
+              <a:t>模型训练</a:t>
+            </a:r>
+            <a:endParaRPr lang="en-US" altLang="zh-CN" dirty="0"/>
+          </a:p>
+          <a:p>
+            <a:pPr>
+              <a:lnSpc>
+                <a:spcPct val="150000"/>
+              </a:lnSpc>
+              <a:spcBef>
+                <a:spcPts val="0"/>
+              </a:spcBef>
+            </a:pPr>
+            <a:r>
+              <a:rPr lang="zh-CN" altLang="en-US" dirty="0"/>
+              <a:t>结果分析</a:t>
+            </a:r>
+            <a:endParaRPr lang="en-US" altLang="zh-CN" dirty="0"/>
+          </a:p>
+          <a:p>
+            <a:pPr>
+              <a:lnSpc>
+                <a:spcPct val="150000"/>
+              </a:lnSpc>
+              <a:spcBef>
+                <a:spcPts val="0"/>
+              </a:spcBef>
+            </a:pPr>
+            <a:r>
+              <a:rPr lang="zh-CN" altLang="en-US" dirty="0"/>
+              <a:t>可视化应用</a:t>
+            </a:r>
+          </a:p>
+        </p:txBody>
+      </p:sp>
+    </p:spTree>
+    <p:extLst>
+      <p:ext uri="{BB962C8B-B14F-4D97-AF65-F5344CB8AC3E}">
+        <p14:creationId xmlns:p14="http://schemas.microsoft.com/office/powerpoint/2010/main" val="2563273748"/>
+      </p:ext>
+    </p:extLst>
+  </p:cSld>
+  <p:clrMapOvr>
+    <a:masterClrMapping/>
+  </p:clrMapOvr>
+</p:sld>
+</file>
+
+<file path=ppt/slides/slide3.xml><?xml version="1.0" encoding="utf-8"?>
+<p:sld xmlns:a="http://schemas.openxmlformats.org/drawingml/2006/main" xmlns:r="http://schemas.openxmlformats.org/officeDocument/2006/relationships" xmlns:p="http://schemas.openxmlformats.org/presentationml/2006/main">
+  <p:cSld>
+    <p:spTree>
+      <p:nvGrpSpPr>
+        <p:cNvPr id="1" name=""/>
+        <p:cNvGrpSpPr/>
+        <p:nvPr/>
+      </p:nvGrpSpPr>
+      <p:grpSpPr>
+        <a:xfrm>
+          <a:off x="0" y="0"/>
+          <a:ext cx="0" cy="0"/>
+          <a:chOff x="0" y="0"/>
+          <a:chExt cx="0" cy="0"/>
+        </a:xfrm>
+      </p:grpSpPr>
+      <p:pic>
+        <p:nvPicPr>
+          <p:cNvPr id="13" name="图片 12">
+            <a:extLst>
+              <a:ext uri="{FF2B5EF4-FFF2-40B4-BE49-F238E27FC236}">
+                <a16:creationId xmlns:a16="http://schemas.microsoft.com/office/drawing/2014/main" id="{DEDF17DD-0068-48A9-BCD0-A9E0BCCE659B}"/>
+              </a:ext>
+            </a:extLst>
+          </p:cNvPr>
+          <p:cNvPicPr>
+            <a:picLocks noChangeAspect="1"/>
+          </p:cNvPicPr>
+          <p:nvPr/>
+        </p:nvPicPr>
+        <p:blipFill>
+          <a:blip r:embed="rId3"/>
+          <a:stretch>
+            <a:fillRect/>
+          </a:stretch>
+        </p:blipFill>
+        <p:spPr>
+          <a:xfrm>
+            <a:off x="5945199" y="1739246"/>
+            <a:ext cx="2570151" cy="2606266"/>
+          </a:xfrm>
+          <a:prstGeom prst="rect">
+            <a:avLst/>
+          </a:prstGeom>
+        </p:spPr>
+      </p:pic>
+      <p:sp>
+        <p:nvSpPr>
+          <p:cNvPr id="2" name="标题 1">
+            <a:extLst>
+              <a:ext uri="{FF2B5EF4-FFF2-40B4-BE49-F238E27FC236}">
+                <a16:creationId xmlns:a16="http://schemas.microsoft.com/office/drawing/2014/main" id="{B58AD062-2591-4D5B-9146-A27345786AF0}"/>
+              </a:ext>
+            </a:extLst>
+          </p:cNvPr>
+          <p:cNvSpPr>
+            <a:spLocks noGrp="1"/>
+          </p:cNvSpPr>
+          <p:nvPr>
+            <p:ph type="title"/>
+          </p:nvPr>
+        </p:nvSpPr>
+        <p:spPr>
+          <a:xfrm>
+            <a:off x="628650" y="365126"/>
+            <a:ext cx="7886700" cy="1325563"/>
+          </a:xfrm>
+        </p:spPr>
+        <p:txBody>
+          <a:bodyPr/>
+          <a:lstStyle/>
+          <a:p>
+            <a:pPr>
+              <a:lnSpc>
+                <a:spcPct val="150000"/>
+              </a:lnSpc>
+            </a:pPr>
+            <a:r>
+              <a:rPr lang="zh-CN" altLang="en-US" dirty="0"/>
+              <a:t>预处理</a:t>
+            </a:r>
+          </a:p>
+        </p:txBody>
+      </p:sp>
+      <p:sp>
+        <p:nvSpPr>
+          <p:cNvPr id="3" name="内容占位符 2">
+            <a:extLst>
+              <a:ext uri="{FF2B5EF4-FFF2-40B4-BE49-F238E27FC236}">
+                <a16:creationId xmlns:a16="http://schemas.microsoft.com/office/drawing/2014/main" id="{2EC106B2-BE57-4AD5-A059-0926EE0EE4E0}"/>
+              </a:ext>
+            </a:extLst>
+          </p:cNvPr>
+          <p:cNvSpPr>
+            <a:spLocks noGrp="1"/>
+          </p:cNvSpPr>
+          <p:nvPr>
+            <p:ph idx="1"/>
+          </p:nvPr>
+        </p:nvSpPr>
+        <p:spPr>
+          <a:xfrm>
+            <a:off x="628650" y="1690689"/>
+            <a:ext cx="7886700" cy="4351338"/>
+          </a:xfrm>
+        </p:spPr>
+        <p:txBody>
+          <a:bodyPr/>
+          <a:lstStyle/>
+          <a:p>
+            <a:pPr>
+              <a:lnSpc>
+                <a:spcPct val="150000"/>
+              </a:lnSpc>
+              <a:spcBef>
+                <a:spcPct val="0"/>
+              </a:spcBef>
+            </a:pPr>
+            <a:r>
+              <a:rPr lang="zh-CN" altLang="en-US" dirty="0"/>
+              <a:t>数据集分析</a:t>
+            </a:r>
+            <a:endParaRPr lang="en-US" altLang="zh-CN" dirty="0"/>
+          </a:p>
+          <a:p>
+            <a:pPr lvl="1">
+              <a:lnSpc>
+                <a:spcPct val="150000"/>
+              </a:lnSpc>
+              <a:spcBef>
+                <a:spcPct val="0"/>
+              </a:spcBef>
+            </a:pPr>
+            <a:r>
+              <a:rPr lang="en-US" altLang="zh-CN" dirty="0"/>
+              <a:t>(</a:t>
+            </a:r>
+            <a:r>
+              <a:rPr lang="zh-CN" altLang="en-US" dirty="0"/>
+              <a:t>形容词</a:t>
+            </a:r>
+            <a:r>
+              <a:rPr lang="en-US" altLang="zh-CN" dirty="0"/>
+              <a:t> + ) </a:t>
+            </a:r>
+            <a:r>
+              <a:rPr lang="zh-CN" altLang="en-US" dirty="0"/>
+              <a:t>名词</a:t>
+            </a:r>
+            <a:endParaRPr lang="en-US" altLang="zh-CN" dirty="0"/>
+          </a:p>
+        </p:txBody>
+      </p:sp>
+      <p:pic>
+        <p:nvPicPr>
+          <p:cNvPr id="4" name="图片 3">
+            <a:extLst>
+              <a:ext uri="{FF2B5EF4-FFF2-40B4-BE49-F238E27FC236}">
+                <a16:creationId xmlns:a16="http://schemas.microsoft.com/office/drawing/2014/main" id="{A8D5C38E-69A1-4264-9DD5-4EF079041457}"/>
+              </a:ext>
+            </a:extLst>
+          </p:cNvPr>
+          <p:cNvPicPr>
+            <a:picLocks noChangeAspect="1"/>
+          </p:cNvPicPr>
+          <p:nvPr/>
+        </p:nvPicPr>
+        <p:blipFill rotWithShape="1">
+          <a:blip r:embed="rId4"/>
+          <a:srcRect t="1" r="41443" b="-1"/>
+          <a:stretch/>
+        </p:blipFill>
+        <p:spPr>
+          <a:xfrm>
+            <a:off x="820131" y="4559182"/>
+            <a:ext cx="7883820" cy="252885"/>
+          </a:xfrm>
+          <a:prstGeom prst="rect">
+            <a:avLst/>
+          </a:prstGeom>
+        </p:spPr>
+      </p:pic>
+      <p:pic>
+        <p:nvPicPr>
+          <p:cNvPr id="5" name="图片 4">
+            <a:extLst>
+              <a:ext uri="{FF2B5EF4-FFF2-40B4-BE49-F238E27FC236}">
+                <a16:creationId xmlns:a16="http://schemas.microsoft.com/office/drawing/2014/main" id="{4FF287DA-46D9-4503-8602-A61DC564AEE6}"/>
+              </a:ext>
+            </a:extLst>
+          </p:cNvPr>
+          <p:cNvPicPr>
+            <a:picLocks noChangeAspect="1"/>
+          </p:cNvPicPr>
+          <p:nvPr/>
+        </p:nvPicPr>
+        <p:blipFill rotWithShape="1">
+          <a:blip r:embed="rId4"/>
+          <a:srcRect l="58333" t="1" b="-1"/>
+          <a:stretch/>
+        </p:blipFill>
+        <p:spPr>
+          <a:xfrm>
+            <a:off x="820131" y="4865869"/>
+            <a:ext cx="5609818" cy="252885"/>
+          </a:xfrm>
+          <a:prstGeom prst="rect">
+            <a:avLst/>
+          </a:prstGeom>
+        </p:spPr>
+      </p:pic>
+      <p:pic>
+        <p:nvPicPr>
+          <p:cNvPr id="6" name="图片 5">
+            <a:extLst>
+              <a:ext uri="{FF2B5EF4-FFF2-40B4-BE49-F238E27FC236}">
+                <a16:creationId xmlns:a16="http://schemas.microsoft.com/office/drawing/2014/main" id="{8A9972AE-4B5B-4CA9-8211-260FCEE4993B}"/>
+              </a:ext>
+            </a:extLst>
+          </p:cNvPr>
+          <p:cNvPicPr>
+            <a:picLocks noChangeAspect="1"/>
+          </p:cNvPicPr>
+          <p:nvPr/>
+        </p:nvPicPr>
+        <p:blipFill>
+          <a:blip r:embed="rId5"/>
+          <a:stretch>
+            <a:fillRect/>
+          </a:stretch>
+        </p:blipFill>
+        <p:spPr>
+          <a:xfrm>
+            <a:off x="820131" y="5341629"/>
+            <a:ext cx="6325388" cy="612458"/>
+          </a:xfrm>
+          <a:prstGeom prst="rect">
+            <a:avLst/>
+          </a:prstGeom>
+        </p:spPr>
+      </p:pic>
+    </p:spTree>
+    <p:extLst>
+      <p:ext uri="{BB962C8B-B14F-4D97-AF65-F5344CB8AC3E}">
+        <p14:creationId xmlns:p14="http://schemas.microsoft.com/office/powerpoint/2010/main" val="3238854027"/>
+      </p:ext>
+    </p:extLst>
+  </p:cSld>
+  <p:clrMapOvr>
+    <a:masterClrMapping/>
+  </p:clrMapOvr>
+  <mc:AlternateContent xmlns:mc="http://schemas.openxmlformats.org/markup-compatibility/2006" xmlns:p14="http://schemas.microsoft.com/office/powerpoint/2010/main">
+    <mc:Choice Requires="p14">
+      <p:transition spd="slow" p14:dur="2000" advTm="3655"/>
+    </mc:Choice>
+    <mc:Fallback xmlns="">
+      <p:transition spd="slow" advTm="3655"/>
+    </mc:Fallback>
+  </mc:AlternateContent>
+</p:sld>
+</file>
+
+<file path=ppt/slides/slide4.xml><?xml version="1.0" encoding="utf-8"?>
+<p:sld xmlns:a="http://schemas.openxmlformats.org/drawingml/2006/main" xmlns:r="http://schemas.openxmlformats.org/officeDocument/2006/relationships" xmlns:p="http://schemas.openxmlformats.org/presentationml/2006/main">
+  <p:cSld>
+    <p:spTree>
+      <p:nvGrpSpPr>
+        <p:cNvPr id="1" name=""/>
+        <p:cNvGrpSpPr/>
+        <p:nvPr/>
+      </p:nvGrpSpPr>
+      <p:grpSpPr>
+        <a:xfrm>
+          <a:off x="0" y="0"/>
+          <a:ext cx="0" cy="0"/>
+          <a:chOff x="0" y="0"/>
+          <a:chExt cx="0" cy="0"/>
+        </a:xfrm>
+      </p:grpSpPr>
+      <p:sp>
+        <p:nvSpPr>
+          <p:cNvPr id="2" name="标题 1">
+            <a:extLst>
+              <a:ext uri="{FF2B5EF4-FFF2-40B4-BE49-F238E27FC236}">
+                <a16:creationId xmlns:a16="http://schemas.microsoft.com/office/drawing/2014/main" id="{1BBFE9CA-C705-41BA-8ED9-E7A704726E74}"/>
+              </a:ext>
+            </a:extLst>
+          </p:cNvPr>
+          <p:cNvSpPr>
+            <a:spLocks noGrp="1"/>
+          </p:cNvSpPr>
+          <p:nvPr>
+            <p:ph type="title"/>
+          </p:nvPr>
+        </p:nvSpPr>
+        <p:spPr/>
+        <p:txBody>
+          <a:bodyPr/>
+          <a:lstStyle/>
+          <a:p>
+            <a:pPr>
+              <a:lnSpc>
+                <a:spcPct val="150000"/>
+              </a:lnSpc>
+            </a:pPr>
+            <a:r>
+              <a:rPr lang="zh-CN" altLang="en-US" dirty="0"/>
+              <a:t>预处理</a:t>
+            </a:r>
+          </a:p>
+        </p:txBody>
+      </p:sp>
+      <p:sp>
+        <p:nvSpPr>
+          <p:cNvPr id="3" name="内容占位符 2">
+            <a:extLst>
+              <a:ext uri="{FF2B5EF4-FFF2-40B4-BE49-F238E27FC236}">
+                <a16:creationId xmlns:a16="http://schemas.microsoft.com/office/drawing/2014/main" id="{CC6AB183-7442-4041-8A19-A20FEBB68AC0}"/>
+              </a:ext>
+            </a:extLst>
+          </p:cNvPr>
+          <p:cNvSpPr>
+            <a:spLocks noGrp="1"/>
+          </p:cNvSpPr>
+          <p:nvPr>
+            <p:ph idx="1"/>
+          </p:nvPr>
+        </p:nvSpPr>
+        <p:spPr/>
+        <p:txBody>
+          <a:bodyPr/>
+          <a:lstStyle/>
+          <a:p>
+            <a:pPr>
+              <a:lnSpc>
+                <a:spcPct val="150000"/>
+              </a:lnSpc>
+              <a:spcBef>
+                <a:spcPct val="0"/>
+              </a:spcBef>
+            </a:pPr>
+            <a:r>
+              <a:rPr lang="zh-CN" altLang="en-US" dirty="0"/>
+              <a:t>数据增强</a:t>
+            </a:r>
+            <a:endParaRPr lang="en-US" altLang="zh-CN" dirty="0"/>
+          </a:p>
+          <a:p>
+            <a:pPr lvl="1">
+              <a:lnSpc>
+                <a:spcPct val="150000"/>
+              </a:lnSpc>
+              <a:spcBef>
+                <a:spcPct val="0"/>
+              </a:spcBef>
+            </a:pPr>
+            <a:r>
+              <a:rPr lang="zh-CN" altLang="en-US" dirty="0"/>
+              <a:t>回译</a:t>
+            </a:r>
+            <a:endParaRPr lang="en-US" altLang="zh-CN" dirty="0"/>
+          </a:p>
+          <a:p>
+            <a:pPr lvl="2">
+              <a:lnSpc>
+                <a:spcPct val="150000"/>
+              </a:lnSpc>
+              <a:spcBef>
+                <a:spcPct val="0"/>
+              </a:spcBef>
+            </a:pPr>
+            <a:r>
+              <a:rPr lang="zh-CN" altLang="en-US" dirty="0"/>
+              <a:t>中文 </a:t>
+            </a:r>
+            <a:r>
+              <a:rPr lang="en-US" altLang="zh-CN" dirty="0">
+                <a:sym typeface="Wingdings" panose="05000000000000000000" pitchFamily="2" charset="2"/>
+              </a:rPr>
+              <a:t> </a:t>
+            </a:r>
+            <a:r>
+              <a:rPr lang="zh-CN" altLang="en-US" dirty="0">
+                <a:sym typeface="Wingdings" panose="05000000000000000000" pitchFamily="2" charset="2"/>
+              </a:rPr>
+              <a:t>搜狗翻译 </a:t>
+            </a:r>
+            <a:r>
+              <a:rPr lang="en-US" altLang="zh-CN" dirty="0">
+                <a:sym typeface="Wingdings" panose="05000000000000000000" pitchFamily="2" charset="2"/>
+              </a:rPr>
+              <a:t> </a:t>
+            </a:r>
+            <a:r>
+              <a:rPr lang="zh-CN" altLang="en-US" dirty="0">
+                <a:sym typeface="Wingdings" panose="05000000000000000000" pitchFamily="2" charset="2"/>
+              </a:rPr>
+              <a:t>英文 </a:t>
+            </a:r>
+            <a:r>
+              <a:rPr lang="en-US" altLang="zh-CN" dirty="0">
+                <a:sym typeface="Wingdings" panose="05000000000000000000" pitchFamily="2" charset="2"/>
+              </a:rPr>
+              <a:t> </a:t>
+            </a:r>
+            <a:r>
+              <a:rPr lang="zh-CN" altLang="en-US" dirty="0">
+                <a:sym typeface="Wingdings" panose="05000000000000000000" pitchFamily="2" charset="2"/>
+              </a:rPr>
+              <a:t>有道翻译 </a:t>
+            </a:r>
+            <a:r>
+              <a:rPr lang="en-US" altLang="zh-CN" dirty="0">
+                <a:sym typeface="Wingdings" panose="05000000000000000000" pitchFamily="2" charset="2"/>
+              </a:rPr>
+              <a:t> </a:t>
+            </a:r>
+            <a:r>
+              <a:rPr lang="zh-CN" altLang="en-US" dirty="0">
+                <a:sym typeface="Wingdings" panose="05000000000000000000" pitchFamily="2" charset="2"/>
+              </a:rPr>
+              <a:t>中文</a:t>
+            </a:r>
+            <a:endParaRPr lang="en-US" altLang="zh-CN" dirty="0">
+              <a:sym typeface="Wingdings" panose="05000000000000000000" pitchFamily="2" charset="2"/>
+            </a:endParaRPr>
+          </a:p>
+        </p:txBody>
+      </p:sp>
+      <p:pic>
+        <p:nvPicPr>
+          <p:cNvPr id="4" name="图片 3">
+            <a:extLst>
+              <a:ext uri="{FF2B5EF4-FFF2-40B4-BE49-F238E27FC236}">
+                <a16:creationId xmlns:a16="http://schemas.microsoft.com/office/drawing/2014/main" id="{B8E4E3F1-E682-4473-9EE2-9B0C5FB2EE05}"/>
+              </a:ext>
+            </a:extLst>
+          </p:cNvPr>
+          <p:cNvPicPr>
+            <a:picLocks noChangeAspect="1"/>
+          </p:cNvPicPr>
+          <p:nvPr/>
+        </p:nvPicPr>
+        <p:blipFill>
+          <a:blip r:embed="rId3"/>
+          <a:stretch>
+            <a:fillRect/>
+          </a:stretch>
+        </p:blipFill>
+        <p:spPr>
+          <a:xfrm>
+            <a:off x="4919240" y="3899501"/>
+            <a:ext cx="2263610" cy="730197"/>
+          </a:xfrm>
+          <a:prstGeom prst="rect">
+            <a:avLst/>
+          </a:prstGeom>
+        </p:spPr>
+      </p:pic>
+      <p:pic>
+        <p:nvPicPr>
+          <p:cNvPr id="5" name="图片 4">
+            <a:extLst>
+              <a:ext uri="{FF2B5EF4-FFF2-40B4-BE49-F238E27FC236}">
+                <a16:creationId xmlns:a16="http://schemas.microsoft.com/office/drawing/2014/main" id="{ADC2AACF-C9EF-48C8-BC19-DAF1A5E34E8E}"/>
+              </a:ext>
+            </a:extLst>
+          </p:cNvPr>
+          <p:cNvPicPr>
+            <a:picLocks noChangeAspect="1"/>
+          </p:cNvPicPr>
+          <p:nvPr/>
+        </p:nvPicPr>
+        <p:blipFill>
+          <a:blip r:embed="rId4"/>
+          <a:stretch>
+            <a:fillRect/>
+          </a:stretch>
+        </p:blipFill>
+        <p:spPr>
+          <a:xfrm>
+            <a:off x="1956586" y="4103872"/>
+            <a:ext cx="1882303" cy="525826"/>
+          </a:xfrm>
+          <a:prstGeom prst="rect">
+            <a:avLst/>
+          </a:prstGeom>
+        </p:spPr>
+      </p:pic>
+      <p:pic>
+        <p:nvPicPr>
+          <p:cNvPr id="6" name="图片 5">
+            <a:extLst>
+              <a:ext uri="{FF2B5EF4-FFF2-40B4-BE49-F238E27FC236}">
+                <a16:creationId xmlns:a16="http://schemas.microsoft.com/office/drawing/2014/main" id="{94E4AFA9-5D3D-4875-AAF9-4DCAD674B3FE}"/>
+              </a:ext>
+            </a:extLst>
+          </p:cNvPr>
+          <p:cNvPicPr>
+            <a:picLocks noChangeAspect="1"/>
+          </p:cNvPicPr>
+          <p:nvPr/>
+        </p:nvPicPr>
+        <p:blipFill>
+          <a:blip r:embed="rId5"/>
+          <a:stretch>
+            <a:fillRect/>
+          </a:stretch>
+        </p:blipFill>
+        <p:spPr>
+          <a:xfrm>
+            <a:off x="5162822" y="4681625"/>
+            <a:ext cx="2923147" cy="964638"/>
+          </a:xfrm>
+          <a:prstGeom prst="rect">
+            <a:avLst/>
+          </a:prstGeom>
+        </p:spPr>
+      </p:pic>
+      <p:pic>
+        <p:nvPicPr>
+          <p:cNvPr id="8" name="图片 7">
+            <a:extLst>
+              <a:ext uri="{FF2B5EF4-FFF2-40B4-BE49-F238E27FC236}">
+                <a16:creationId xmlns:a16="http://schemas.microsoft.com/office/drawing/2014/main" id="{8F68027A-FAC7-4AA5-B864-F6CDD2C5A278}"/>
+              </a:ext>
+            </a:extLst>
+          </p:cNvPr>
+          <p:cNvPicPr>
+            <a:picLocks noChangeAspect="1"/>
+          </p:cNvPicPr>
+          <p:nvPr/>
+        </p:nvPicPr>
+        <p:blipFill>
+          <a:blip r:embed="rId6"/>
+          <a:stretch>
+            <a:fillRect/>
+          </a:stretch>
+        </p:blipFill>
+        <p:spPr>
+          <a:xfrm>
+            <a:off x="1058031" y="4764634"/>
+            <a:ext cx="3861209" cy="881629"/>
+          </a:xfrm>
+          <a:prstGeom prst="rect">
+            <a:avLst/>
+          </a:prstGeom>
+        </p:spPr>
+      </p:pic>
+    </p:spTree>
+    <p:extLst>
+      <p:ext uri="{BB962C8B-B14F-4D97-AF65-F5344CB8AC3E}">
+        <p14:creationId xmlns:p14="http://schemas.microsoft.com/office/powerpoint/2010/main" val="1410162400"/>
+      </p:ext>
+    </p:extLst>
+  </p:cSld>
+  <p:clrMapOvr>
+    <a:masterClrMapping/>
+  </p:clrMapOvr>
+  <mc:AlternateContent xmlns:mc="http://schemas.openxmlformats.org/markup-compatibility/2006" xmlns:p14="http://schemas.microsoft.com/office/powerpoint/2010/main">
+    <mc:Choice Requires="p14">
+      <p:transition spd="slow" p14:dur="2000" advTm="2872"/>
+    </mc:Choice>
+    <mc:Fallback xmlns="">
+      <p:transition spd="slow" advTm="2872"/>
+    </mc:Fallback>
+  </mc:AlternateContent>
+</p:sld>
+</file>
+
+<file path=ppt/slides/slide5.xml><?xml version="1.0" encoding="utf-8"?>
+<p:sld xmlns:a="http://schemas.openxmlformats.org/drawingml/2006/main" xmlns:r="http://schemas.openxmlformats.org/officeDocument/2006/relationships" xmlns:p="http://schemas.openxmlformats.org/presentationml/2006/main">
+  <p:cSld>
+    <p:spTree>
+      <p:nvGrpSpPr>
+        <p:cNvPr id="1" name=""/>
+        <p:cNvGrpSpPr/>
+        <p:nvPr/>
+      </p:nvGrpSpPr>
+      <p:grpSpPr>
+        <a:xfrm>
+          <a:off x="0" y="0"/>
+          <a:ext cx="0" cy="0"/>
+          <a:chOff x="0" y="0"/>
+          <a:chExt cx="0" cy="0"/>
+        </a:xfrm>
+      </p:grpSpPr>
+      <p:sp>
+        <p:nvSpPr>
+          <p:cNvPr id="2" name="标题 1">
+            <a:extLst>
+              <a:ext uri="{FF2B5EF4-FFF2-40B4-BE49-F238E27FC236}">
+                <a16:creationId xmlns:a16="http://schemas.microsoft.com/office/drawing/2014/main" id="{1BBFE9CA-C705-41BA-8ED9-E7A704726E74}"/>
+              </a:ext>
+            </a:extLst>
+          </p:cNvPr>
+          <p:cNvSpPr>
+            <a:spLocks noGrp="1"/>
+          </p:cNvSpPr>
+          <p:nvPr>
+            <p:ph type="title"/>
+          </p:nvPr>
+        </p:nvSpPr>
+        <p:spPr/>
+        <p:txBody>
+          <a:bodyPr/>
+          <a:lstStyle/>
+          <a:p>
+            <a:pPr>
+              <a:lnSpc>
+                <a:spcPct val="150000"/>
+              </a:lnSpc>
+            </a:pPr>
+            <a:r>
+              <a:rPr lang="zh-CN" altLang="en-US" dirty="0"/>
+              <a:t>预处理</a:t>
+            </a:r>
+          </a:p>
+        </p:txBody>
+      </p:sp>
+      <p:sp>
+        <p:nvSpPr>
+          <p:cNvPr id="3" name="内容占位符 2">
+            <a:extLst>
+              <a:ext uri="{FF2B5EF4-FFF2-40B4-BE49-F238E27FC236}">
+                <a16:creationId xmlns:a16="http://schemas.microsoft.com/office/drawing/2014/main" id="{CC6AB183-7442-4041-8A19-A20FEBB68AC0}"/>
+              </a:ext>
+            </a:extLst>
+          </p:cNvPr>
+          <p:cNvSpPr>
+            <a:spLocks noGrp="1"/>
+          </p:cNvSpPr>
+          <p:nvPr>
+            <p:ph idx="1"/>
+          </p:nvPr>
+        </p:nvSpPr>
+        <p:spPr/>
+        <p:txBody>
+          <a:bodyPr>
+            <a:normAutofit/>
+          </a:bodyPr>
+          <a:lstStyle/>
+          <a:p>
+            <a:pPr>
+              <a:lnSpc>
+                <a:spcPct val="150000"/>
+              </a:lnSpc>
+              <a:spcBef>
+                <a:spcPct val="0"/>
+              </a:spcBef>
+            </a:pPr>
+            <a:r>
+              <a:rPr lang="zh-CN" altLang="en-US" dirty="0"/>
+              <a:t>数据增强</a:t>
+            </a:r>
+            <a:endParaRPr lang="en-US" altLang="zh-CN" dirty="0"/>
+          </a:p>
+          <a:p>
+            <a:pPr lvl="1">
+              <a:lnSpc>
+                <a:spcPct val="150000"/>
+              </a:lnSpc>
+              <a:spcBef>
+                <a:spcPct val="0"/>
+              </a:spcBef>
+            </a:pPr>
+            <a:r>
+              <a:rPr lang="zh-CN" altLang="en-US" dirty="0"/>
+              <a:t>回译</a:t>
+            </a:r>
+            <a:endParaRPr lang="en-US" altLang="zh-CN" dirty="0"/>
+          </a:p>
+          <a:p>
+            <a:pPr lvl="2">
+              <a:lnSpc>
+                <a:spcPct val="150000"/>
+              </a:lnSpc>
+              <a:spcBef>
+                <a:spcPct val="0"/>
+              </a:spcBef>
+            </a:pPr>
+            <a:r>
+              <a:rPr lang="zh-CN" altLang="en-US" dirty="0"/>
+              <a:t>效果较好的：语序调整</a:t>
+            </a:r>
+            <a:endParaRPr lang="en-US" altLang="zh-CN" dirty="0"/>
+          </a:p>
+        </p:txBody>
+      </p:sp>
+      <p:graphicFrame>
+        <p:nvGraphicFramePr>
+          <p:cNvPr id="4" name="表格 3">
+            <a:extLst>
+              <a:ext uri="{FF2B5EF4-FFF2-40B4-BE49-F238E27FC236}">
+                <a16:creationId xmlns:a16="http://schemas.microsoft.com/office/drawing/2014/main" id="{0B8E7C3E-2EB8-406F-A4B0-F8E180E9CECB}"/>
+              </a:ext>
+            </a:extLst>
+          </p:cNvPr>
+          <p:cNvGraphicFramePr>
+            <a:graphicFrameLocks noGrp="1"/>
+          </p:cNvGraphicFramePr>
+          <p:nvPr>
+            <p:extLst>
+              <p:ext uri="{D42A27DB-BD31-4B8C-83A1-F6EECF244321}">
+                <p14:modId xmlns:p14="http://schemas.microsoft.com/office/powerpoint/2010/main" val="555523307"/>
+              </p:ext>
+            </p:extLst>
+          </p:nvPr>
+        </p:nvGraphicFramePr>
+        <p:xfrm>
+          <a:off x="1917954" y="3593592"/>
+          <a:ext cx="6037326" cy="2636234"/>
+        </p:xfrm>
+        <a:graphic>
+          <a:graphicData uri="http://schemas.openxmlformats.org/drawingml/2006/table">
+            <a:tbl>
+              <a:tblPr firstRow="1" bandRow="1">
+                <a:tableStyleId>{5C22544A-7EE6-4342-B048-85BDC9FD1C3A}</a:tableStyleId>
+              </a:tblPr>
+              <a:tblGrid>
+                <a:gridCol w="2929085">
+                  <a:extLst>
+                    <a:ext uri="{9D8B030D-6E8A-4147-A177-3AD203B41FA5}">
+                      <a16:colId xmlns:a16="http://schemas.microsoft.com/office/drawing/2014/main" val="3377182418"/>
+                    </a:ext>
+                  </a:extLst>
+                </a:gridCol>
+                <a:gridCol w="3108241">
+                  <a:extLst>
+                    <a:ext uri="{9D8B030D-6E8A-4147-A177-3AD203B41FA5}">
+                      <a16:colId xmlns:a16="http://schemas.microsoft.com/office/drawing/2014/main" val="1692851228"/>
+                    </a:ext>
+                  </a:extLst>
+                </a:gridCol>
+              </a:tblGrid>
+              <a:tr h="381774">
+                <a:tc>
+                  <a:txBody>
+                    <a:bodyPr/>
+                    <a:lstStyle/>
+                    <a:p>
+                      <a:pPr>
+                        <a:lnSpc>
+                          <a:spcPct val="150000"/>
+                        </a:lnSpc>
+                        <a:spcBef>
+                          <a:spcPts val="0"/>
+                        </a:spcBef>
+                        <a:spcAft>
+                          <a:spcPts val="0"/>
+                        </a:spcAft>
+                      </a:pPr>
+                      <a:r>
+                        <a:rPr lang="zh-CN" altLang="en-US" dirty="0"/>
+                        <a:t>原问题</a:t>
+                      </a:r>
+                    </a:p>
+                  </a:txBody>
+                  <a:tcPr/>
+                </a:tc>
+                <a:tc>
+                  <a:txBody>
+                    <a:bodyPr/>
+                    <a:lstStyle/>
+                    <a:p>
+                      <a:pPr>
+                        <a:lnSpc>
+                          <a:spcPct val="150000"/>
+                        </a:lnSpc>
+                        <a:spcBef>
+                          <a:spcPts val="0"/>
+                        </a:spcBef>
+                        <a:spcAft>
+                          <a:spcPts val="0"/>
+                        </a:spcAft>
+                      </a:pPr>
+                      <a:r>
+                        <a:rPr lang="zh-CN" altLang="en-US" dirty="0"/>
+                        <a:t>回译结果</a:t>
+                      </a:r>
+                    </a:p>
+                  </a:txBody>
+                  <a:tcPr/>
+                </a:tc>
+                <a:extLst>
+                  <a:ext uri="{0D108BD9-81ED-4DB2-BD59-A6C34878D82A}">
+                    <a16:rowId xmlns:a16="http://schemas.microsoft.com/office/drawing/2014/main" val="3654591972"/>
+                  </a:ext>
+                </a:extLst>
+              </a:tr>
+              <a:tr h="419740">
+                <a:tc>
+                  <a:txBody>
+                    <a:bodyPr/>
+                    <a:lstStyle/>
+                    <a:p>
+                      <a:pPr>
+                        <a:lnSpc>
+                          <a:spcPct val="150000"/>
+                        </a:lnSpc>
+                        <a:spcBef>
+                          <a:spcPts val="0"/>
+                        </a:spcBef>
+                        <a:spcAft>
+                          <a:spcPts val="0"/>
+                        </a:spcAft>
+                      </a:pPr>
+                      <a:r>
+                        <a:rPr lang="zh-CN" altLang="en-US" sz="1600" dirty="0"/>
+                        <a:t>国与国之间会把谁作为人质？ </a:t>
+                      </a:r>
+                    </a:p>
+                  </a:txBody>
+                  <a:tcPr/>
+                </a:tc>
+                <a:tc>
+                  <a:txBody>
+                    <a:bodyPr/>
+                    <a:lstStyle/>
+                    <a:p>
+                      <a:pPr>
+                        <a:lnSpc>
+                          <a:spcPct val="150000"/>
+                        </a:lnSpc>
+                        <a:spcBef>
+                          <a:spcPts val="0"/>
+                        </a:spcBef>
+                        <a:spcAft>
+                          <a:spcPts val="0"/>
+                        </a:spcAft>
+                      </a:pPr>
+                      <a:r>
+                        <a:rPr lang="zh-CN" altLang="en-US" sz="1600" dirty="0"/>
+                        <a:t>谁将在国与国之间成为人质</a:t>
+                      </a:r>
+                      <a:r>
+                        <a:rPr lang="en-US" altLang="zh-CN" sz="1600" dirty="0"/>
+                        <a:t>?</a:t>
+                      </a:r>
+                    </a:p>
+                  </a:txBody>
+                  <a:tcPr/>
+                </a:tc>
+                <a:extLst>
+                  <a:ext uri="{0D108BD9-81ED-4DB2-BD59-A6C34878D82A}">
+                    <a16:rowId xmlns:a16="http://schemas.microsoft.com/office/drawing/2014/main" val="2298805641"/>
+                  </a:ext>
+                </a:extLst>
+              </a:tr>
+              <a:tr h="327975">
+                <a:tc>
+                  <a:txBody>
+                    <a:bodyPr/>
+                    <a:lstStyle/>
+                    <a:p>
+                      <a:pPr>
+                        <a:lnSpc>
+                          <a:spcPct val="150000"/>
+                        </a:lnSpc>
+                        <a:spcBef>
+                          <a:spcPts val="0"/>
+                        </a:spcBef>
+                        <a:spcAft>
+                          <a:spcPts val="0"/>
+                        </a:spcAft>
+                      </a:pPr>
+                      <a:r>
+                        <a:rPr lang="zh-CN" altLang="en-US" sz="1600" dirty="0"/>
+                        <a:t>羊和狼的盟约以什么作为保证？ </a:t>
+                      </a:r>
+                    </a:p>
+                  </a:txBody>
+                  <a:tcPr/>
+                </a:tc>
+                <a:tc>
+                  <a:txBody>
+                    <a:bodyPr/>
+                    <a:lstStyle/>
+                    <a:p>
+                      <a:pPr marL="0" marR="0" lvl="0" indent="0" algn="l" defTabSz="914400" rtl="0" eaLnBrk="1" fontAlgn="auto" latinLnBrk="0" hangingPunct="1">
+                        <a:lnSpc>
+                          <a:spcPct val="150000"/>
+                        </a:lnSpc>
+                        <a:spcBef>
+                          <a:spcPts val="0"/>
+                        </a:spcBef>
+                        <a:spcAft>
+                          <a:spcPts val="0"/>
+                        </a:spcAft>
+                        <a:buClrTx/>
+                        <a:buSzTx/>
+                        <a:buFontTx/>
+                        <a:buNone/>
+                        <a:tabLst/>
+                        <a:defRPr/>
+                      </a:pPr>
+                      <a:r>
+                        <a:rPr lang="zh-CN" altLang="en-US" sz="1600" dirty="0"/>
+                        <a:t>羊和狼结盟的保证是什么</a:t>
+                      </a:r>
+                      <a:r>
+                        <a:rPr lang="en-US" altLang="zh-CN" sz="1600" dirty="0"/>
+                        <a:t>?</a:t>
+                      </a:r>
+                    </a:p>
+                  </a:txBody>
+                  <a:tcPr/>
+                </a:tc>
+                <a:extLst>
+                  <a:ext uri="{0D108BD9-81ED-4DB2-BD59-A6C34878D82A}">
+                    <a16:rowId xmlns:a16="http://schemas.microsoft.com/office/drawing/2014/main" val="804231800"/>
+                  </a:ext>
+                </a:extLst>
+              </a:tr>
+              <a:tr h="457469">
+                <a:tc>
+                  <a:txBody>
+                    <a:bodyPr/>
+                    <a:lstStyle/>
+                    <a:p>
+                      <a:pPr>
+                        <a:lnSpc>
+                          <a:spcPct val="150000"/>
+                        </a:lnSpc>
+                        <a:spcBef>
+                          <a:spcPts val="0"/>
+                        </a:spcBef>
+                        <a:spcAft>
+                          <a:spcPts val="0"/>
+                        </a:spcAft>
+                      </a:pPr>
+                      <a:r>
+                        <a:rPr lang="zh-CN" altLang="en-US" sz="1600" dirty="0"/>
+                        <a:t>小兔和谁是好朋友？ </a:t>
+                      </a:r>
+                    </a:p>
+                  </a:txBody>
+                  <a:tcPr/>
+                </a:tc>
+                <a:tc>
+                  <a:txBody>
+                    <a:bodyPr/>
+                    <a:lstStyle/>
+                    <a:p>
+                      <a:pPr marL="0" marR="0" lvl="0" indent="0" algn="l" defTabSz="914400" rtl="0" eaLnBrk="1" fontAlgn="auto" latinLnBrk="0" hangingPunct="1">
+                        <a:lnSpc>
+                          <a:spcPct val="150000"/>
+                        </a:lnSpc>
+                        <a:spcBef>
+                          <a:spcPts val="0"/>
+                        </a:spcBef>
+                        <a:spcAft>
+                          <a:spcPts val="0"/>
+                        </a:spcAft>
+                        <a:buClrTx/>
+                        <a:buSzTx/>
+                        <a:buFontTx/>
+                        <a:buNone/>
+                        <a:tabLst/>
+                        <a:defRPr/>
+                      </a:pPr>
+                      <a:r>
+                        <a:rPr lang="zh-CN" altLang="en-US" sz="1600" dirty="0"/>
+                        <a:t>谁是兔子的好朋友</a:t>
+                      </a:r>
+                      <a:r>
+                        <a:rPr lang="en-US" altLang="zh-CN" sz="1600" dirty="0"/>
+                        <a:t>?</a:t>
+                      </a:r>
+                    </a:p>
+                  </a:txBody>
+                  <a:tcPr/>
+                </a:tc>
+                <a:extLst>
+                  <a:ext uri="{0D108BD9-81ED-4DB2-BD59-A6C34878D82A}">
+                    <a16:rowId xmlns:a16="http://schemas.microsoft.com/office/drawing/2014/main" val="1375644419"/>
+                  </a:ext>
+                </a:extLst>
+              </a:tr>
+              <a:tr h="418796">
+                <a:tc>
+                  <a:txBody>
+                    <a:bodyPr/>
+                    <a:lstStyle/>
+                    <a:p>
+                      <a:pPr>
+                        <a:lnSpc>
+                          <a:spcPct val="150000"/>
+                        </a:lnSpc>
+                        <a:spcBef>
+                          <a:spcPts val="0"/>
+                        </a:spcBef>
+                        <a:spcAft>
+                          <a:spcPts val="0"/>
+                        </a:spcAft>
+                      </a:pPr>
+                      <a:r>
+                        <a:rPr lang="zh-CN" altLang="en-US" sz="1600" dirty="0"/>
+                        <a:t>我最好的朋友是谁？ </a:t>
+                      </a:r>
+                    </a:p>
+                  </a:txBody>
+                  <a:tcPr/>
+                </a:tc>
+                <a:tc>
+                  <a:txBody>
+                    <a:bodyPr/>
+                    <a:lstStyle/>
+                    <a:p>
+                      <a:pPr marL="0" marR="0" lvl="0" indent="0" algn="l" defTabSz="914400" rtl="0" eaLnBrk="1" fontAlgn="auto" latinLnBrk="0" hangingPunct="1">
+                        <a:lnSpc>
+                          <a:spcPct val="150000"/>
+                        </a:lnSpc>
+                        <a:spcBef>
+                          <a:spcPts val="0"/>
+                        </a:spcBef>
+                        <a:spcAft>
+                          <a:spcPts val="0"/>
+                        </a:spcAft>
+                        <a:buClrTx/>
+                        <a:buSzTx/>
+                        <a:buFontTx/>
+                        <a:buNone/>
+                        <a:tabLst/>
+                        <a:defRPr/>
+                      </a:pPr>
+                      <a:r>
+                        <a:rPr lang="zh-CN" altLang="en-US" sz="1600" dirty="0"/>
+                        <a:t>谁是我最好的朋友</a:t>
+                      </a:r>
+                      <a:r>
+                        <a:rPr lang="en-US" altLang="zh-CN" sz="1600" dirty="0"/>
+                        <a:t>?</a:t>
+                      </a:r>
+                    </a:p>
+                  </a:txBody>
+                  <a:tcPr/>
+                </a:tc>
+                <a:extLst>
+                  <a:ext uri="{0D108BD9-81ED-4DB2-BD59-A6C34878D82A}">
+                    <a16:rowId xmlns:a16="http://schemas.microsoft.com/office/drawing/2014/main" val="2130624121"/>
+                  </a:ext>
+                </a:extLst>
+              </a:tr>
+              <a:tr h="457469">
+                <a:tc>
+                  <a:txBody>
+                    <a:bodyPr/>
+                    <a:lstStyle/>
+                    <a:p>
+                      <a:pPr>
+                        <a:lnSpc>
+                          <a:spcPct val="150000"/>
+                        </a:lnSpc>
+                        <a:spcBef>
+                          <a:spcPts val="0"/>
+                        </a:spcBef>
+                        <a:spcAft>
+                          <a:spcPts val="0"/>
+                        </a:spcAft>
+                      </a:pPr>
+                      <a:r>
+                        <a:rPr lang="zh-CN" altLang="en-US" sz="1600" dirty="0"/>
+                        <a:t>美丽的湖泊是什么构成的？ </a:t>
+                      </a:r>
+                    </a:p>
+                  </a:txBody>
+                  <a:tcPr/>
+                </a:tc>
+                <a:tc>
+                  <a:txBody>
+                    <a:bodyPr/>
+                    <a:lstStyle/>
+                    <a:p>
+                      <a:pPr marL="0" marR="0" lvl="0" indent="0" algn="l" defTabSz="914400" rtl="0" eaLnBrk="1" fontAlgn="auto" latinLnBrk="0" hangingPunct="1">
+                        <a:lnSpc>
+                          <a:spcPct val="150000"/>
+                        </a:lnSpc>
+                        <a:spcBef>
+                          <a:spcPts val="0"/>
+                        </a:spcBef>
+                        <a:spcAft>
+                          <a:spcPts val="0"/>
+                        </a:spcAft>
+                        <a:buClrTx/>
+                        <a:buSzTx/>
+                        <a:buFontTx/>
+                        <a:buNone/>
+                        <a:tabLst/>
+                        <a:defRPr/>
+                      </a:pPr>
+                      <a:r>
+                        <a:rPr lang="zh-CN" altLang="en-US" sz="1600" dirty="0"/>
+                        <a:t>什么构成了一个美丽的湖</a:t>
+                      </a:r>
+                      <a:r>
+                        <a:rPr lang="en-US" altLang="zh-CN" sz="1600" dirty="0"/>
+                        <a:t>?</a:t>
+                      </a:r>
+                    </a:p>
+                  </a:txBody>
+                  <a:tcPr/>
+                </a:tc>
+                <a:extLst>
+                  <a:ext uri="{0D108BD9-81ED-4DB2-BD59-A6C34878D82A}">
+                    <a16:rowId xmlns:a16="http://schemas.microsoft.com/office/drawing/2014/main" val="1237870028"/>
+                  </a:ext>
+                </a:extLst>
+              </a:tr>
+            </a:tbl>
+          </a:graphicData>
+        </a:graphic>
+      </p:graphicFrame>
+    </p:spTree>
+    <p:extLst>
+      <p:ext uri="{BB962C8B-B14F-4D97-AF65-F5344CB8AC3E}">
+        <p14:creationId xmlns:p14="http://schemas.microsoft.com/office/powerpoint/2010/main" val="1700997950"/>
+      </p:ext>
+    </p:extLst>
+  </p:cSld>
+  <p:clrMapOvr>
+    <a:masterClrMapping/>
+  </p:clrMapOvr>
+  <mc:AlternateContent xmlns:mc="http://schemas.openxmlformats.org/markup-compatibility/2006" xmlns:p14="http://schemas.microsoft.com/office/powerpoint/2010/main">
+    <mc:Choice Requires="p14">
+      <p:transition spd="slow" p14:dur="2000" advTm="2872"/>
+    </mc:Choice>
+    <mc:Fallback xmlns="">
+      <p:transition spd="slow" advTm="2872"/>
+    </mc:Fallback>
+  </mc:AlternateContent>
+</p:sld>
+</file>
+
+<file path=ppt/slides/slide6.xml><?xml version="1.0" encoding="utf-8"?>
+<p:sld xmlns:a="http://schemas.openxmlformats.org/drawingml/2006/main" xmlns:r="http://schemas.openxmlformats.org/officeDocument/2006/relationships" xmlns:p="http://schemas.openxmlformats.org/presentationml/2006/main">
+  <p:cSld>
+    <p:spTree>
+      <p:nvGrpSpPr>
+        <p:cNvPr id="1" name=""/>
+        <p:cNvGrpSpPr/>
+        <p:nvPr/>
+      </p:nvGrpSpPr>
+      <p:grpSpPr>
+        <a:xfrm>
+          <a:off x="0" y="0"/>
+          <a:ext cx="0" cy="0"/>
+          <a:chOff x="0" y="0"/>
+          <a:chExt cx="0" cy="0"/>
+        </a:xfrm>
+      </p:grpSpPr>
+      <p:sp>
+        <p:nvSpPr>
+          <p:cNvPr id="2" name="标题 1">
+            <a:extLst>
+              <a:ext uri="{FF2B5EF4-FFF2-40B4-BE49-F238E27FC236}">
+                <a16:creationId xmlns:a16="http://schemas.microsoft.com/office/drawing/2014/main" id="{1BBFE9CA-C705-41BA-8ED9-E7A704726E74}"/>
+              </a:ext>
+            </a:extLst>
+          </p:cNvPr>
+          <p:cNvSpPr>
+            <a:spLocks noGrp="1"/>
+          </p:cNvSpPr>
+          <p:nvPr>
+            <p:ph type="title"/>
+          </p:nvPr>
+        </p:nvSpPr>
+        <p:spPr/>
+        <p:txBody>
+          <a:bodyPr/>
+          <a:lstStyle/>
+          <a:p>
+            <a:pPr>
+              <a:lnSpc>
+                <a:spcPct val="150000"/>
+              </a:lnSpc>
+            </a:pPr>
+            <a:r>
+              <a:rPr lang="zh-CN" altLang="en-US" dirty="0"/>
+              <a:t>预处理</a:t>
+            </a:r>
+          </a:p>
+        </p:txBody>
+      </p:sp>
+      <p:sp>
+        <p:nvSpPr>
+          <p:cNvPr id="3" name="内容占位符 2">
+            <a:extLst>
+              <a:ext uri="{FF2B5EF4-FFF2-40B4-BE49-F238E27FC236}">
+                <a16:creationId xmlns:a16="http://schemas.microsoft.com/office/drawing/2014/main" id="{CC6AB183-7442-4041-8A19-A20FEBB68AC0}"/>
+              </a:ext>
+            </a:extLst>
+          </p:cNvPr>
+          <p:cNvSpPr>
+            <a:spLocks noGrp="1"/>
+          </p:cNvSpPr>
+          <p:nvPr>
+            <p:ph idx="1"/>
+          </p:nvPr>
+        </p:nvSpPr>
+        <p:spPr>
+          <a:xfrm>
+            <a:off x="628650" y="1484191"/>
+            <a:ext cx="7886700" cy="4351338"/>
+          </a:xfrm>
+        </p:spPr>
+        <p:txBody>
+          <a:bodyPr>
+            <a:normAutofit/>
+          </a:bodyPr>
+          <a:lstStyle/>
+          <a:p>
+            <a:pPr>
+              <a:lnSpc>
+                <a:spcPct val="150000"/>
+              </a:lnSpc>
+              <a:spcBef>
+                <a:spcPct val="0"/>
+              </a:spcBef>
+            </a:pPr>
+            <a:r>
+              <a:rPr lang="zh-CN" altLang="en-US" dirty="0"/>
+              <a:t>数据增强</a:t>
+            </a:r>
+            <a:endParaRPr lang="en-US" altLang="zh-CN" dirty="0"/>
+          </a:p>
+          <a:p>
+            <a:pPr lvl="1">
+              <a:lnSpc>
+                <a:spcPct val="150000"/>
+              </a:lnSpc>
+              <a:spcBef>
+                <a:spcPct val="0"/>
+              </a:spcBef>
+            </a:pPr>
+            <a:r>
+              <a:rPr lang="zh-CN" altLang="en-US" dirty="0"/>
+              <a:t>回译效果较差的：人名</a:t>
+            </a:r>
+            <a:r>
+              <a:rPr lang="en-US" altLang="zh-CN" dirty="0"/>
+              <a:t>/</a:t>
+            </a:r>
+            <a:r>
+              <a:rPr lang="zh-CN" altLang="en-US" dirty="0"/>
+              <a:t>事件名替换引入噪声</a:t>
+            </a:r>
+          </a:p>
+          <a:p>
+            <a:pPr lvl="1">
+              <a:lnSpc>
+                <a:spcPct val="150000"/>
+              </a:lnSpc>
+              <a:spcBef>
+                <a:spcPct val="0"/>
+              </a:spcBef>
+            </a:pPr>
+            <a:endParaRPr lang="en-US" altLang="zh-CN" dirty="0"/>
+          </a:p>
+        </p:txBody>
+      </p:sp>
+      <p:graphicFrame>
+        <p:nvGraphicFramePr>
+          <p:cNvPr id="7" name="表格 6">
+            <a:extLst>
+              <a:ext uri="{FF2B5EF4-FFF2-40B4-BE49-F238E27FC236}">
+                <a16:creationId xmlns:a16="http://schemas.microsoft.com/office/drawing/2014/main" id="{BA89A7DF-845A-4D17-9EC7-99FEA2A5A985}"/>
+              </a:ext>
+            </a:extLst>
+          </p:cNvPr>
+          <p:cNvGraphicFramePr>
+            <a:graphicFrameLocks noGrp="1"/>
+          </p:cNvGraphicFramePr>
+          <p:nvPr>
+            <p:extLst>
+              <p:ext uri="{D42A27DB-BD31-4B8C-83A1-F6EECF244321}">
+                <p14:modId xmlns:p14="http://schemas.microsoft.com/office/powerpoint/2010/main" val="3359314688"/>
+              </p:ext>
+            </p:extLst>
+          </p:nvPr>
+        </p:nvGraphicFramePr>
+        <p:xfrm>
+          <a:off x="628650" y="2809754"/>
+          <a:ext cx="7886700" cy="3503942"/>
+        </p:xfrm>
+        <a:graphic>
+          <a:graphicData uri="http://schemas.openxmlformats.org/drawingml/2006/table">
+            <a:tbl>
+              <a:tblPr firstRow="1" bandRow="1">
+                <a:tableStyleId>{5C22544A-7EE6-4342-B048-85BDC9FD1C3A}</a:tableStyleId>
+              </a:tblPr>
+              <a:tblGrid>
+                <a:gridCol w="3943350">
+                  <a:extLst>
+                    <a:ext uri="{9D8B030D-6E8A-4147-A177-3AD203B41FA5}">
+                      <a16:colId xmlns:a16="http://schemas.microsoft.com/office/drawing/2014/main" val="3569842019"/>
+                    </a:ext>
+                  </a:extLst>
+                </a:gridCol>
+                <a:gridCol w="3943350">
+                  <a:extLst>
+                    <a:ext uri="{9D8B030D-6E8A-4147-A177-3AD203B41FA5}">
+                      <a16:colId xmlns:a16="http://schemas.microsoft.com/office/drawing/2014/main" val="3013340727"/>
+                    </a:ext>
+                  </a:extLst>
+                </a:gridCol>
+              </a:tblGrid>
+              <a:tr h="436470">
+                <a:tc>
+                  <a:txBody>
+                    <a:bodyPr/>
+                    <a:lstStyle/>
+                    <a:p>
+                      <a:pPr>
+                        <a:lnSpc>
+                          <a:spcPct val="150000"/>
+                        </a:lnSpc>
+                        <a:spcBef>
+                          <a:spcPts val="0"/>
+                        </a:spcBef>
+                        <a:spcAft>
+                          <a:spcPts val="0"/>
+                        </a:spcAft>
+                      </a:pPr>
+                      <a:r>
+                        <a:rPr lang="zh-CN" altLang="en-US" dirty="0"/>
+                        <a:t>原问题</a:t>
+                      </a:r>
+                    </a:p>
+                  </a:txBody>
+                  <a:tcPr/>
+                </a:tc>
+                <a:tc>
+                  <a:txBody>
+                    <a:bodyPr/>
+                    <a:lstStyle/>
+                    <a:p>
+                      <a:pPr>
+                        <a:lnSpc>
+                          <a:spcPct val="150000"/>
+                        </a:lnSpc>
+                        <a:spcBef>
+                          <a:spcPts val="0"/>
+                        </a:spcBef>
+                        <a:spcAft>
+                          <a:spcPts val="0"/>
+                        </a:spcAft>
+                      </a:pPr>
+                      <a:r>
+                        <a:rPr lang="zh-CN" altLang="en-US" dirty="0"/>
+                        <a:t>回译结果</a:t>
+                      </a:r>
+                    </a:p>
+                  </a:txBody>
+                  <a:tcPr/>
+                </a:tc>
+                <a:extLst>
+                  <a:ext uri="{0D108BD9-81ED-4DB2-BD59-A6C34878D82A}">
+                    <a16:rowId xmlns:a16="http://schemas.microsoft.com/office/drawing/2014/main" val="1090300073"/>
+                  </a:ext>
+                </a:extLst>
+              </a:tr>
+              <a:tr h="486534">
+                <a:tc>
+                  <a:txBody>
+                    <a:bodyPr/>
+                    <a:lstStyle/>
+                    <a:p>
+                      <a:pPr>
+                        <a:lnSpc>
+                          <a:spcPct val="150000"/>
+                        </a:lnSpc>
+                        <a:spcBef>
+                          <a:spcPts val="0"/>
+                        </a:spcBef>
+                        <a:spcAft>
+                          <a:spcPts val="0"/>
+                        </a:spcAft>
+                      </a:pPr>
+                      <a:r>
+                        <a:rPr lang="zh-CN" altLang="en-US" sz="1600" dirty="0"/>
+                        <a:t>老鼠发现小朋友小毛在干什么？</a:t>
+                      </a:r>
+                    </a:p>
+                  </a:txBody>
+                  <a:tcPr/>
+                </a:tc>
+                <a:tc>
+                  <a:txBody>
+                    <a:bodyPr/>
+                    <a:lstStyle/>
+                    <a:p>
+                      <a:pPr>
+                        <a:lnSpc>
+                          <a:spcPct val="150000"/>
+                        </a:lnSpc>
+                        <a:spcBef>
+                          <a:spcPts val="0"/>
+                        </a:spcBef>
+                        <a:spcAft>
+                          <a:spcPts val="0"/>
+                        </a:spcAft>
+                      </a:pPr>
+                      <a:r>
+                        <a:rPr lang="zh-CN" altLang="en-US" sz="1600" dirty="0"/>
+                        <a:t>当老鼠发现小男孩的头发时，它在做什么</a:t>
+                      </a:r>
+                      <a:r>
+                        <a:rPr lang="en-US" altLang="zh-CN" sz="1600" dirty="0"/>
+                        <a:t>?</a:t>
+                      </a:r>
+                      <a:endParaRPr lang="zh-CN" altLang="en-US" sz="1600" dirty="0"/>
+                    </a:p>
+                  </a:txBody>
+                  <a:tcPr/>
+                </a:tc>
+                <a:extLst>
+                  <a:ext uri="{0D108BD9-81ED-4DB2-BD59-A6C34878D82A}">
+                    <a16:rowId xmlns:a16="http://schemas.microsoft.com/office/drawing/2014/main" val="3310756204"/>
+                  </a:ext>
+                </a:extLst>
+              </a:tr>
+              <a:tr h="397584">
+                <a:tc>
+                  <a:txBody>
+                    <a:bodyPr/>
+                    <a:lstStyle/>
+                    <a:p>
+                      <a:pPr>
+                        <a:lnSpc>
+                          <a:spcPct val="150000"/>
+                        </a:lnSpc>
+                        <a:spcBef>
+                          <a:spcPts val="0"/>
+                        </a:spcBef>
+                        <a:spcAft>
+                          <a:spcPts val="0"/>
+                        </a:spcAft>
+                      </a:pPr>
+                      <a:r>
+                        <a:rPr lang="zh-CN" altLang="en-US" sz="1600" dirty="0"/>
+                        <a:t>伍奢的第二个儿子是谁？ </a:t>
+                      </a:r>
+                    </a:p>
+                  </a:txBody>
+                  <a:tcPr/>
+                </a:tc>
+                <a:tc>
+                  <a:txBody>
+                    <a:bodyPr/>
+                    <a:lstStyle/>
+                    <a:p>
+                      <a:pPr marL="0" marR="0" lvl="0" indent="0" algn="l" defTabSz="914400" rtl="0" eaLnBrk="1" fontAlgn="auto" latinLnBrk="0" hangingPunct="1">
+                        <a:lnSpc>
+                          <a:spcPct val="150000"/>
+                        </a:lnSpc>
+                        <a:spcBef>
+                          <a:spcPts val="0"/>
+                        </a:spcBef>
+                        <a:spcAft>
+                          <a:spcPts val="0"/>
+                        </a:spcAft>
+                        <a:buClrTx/>
+                        <a:buSzTx/>
+                        <a:buFontTx/>
+                        <a:buNone/>
+                        <a:tabLst/>
+                        <a:defRPr/>
+                      </a:pPr>
+                      <a:r>
+                        <a:rPr lang="zh-CN" altLang="en-US" sz="1600" dirty="0"/>
+                        <a:t>吴舍是谁的二儿子</a:t>
+                      </a:r>
+                      <a:r>
+                        <a:rPr lang="en-US" altLang="zh-CN" sz="1600" dirty="0"/>
+                        <a:t>?</a:t>
+                      </a:r>
+                    </a:p>
+                  </a:txBody>
+                  <a:tcPr/>
+                </a:tc>
+                <a:extLst>
+                  <a:ext uri="{0D108BD9-81ED-4DB2-BD59-A6C34878D82A}">
+                    <a16:rowId xmlns:a16="http://schemas.microsoft.com/office/drawing/2014/main" val="3321647069"/>
+                  </a:ext>
+                </a:extLst>
+              </a:tr>
+              <a:tr h="397584">
+                <a:tc>
+                  <a:txBody>
+                    <a:bodyPr/>
+                    <a:lstStyle/>
+                    <a:p>
+                      <a:pPr>
+                        <a:lnSpc>
+                          <a:spcPct val="150000"/>
+                        </a:lnSpc>
+                        <a:spcBef>
+                          <a:spcPts val="0"/>
+                        </a:spcBef>
+                        <a:spcAft>
+                          <a:spcPts val="0"/>
+                        </a:spcAft>
+                      </a:pPr>
+                      <a:r>
+                        <a:rPr lang="zh-CN" altLang="en-US" sz="1600" dirty="0"/>
+                        <a:t>吕后指定谁为相国？ </a:t>
+                      </a:r>
+                    </a:p>
+                  </a:txBody>
+                  <a:tcPr/>
+                </a:tc>
+                <a:tc>
+                  <a:txBody>
+                    <a:bodyPr/>
+                    <a:lstStyle/>
+                    <a:p>
+                      <a:pPr marL="0" marR="0" lvl="0" indent="0" algn="l" defTabSz="914400" rtl="0" eaLnBrk="1" fontAlgn="auto" latinLnBrk="0" hangingPunct="1">
+                        <a:lnSpc>
+                          <a:spcPct val="150000"/>
+                        </a:lnSpc>
+                        <a:spcBef>
+                          <a:spcPts val="0"/>
+                        </a:spcBef>
+                        <a:spcAft>
+                          <a:spcPts val="0"/>
+                        </a:spcAft>
+                        <a:buClrTx/>
+                        <a:buSzTx/>
+                        <a:buFontTx/>
+                        <a:buNone/>
+                        <a:tabLst/>
+                        <a:defRPr/>
+                      </a:pPr>
+                      <a:r>
+                        <a:rPr lang="zh-CN" altLang="en-US" sz="1600" dirty="0"/>
+                        <a:t>吕侯任命谁为宰相</a:t>
+                      </a:r>
+                      <a:r>
+                        <a:rPr lang="en-US" altLang="zh-CN" sz="1600" dirty="0"/>
+                        <a:t>?</a:t>
+                      </a:r>
+                    </a:p>
+                  </a:txBody>
+                  <a:tcPr/>
+                </a:tc>
+                <a:extLst>
+                  <a:ext uri="{0D108BD9-81ED-4DB2-BD59-A6C34878D82A}">
+                    <a16:rowId xmlns:a16="http://schemas.microsoft.com/office/drawing/2014/main" val="1475928365"/>
+                  </a:ext>
+                </a:extLst>
+              </a:tr>
+              <a:tr h="486629">
+                <a:tc>
+                  <a:txBody>
+                    <a:bodyPr/>
+                    <a:lstStyle/>
+                    <a:p>
+                      <a:pPr>
+                        <a:lnSpc>
+                          <a:spcPct val="150000"/>
+                        </a:lnSpc>
+                        <a:spcBef>
+                          <a:spcPts val="0"/>
+                        </a:spcBef>
+                        <a:spcAft>
+                          <a:spcPts val="0"/>
+                        </a:spcAft>
+                      </a:pPr>
+                      <a:r>
+                        <a:rPr lang="zh-CN" altLang="en-US" sz="1600" dirty="0"/>
+                        <a:t>第三次中东战争前夕，洛茨来到了哪里？ </a:t>
+                      </a:r>
+                    </a:p>
+                  </a:txBody>
+                  <a:tcPr/>
+                </a:tc>
+                <a:tc>
+                  <a:txBody>
+                    <a:bodyPr/>
+                    <a:lstStyle/>
+                    <a:p>
+                      <a:pPr>
+                        <a:lnSpc>
+                          <a:spcPct val="150000"/>
+                        </a:lnSpc>
+                        <a:spcBef>
+                          <a:spcPts val="0"/>
+                        </a:spcBef>
+                        <a:spcAft>
+                          <a:spcPts val="0"/>
+                        </a:spcAft>
+                      </a:pPr>
+                      <a:r>
+                        <a:rPr lang="zh-CN" altLang="en-US" sz="1600" dirty="0"/>
+                        <a:t>在六日战争前夕，罗兹到哪里去了</a:t>
+                      </a:r>
+                      <a:r>
+                        <a:rPr lang="en-US" altLang="zh-CN" sz="1600" dirty="0"/>
+                        <a:t>?</a:t>
+                      </a:r>
+                      <a:endParaRPr lang="zh-CN" altLang="en-US" sz="1600" dirty="0"/>
+                    </a:p>
+                  </a:txBody>
+                  <a:tcPr/>
+                </a:tc>
+                <a:extLst>
+                  <a:ext uri="{0D108BD9-81ED-4DB2-BD59-A6C34878D82A}">
+                    <a16:rowId xmlns:a16="http://schemas.microsoft.com/office/drawing/2014/main" val="3197100677"/>
+                  </a:ext>
+                </a:extLst>
+              </a:tr>
+              <a:tr h="588115">
+                <a:tc>
+                  <a:txBody>
+                    <a:bodyPr/>
+                    <a:lstStyle/>
+                    <a:p>
+                      <a:pPr>
+                        <a:lnSpc>
+                          <a:spcPct val="150000"/>
+                        </a:lnSpc>
+                        <a:spcBef>
+                          <a:spcPts val="0"/>
+                        </a:spcBef>
+                        <a:spcAft>
+                          <a:spcPts val="0"/>
+                        </a:spcAft>
+                      </a:pPr>
+                      <a:r>
+                        <a:rPr lang="zh-CN" altLang="en-US" sz="1600" dirty="0"/>
+                        <a:t>赵构在哪儿建立了南宋王朝？ </a:t>
+                      </a:r>
+                    </a:p>
+                  </a:txBody>
+                  <a:tcPr/>
+                </a:tc>
+                <a:tc>
+                  <a:txBody>
+                    <a:bodyPr/>
+                    <a:lstStyle/>
+                    <a:p>
+                      <a:pPr marL="0" marR="0" lvl="0" indent="0" algn="l" defTabSz="914400" rtl="0" eaLnBrk="1" fontAlgn="auto" latinLnBrk="0" hangingPunct="1">
+                        <a:lnSpc>
+                          <a:spcPct val="150000"/>
+                        </a:lnSpc>
+                        <a:spcBef>
+                          <a:spcPts val="0"/>
+                        </a:spcBef>
+                        <a:spcAft>
+                          <a:spcPts val="0"/>
+                        </a:spcAft>
+                        <a:buClrTx/>
+                        <a:buSzTx/>
+                        <a:buFontTx/>
+                        <a:buNone/>
+                        <a:tabLst/>
+                        <a:defRPr/>
+                      </a:pPr>
+                      <a:r>
+                        <a:rPr lang="zh-CN" altLang="en-US" sz="1600" dirty="0"/>
+                        <a:t>赵沟在哪里建立了南宋</a:t>
+                      </a:r>
+                      <a:r>
+                        <a:rPr lang="en-US" altLang="zh-CN" sz="1600" dirty="0"/>
+                        <a:t>?</a:t>
+                      </a:r>
+                    </a:p>
+                  </a:txBody>
+                  <a:tcPr/>
+                </a:tc>
+                <a:extLst>
+                  <a:ext uri="{0D108BD9-81ED-4DB2-BD59-A6C34878D82A}">
+                    <a16:rowId xmlns:a16="http://schemas.microsoft.com/office/drawing/2014/main" val="2556475572"/>
+                  </a:ext>
+                </a:extLst>
+              </a:tr>
+              <a:tr h="641421">
+                <a:tc>
+                  <a:txBody>
+                    <a:bodyPr/>
+                    <a:lstStyle/>
+                    <a:p>
+                      <a:pPr>
+                        <a:lnSpc>
+                          <a:spcPct val="150000"/>
+                        </a:lnSpc>
+                        <a:spcBef>
+                          <a:spcPts val="0"/>
+                        </a:spcBef>
+                        <a:spcAft>
+                          <a:spcPts val="0"/>
+                        </a:spcAft>
+                      </a:pPr>
+                      <a:r>
+                        <a:rPr lang="zh-CN" altLang="en-US" sz="1600" dirty="0"/>
+                        <a:t>星期天，小花猫全家去哪野餐了？ </a:t>
+                      </a:r>
+                    </a:p>
+                  </a:txBody>
+                  <a:tcPr/>
+                </a:tc>
+                <a:tc>
+                  <a:txBody>
+                    <a:bodyPr/>
+                    <a:lstStyle/>
+                    <a:p>
+                      <a:pPr>
+                        <a:lnSpc>
+                          <a:spcPct val="150000"/>
+                        </a:lnSpc>
+                        <a:spcBef>
+                          <a:spcPts val="0"/>
+                        </a:spcBef>
+                        <a:spcAft>
+                          <a:spcPts val="0"/>
+                        </a:spcAft>
+                      </a:pPr>
+                      <a:r>
+                        <a:rPr lang="zh-CN" altLang="en-US" sz="1600" dirty="0"/>
+                        <a:t>小华购物中心的家人星期天去哪里野餐了？</a:t>
+                      </a:r>
+                    </a:p>
+                  </a:txBody>
+                  <a:tcPr/>
+                </a:tc>
+                <a:extLst>
+                  <a:ext uri="{0D108BD9-81ED-4DB2-BD59-A6C34878D82A}">
+                    <a16:rowId xmlns:a16="http://schemas.microsoft.com/office/drawing/2014/main" val="1831615607"/>
+                  </a:ext>
+                </a:extLst>
+              </a:tr>
+            </a:tbl>
+          </a:graphicData>
+        </a:graphic>
+      </p:graphicFrame>
+    </p:spTree>
+    <p:extLst>
+      <p:ext uri="{BB962C8B-B14F-4D97-AF65-F5344CB8AC3E}">
+        <p14:creationId xmlns:p14="http://schemas.microsoft.com/office/powerpoint/2010/main" val="982077415"/>
+      </p:ext>
+    </p:extLst>
+  </p:cSld>
+  <p:clrMapOvr>
+    <a:masterClrMapping/>
+  </p:clrMapOvr>
+  <mc:AlternateContent xmlns:mc="http://schemas.openxmlformats.org/markup-compatibility/2006" xmlns:p14="http://schemas.microsoft.com/office/powerpoint/2010/main">
+    <mc:Choice Requires="p14">
+      <p:transition spd="slow" p14:dur="2000" advTm="2872"/>
+    </mc:Choice>
+    <mc:Fallback xmlns="">
+      <p:transition spd="slow" advTm="2872"/>
+    </mc:Fallback>
+  </mc:AlternateContent>
+</p:sld>
+</file>
+
+<file path=ppt/slides/slide7.xml><?xml version="1.0" encoding="utf-8"?>
+<p:sld xmlns:a="http://schemas.openxmlformats.org/drawingml/2006/main" xmlns:r="http://schemas.openxmlformats.org/officeDocument/2006/relationships" xmlns:p="http://schemas.openxmlformats.org/presentationml/2006/main">
+  <p:cSld>
+    <p:spTree>
+      <p:nvGrpSpPr>
+        <p:cNvPr id="1" name=""/>
+        <p:cNvGrpSpPr/>
+        <p:nvPr/>
+      </p:nvGrpSpPr>
+      <p:grpSpPr>
+        <a:xfrm>
+          <a:off x="0" y="0"/>
+          <a:ext cx="0" cy="0"/>
+          <a:chOff x="0" y="0"/>
+          <a:chExt cx="0" cy="0"/>
+        </a:xfrm>
+      </p:grpSpPr>
+      <p:sp>
+        <p:nvSpPr>
+          <p:cNvPr id="2" name="标题 1">
+            <a:extLst>
+              <a:ext uri="{FF2B5EF4-FFF2-40B4-BE49-F238E27FC236}">
+                <a16:creationId xmlns:a16="http://schemas.microsoft.com/office/drawing/2014/main" id="{1BBFE9CA-C705-41BA-8ED9-E7A704726E74}"/>
+              </a:ext>
+            </a:extLst>
+          </p:cNvPr>
+          <p:cNvSpPr>
+            <a:spLocks noGrp="1"/>
+          </p:cNvSpPr>
+          <p:nvPr>
+            <p:ph type="title"/>
+          </p:nvPr>
+        </p:nvSpPr>
+        <p:spPr/>
+        <p:txBody>
+          <a:bodyPr/>
+          <a:lstStyle/>
+          <a:p>
+            <a:pPr>
+              <a:lnSpc>
+                <a:spcPct val="150000"/>
+              </a:lnSpc>
+            </a:pPr>
+            <a:r>
+              <a:rPr lang="zh-CN" altLang="en-US" dirty="0"/>
+              <a:t>预处理</a:t>
+            </a:r>
+          </a:p>
+        </p:txBody>
+      </p:sp>
+      <p:sp>
+        <p:nvSpPr>
+          <p:cNvPr id="3" name="内容占位符 2">
+            <a:extLst>
+              <a:ext uri="{FF2B5EF4-FFF2-40B4-BE49-F238E27FC236}">
+                <a16:creationId xmlns:a16="http://schemas.microsoft.com/office/drawing/2014/main" id="{CC6AB183-7442-4041-8A19-A20FEBB68AC0}"/>
+              </a:ext>
+            </a:extLst>
+          </p:cNvPr>
+          <p:cNvSpPr>
+            <a:spLocks noGrp="1"/>
+          </p:cNvSpPr>
+          <p:nvPr>
+            <p:ph idx="1"/>
+          </p:nvPr>
+        </p:nvSpPr>
+        <p:spPr/>
+        <p:txBody>
+          <a:bodyPr>
+            <a:normAutofit/>
+          </a:bodyPr>
+          <a:lstStyle/>
+          <a:p>
+            <a:pPr>
+              <a:lnSpc>
+                <a:spcPct val="150000"/>
+              </a:lnSpc>
+              <a:spcBef>
+                <a:spcPct val="0"/>
+              </a:spcBef>
+            </a:pPr>
+            <a:r>
+              <a:rPr lang="zh-CN" altLang="en-US" dirty="0"/>
+              <a:t>数据增强</a:t>
+            </a:r>
+            <a:endParaRPr lang="en-US" altLang="zh-CN" dirty="0"/>
+          </a:p>
+          <a:p>
+            <a:pPr lvl="1">
+              <a:lnSpc>
+                <a:spcPct val="150000"/>
+              </a:lnSpc>
+              <a:spcBef>
+                <a:spcPct val="0"/>
+              </a:spcBef>
+            </a:pPr>
+            <a:r>
+              <a:rPr lang="zh-CN" altLang="en-US" dirty="0"/>
+              <a:t>回译</a:t>
+            </a:r>
+            <a:endParaRPr lang="en-US" altLang="zh-CN" dirty="0"/>
+          </a:p>
+          <a:p>
+            <a:pPr lvl="2">
+              <a:lnSpc>
+                <a:spcPct val="150000"/>
+              </a:lnSpc>
+              <a:spcBef>
+                <a:spcPct val="0"/>
+              </a:spcBef>
+            </a:pPr>
+            <a:r>
+              <a:rPr lang="zh-CN" altLang="en-US" dirty="0"/>
+              <a:t>效果较差的：结构变化，引入噪声</a:t>
+            </a:r>
+            <a:endParaRPr lang="en-US" altLang="zh-CN" dirty="0"/>
+          </a:p>
+        </p:txBody>
+      </p:sp>
+      <p:graphicFrame>
+        <p:nvGraphicFramePr>
+          <p:cNvPr id="7" name="表格 6">
+            <a:extLst>
+              <a:ext uri="{FF2B5EF4-FFF2-40B4-BE49-F238E27FC236}">
+                <a16:creationId xmlns:a16="http://schemas.microsoft.com/office/drawing/2014/main" id="{8E415ABD-8C62-428C-B434-B40F445ABEF0}"/>
+              </a:ext>
+            </a:extLst>
+          </p:cNvPr>
+          <p:cNvGraphicFramePr>
+            <a:graphicFrameLocks noGrp="1"/>
+          </p:cNvGraphicFramePr>
+          <p:nvPr>
+            <p:extLst>
+              <p:ext uri="{D42A27DB-BD31-4B8C-83A1-F6EECF244321}">
+                <p14:modId xmlns:p14="http://schemas.microsoft.com/office/powerpoint/2010/main" val="4052681424"/>
+              </p:ext>
+            </p:extLst>
+          </p:nvPr>
+        </p:nvGraphicFramePr>
+        <p:xfrm>
+          <a:off x="1899666" y="3584448"/>
+          <a:ext cx="6037326" cy="1758712"/>
+        </p:xfrm>
+        <a:graphic>
+          <a:graphicData uri="http://schemas.openxmlformats.org/drawingml/2006/table">
+            <a:tbl>
+              <a:tblPr firstRow="1" bandRow="1">
+                <a:tableStyleId>{5C22544A-7EE6-4342-B048-85BDC9FD1C3A}</a:tableStyleId>
+              </a:tblPr>
+              <a:tblGrid>
+                <a:gridCol w="2754630">
+                  <a:extLst>
+                    <a:ext uri="{9D8B030D-6E8A-4147-A177-3AD203B41FA5}">
+                      <a16:colId xmlns:a16="http://schemas.microsoft.com/office/drawing/2014/main" val="3377182418"/>
+                    </a:ext>
+                  </a:extLst>
+                </a:gridCol>
+                <a:gridCol w="3282696">
+                  <a:extLst>
+                    <a:ext uri="{9D8B030D-6E8A-4147-A177-3AD203B41FA5}">
+                      <a16:colId xmlns:a16="http://schemas.microsoft.com/office/drawing/2014/main" val="1692851228"/>
+                    </a:ext>
+                  </a:extLst>
+                </a:gridCol>
+              </a:tblGrid>
+              <a:tr h="381774">
+                <a:tc>
+                  <a:txBody>
+                    <a:bodyPr/>
+                    <a:lstStyle/>
+                    <a:p>
+                      <a:pPr>
+                        <a:lnSpc>
+                          <a:spcPct val="150000"/>
+                        </a:lnSpc>
+                        <a:spcBef>
+                          <a:spcPts val="0"/>
+                        </a:spcBef>
+                        <a:spcAft>
+                          <a:spcPts val="0"/>
+                        </a:spcAft>
+                      </a:pPr>
+                      <a:r>
+                        <a:rPr lang="zh-CN" altLang="en-US" dirty="0"/>
+                        <a:t>原问题</a:t>
+                      </a:r>
+                    </a:p>
+                  </a:txBody>
+                  <a:tcPr/>
+                </a:tc>
+                <a:tc>
+                  <a:txBody>
+                    <a:bodyPr/>
+                    <a:lstStyle/>
+                    <a:p>
+                      <a:pPr>
+                        <a:lnSpc>
+                          <a:spcPct val="150000"/>
+                        </a:lnSpc>
+                        <a:spcBef>
+                          <a:spcPts val="0"/>
+                        </a:spcBef>
+                        <a:spcAft>
+                          <a:spcPts val="0"/>
+                        </a:spcAft>
+                      </a:pPr>
+                      <a:r>
+                        <a:rPr lang="zh-CN" altLang="en-US" dirty="0"/>
+                        <a:t>回译结果</a:t>
+                      </a:r>
+                    </a:p>
+                  </a:txBody>
+                  <a:tcPr/>
+                </a:tc>
+                <a:extLst>
+                  <a:ext uri="{0D108BD9-81ED-4DB2-BD59-A6C34878D82A}">
+                    <a16:rowId xmlns:a16="http://schemas.microsoft.com/office/drawing/2014/main" val="3654591972"/>
+                  </a:ext>
+                </a:extLst>
+              </a:tr>
+              <a:tr h="419740">
+                <a:tc>
+                  <a:txBody>
+                    <a:bodyPr/>
+                    <a:lstStyle/>
+                    <a:p>
+                      <a:pPr>
+                        <a:lnSpc>
+                          <a:spcPct val="150000"/>
+                        </a:lnSpc>
+                        <a:spcBef>
+                          <a:spcPts val="0"/>
+                        </a:spcBef>
+                        <a:spcAft>
+                          <a:spcPts val="0"/>
+                        </a:spcAft>
+                      </a:pPr>
+                      <a:r>
+                        <a:rPr lang="zh-CN" altLang="en-US" sz="1600" dirty="0"/>
+                        <a:t>树林中有什么？ </a:t>
+                      </a:r>
+                    </a:p>
+                  </a:txBody>
+                  <a:tcPr/>
+                </a:tc>
+                <a:tc>
+                  <a:txBody>
+                    <a:bodyPr/>
+                    <a:lstStyle/>
+                    <a:p>
+                      <a:pPr>
+                        <a:lnSpc>
+                          <a:spcPct val="150000"/>
+                        </a:lnSpc>
+                        <a:spcBef>
+                          <a:spcPts val="0"/>
+                        </a:spcBef>
+                        <a:spcAft>
+                          <a:spcPts val="0"/>
+                        </a:spcAft>
+                      </a:pPr>
+                      <a:r>
+                        <a:rPr lang="zh-CN" altLang="en-US" sz="1600" dirty="0"/>
+                        <a:t>那里是什么</a:t>
+                      </a:r>
+                      <a:r>
+                        <a:rPr lang="en-US" altLang="zh-CN" sz="1600" dirty="0"/>
+                        <a:t>?</a:t>
+                      </a:r>
+                      <a:r>
+                        <a:rPr lang="zh-CN" altLang="en-US" sz="1600" dirty="0"/>
+                        <a:t>在树林里。</a:t>
+                      </a:r>
+                    </a:p>
+                  </a:txBody>
+                  <a:tcPr/>
+                </a:tc>
+                <a:extLst>
+                  <a:ext uri="{0D108BD9-81ED-4DB2-BD59-A6C34878D82A}">
+                    <a16:rowId xmlns:a16="http://schemas.microsoft.com/office/drawing/2014/main" val="2298805641"/>
+                  </a:ext>
+                </a:extLst>
+              </a:tr>
+              <a:tr h="327975">
+                <a:tc>
+                  <a:txBody>
+                    <a:bodyPr/>
+                    <a:lstStyle/>
+                    <a:p>
+                      <a:pPr>
+                        <a:lnSpc>
+                          <a:spcPct val="150000"/>
+                        </a:lnSpc>
+                        <a:spcBef>
+                          <a:spcPts val="0"/>
+                        </a:spcBef>
+                        <a:spcAft>
+                          <a:spcPts val="0"/>
+                        </a:spcAft>
+                      </a:pPr>
+                      <a:r>
+                        <a:rPr lang="zh-CN" altLang="en-US" sz="1600" dirty="0"/>
+                        <a:t>山洞里住着一只什么？ </a:t>
+                      </a:r>
+                    </a:p>
+                  </a:txBody>
+                  <a:tcPr/>
+                </a:tc>
+                <a:tc>
+                  <a:txBody>
+                    <a:bodyPr/>
+                    <a:lstStyle/>
+                    <a:p>
+                      <a:pPr marL="0" marR="0" lvl="0" indent="0" algn="l" defTabSz="914400" rtl="0" eaLnBrk="1" fontAlgn="auto" latinLnBrk="0" hangingPunct="1">
+                        <a:lnSpc>
+                          <a:spcPct val="150000"/>
+                        </a:lnSpc>
+                        <a:spcBef>
+                          <a:spcPts val="0"/>
+                        </a:spcBef>
+                        <a:spcAft>
+                          <a:spcPts val="0"/>
+                        </a:spcAft>
+                        <a:buClrTx/>
+                        <a:buSzTx/>
+                        <a:buFontTx/>
+                        <a:buNone/>
+                        <a:tabLst/>
+                        <a:defRPr/>
+                      </a:pPr>
+                      <a:r>
+                        <a:rPr lang="zh-CN" altLang="en-US" sz="1600" dirty="0"/>
+                        <a:t>那里住着什么</a:t>
+                      </a:r>
+                      <a:r>
+                        <a:rPr lang="en-US" altLang="zh-CN" sz="1600" dirty="0"/>
+                        <a:t>?</a:t>
+                      </a:r>
+                      <a:r>
+                        <a:rPr lang="zh-CN" altLang="en-US" sz="1600" dirty="0"/>
+                        <a:t>里面是一个洞穴</a:t>
+                      </a:r>
+                      <a:endParaRPr lang="en-US" altLang="zh-CN" sz="1600" dirty="0"/>
+                    </a:p>
+                  </a:txBody>
+                  <a:tcPr/>
+                </a:tc>
+                <a:extLst>
+                  <a:ext uri="{0D108BD9-81ED-4DB2-BD59-A6C34878D82A}">
+                    <a16:rowId xmlns:a16="http://schemas.microsoft.com/office/drawing/2014/main" val="804231800"/>
+                  </a:ext>
+                </a:extLst>
+              </a:tr>
+              <a:tr h="457469">
+                <a:tc>
+                  <a:txBody>
+                    <a:bodyPr/>
+                    <a:lstStyle/>
+                    <a:p>
+                      <a:pPr>
+                        <a:lnSpc>
+                          <a:spcPct val="150000"/>
+                        </a:lnSpc>
+                        <a:spcBef>
+                          <a:spcPts val="0"/>
+                        </a:spcBef>
+                        <a:spcAft>
+                          <a:spcPts val="0"/>
+                        </a:spcAft>
+                      </a:pPr>
+                      <a:r>
+                        <a:rPr lang="zh-CN" altLang="en-US" sz="1600" dirty="0"/>
+                        <a:t>小兔和谁是好朋友？ </a:t>
+                      </a:r>
+                    </a:p>
+                  </a:txBody>
+                  <a:tcPr/>
+                </a:tc>
+                <a:tc>
+                  <a:txBody>
+                    <a:bodyPr/>
+                    <a:lstStyle/>
+                    <a:p>
+                      <a:pPr marL="0" marR="0" lvl="0" indent="0" algn="l" defTabSz="914400" rtl="0" eaLnBrk="1" fontAlgn="auto" latinLnBrk="0" hangingPunct="1">
+                        <a:lnSpc>
+                          <a:spcPct val="150000"/>
+                        </a:lnSpc>
+                        <a:spcBef>
+                          <a:spcPts val="0"/>
+                        </a:spcBef>
+                        <a:spcAft>
+                          <a:spcPts val="0"/>
+                        </a:spcAft>
+                        <a:buClrTx/>
+                        <a:buSzTx/>
+                        <a:buFontTx/>
+                        <a:buNone/>
+                        <a:tabLst/>
+                        <a:defRPr/>
+                      </a:pPr>
+                      <a:r>
+                        <a:rPr lang="zh-CN" altLang="en-US" sz="1600" dirty="0"/>
+                        <a:t>谁是兔子的好朋友</a:t>
+                      </a:r>
+                      <a:r>
+                        <a:rPr lang="en-US" altLang="zh-CN" sz="1600" dirty="0"/>
+                        <a:t>?</a:t>
+                      </a:r>
+                    </a:p>
+                  </a:txBody>
+                  <a:tcPr/>
+                </a:tc>
+                <a:extLst>
+                  <a:ext uri="{0D108BD9-81ED-4DB2-BD59-A6C34878D82A}">
+                    <a16:rowId xmlns:a16="http://schemas.microsoft.com/office/drawing/2014/main" val="1375644419"/>
+                  </a:ext>
+                </a:extLst>
+              </a:tr>
+            </a:tbl>
+          </a:graphicData>
+        </a:graphic>
+      </p:graphicFrame>
+    </p:spTree>
+    <p:extLst>
+      <p:ext uri="{BB962C8B-B14F-4D97-AF65-F5344CB8AC3E}">
+        <p14:creationId xmlns:p14="http://schemas.microsoft.com/office/powerpoint/2010/main" val="695088094"/>
+      </p:ext>
+    </p:extLst>
+  </p:cSld>
+  <p:clrMapOvr>
+    <a:masterClrMapping/>
+  </p:clrMapOvr>
+  <mc:AlternateContent xmlns:mc="http://schemas.openxmlformats.org/markup-compatibility/2006" xmlns:p14="http://schemas.microsoft.com/office/powerpoint/2010/main">
+    <mc:Choice Requires="p14">
+      <p:transition spd="slow" p14:dur="2000" advTm="2872"/>
+    </mc:Choice>
+    <mc:Fallback xmlns="">
+      <p:transition spd="slow" advTm="2872"/>
+    </mc:Fallback>
+  </mc:AlternateContent>
+</p:sld>
+</file>
+
+<file path=ppt/slides/slide8.xml><?xml version="1.0" encoding="utf-8"?>
+<p:sld xmlns:a="http://schemas.openxmlformats.org/drawingml/2006/main" xmlns:r="http://schemas.openxmlformats.org/officeDocument/2006/relationships" xmlns:p="http://schemas.openxmlformats.org/presentationml/2006/main">
+  <p:cSld>
+    <p:spTree>
+      <p:nvGrpSpPr>
+        <p:cNvPr id="1" name=""/>
+        <p:cNvGrpSpPr/>
+        <p:nvPr/>
+      </p:nvGrpSpPr>
+      <p:grpSpPr>
+        <a:xfrm>
+          <a:off x="0" y="0"/>
+          <a:ext cx="0" cy="0"/>
+          <a:chOff x="0" y="0"/>
+          <a:chExt cx="0" cy="0"/>
+        </a:xfrm>
+      </p:grpSpPr>
+      <p:sp>
+        <p:nvSpPr>
+          <p:cNvPr id="2" name="标题 1">
+            <a:extLst>
+              <a:ext uri="{FF2B5EF4-FFF2-40B4-BE49-F238E27FC236}">
+                <a16:creationId xmlns:a16="http://schemas.microsoft.com/office/drawing/2014/main" id="{A4403452-F44C-4A26-A576-CBA86D68613B}"/>
+              </a:ext>
+            </a:extLst>
+          </p:cNvPr>
+          <p:cNvSpPr>
+            <a:spLocks noGrp="1"/>
+          </p:cNvSpPr>
+          <p:nvPr>
+            <p:ph type="title"/>
+          </p:nvPr>
+        </p:nvSpPr>
+        <p:spPr/>
+        <p:txBody>
+          <a:bodyPr/>
+          <a:lstStyle/>
+          <a:p>
+            <a:pPr>
+              <a:lnSpc>
+                <a:spcPct val="150000"/>
+              </a:lnSpc>
+            </a:pPr>
+            <a:r>
+              <a:rPr lang="zh-CN" altLang="en-US" dirty="0"/>
+              <a:t>预处理</a:t>
+            </a:r>
+          </a:p>
+        </p:txBody>
+      </p:sp>
+      <p:sp>
+        <p:nvSpPr>
+          <p:cNvPr id="3" name="内容占位符 2">
+            <a:extLst>
+              <a:ext uri="{FF2B5EF4-FFF2-40B4-BE49-F238E27FC236}">
+                <a16:creationId xmlns:a16="http://schemas.microsoft.com/office/drawing/2014/main" id="{ED328317-943C-4B79-9AE0-6BC3DB353970}"/>
+              </a:ext>
+            </a:extLst>
+          </p:cNvPr>
+          <p:cNvSpPr>
+            <a:spLocks noGrp="1"/>
+          </p:cNvSpPr>
+          <p:nvPr>
+            <p:ph idx="1"/>
+          </p:nvPr>
+        </p:nvSpPr>
+        <p:spPr/>
+        <p:txBody>
+          <a:bodyPr/>
+          <a:lstStyle/>
+          <a:p>
+            <a:pPr>
+              <a:lnSpc>
+                <a:spcPct val="150000"/>
+              </a:lnSpc>
+              <a:spcBef>
+                <a:spcPct val="0"/>
+              </a:spcBef>
+            </a:pPr>
+            <a:r>
+              <a:rPr lang="zh-CN" altLang="en-US" dirty="0"/>
+              <a:t>数据增强</a:t>
+            </a:r>
+            <a:endParaRPr lang="en-US" altLang="zh-CN" dirty="0"/>
+          </a:p>
+          <a:p>
+            <a:pPr lvl="1">
+              <a:lnSpc>
+                <a:spcPct val="150000"/>
+              </a:lnSpc>
+              <a:spcBef>
+                <a:spcPct val="0"/>
+              </a:spcBef>
+            </a:pPr>
+            <a:r>
+              <a:rPr lang="en-US" altLang="zh-CN" dirty="0"/>
+              <a:t>EDA</a:t>
+            </a:r>
+          </a:p>
+        </p:txBody>
+      </p:sp>
+      <p:pic>
+        <p:nvPicPr>
+          <p:cNvPr id="5" name="图片 4">
+            <a:extLst>
+              <a:ext uri="{FF2B5EF4-FFF2-40B4-BE49-F238E27FC236}">
+                <a16:creationId xmlns:a16="http://schemas.microsoft.com/office/drawing/2014/main" id="{B721CDDB-0944-4627-B359-FA15D9CBA5E9}"/>
+              </a:ext>
+            </a:extLst>
+          </p:cNvPr>
+          <p:cNvPicPr>
+            <a:picLocks noChangeAspect="1"/>
+          </p:cNvPicPr>
+          <p:nvPr/>
+        </p:nvPicPr>
+        <p:blipFill rotWithShape="1">
+          <a:blip r:embed="rId2"/>
+          <a:srcRect t="2122" r="9770" b="2794"/>
+          <a:stretch/>
+        </p:blipFill>
+        <p:spPr>
+          <a:xfrm>
+            <a:off x="1370953" y="3541776"/>
+            <a:ext cx="3282653" cy="2026920"/>
+          </a:xfrm>
+          <a:prstGeom prst="rect">
+            <a:avLst/>
+          </a:prstGeom>
+        </p:spPr>
+      </p:pic>
+      <p:pic>
+        <p:nvPicPr>
+          <p:cNvPr id="6" name="图片 5">
+            <a:extLst>
+              <a:ext uri="{FF2B5EF4-FFF2-40B4-BE49-F238E27FC236}">
+                <a16:creationId xmlns:a16="http://schemas.microsoft.com/office/drawing/2014/main" id="{D5D2249E-1470-48D4-9DEB-7E8ACD9937B6}"/>
+              </a:ext>
+            </a:extLst>
+          </p:cNvPr>
+          <p:cNvPicPr>
+            <a:picLocks noChangeAspect="1"/>
+          </p:cNvPicPr>
+          <p:nvPr/>
+        </p:nvPicPr>
+        <p:blipFill>
+          <a:blip r:embed="rId3"/>
+          <a:stretch>
+            <a:fillRect/>
+          </a:stretch>
+        </p:blipFill>
+        <p:spPr>
+          <a:xfrm>
+            <a:off x="1370953" y="3190682"/>
+            <a:ext cx="2868452" cy="222917"/>
+          </a:xfrm>
+          <a:prstGeom prst="rect">
+            <a:avLst/>
+          </a:prstGeom>
+        </p:spPr>
+      </p:pic>
+      <p:pic>
+        <p:nvPicPr>
+          <p:cNvPr id="7" name="图片 6">
+            <a:extLst>
+              <a:ext uri="{FF2B5EF4-FFF2-40B4-BE49-F238E27FC236}">
+                <a16:creationId xmlns:a16="http://schemas.microsoft.com/office/drawing/2014/main" id="{0BC05D6E-2AE8-47CB-A9BF-CE8D2E3A8A75}"/>
+              </a:ext>
+            </a:extLst>
+          </p:cNvPr>
+          <p:cNvPicPr>
+            <a:picLocks noChangeAspect="1"/>
+          </p:cNvPicPr>
+          <p:nvPr/>
+        </p:nvPicPr>
+        <p:blipFill>
+          <a:blip r:embed="rId4"/>
+          <a:stretch>
+            <a:fillRect/>
+          </a:stretch>
+        </p:blipFill>
+        <p:spPr>
+          <a:xfrm>
+            <a:off x="4847694" y="3186487"/>
+            <a:ext cx="2495620" cy="214769"/>
+          </a:xfrm>
+          <a:prstGeom prst="rect">
+            <a:avLst/>
+          </a:prstGeom>
+        </p:spPr>
+      </p:pic>
+      <p:pic>
+        <p:nvPicPr>
+          <p:cNvPr id="8" name="图片 7">
+            <a:extLst>
+              <a:ext uri="{FF2B5EF4-FFF2-40B4-BE49-F238E27FC236}">
+                <a16:creationId xmlns:a16="http://schemas.microsoft.com/office/drawing/2014/main" id="{A96F500E-923A-4B3C-8D10-6520E3821A11}"/>
+              </a:ext>
+            </a:extLst>
+          </p:cNvPr>
+          <p:cNvPicPr>
+            <a:picLocks noChangeAspect="1"/>
+          </p:cNvPicPr>
+          <p:nvPr/>
+        </p:nvPicPr>
+        <p:blipFill>
+          <a:blip r:embed="rId5"/>
+          <a:stretch>
+            <a:fillRect/>
+          </a:stretch>
+        </p:blipFill>
+        <p:spPr>
+          <a:xfrm>
+            <a:off x="4847694" y="3582143"/>
+            <a:ext cx="3726104" cy="2135661"/>
+          </a:xfrm>
+          <a:prstGeom prst="rect">
+            <a:avLst/>
+          </a:prstGeom>
+        </p:spPr>
+      </p:pic>
+    </p:spTree>
+    <p:extLst>
+      <p:ext uri="{BB962C8B-B14F-4D97-AF65-F5344CB8AC3E}">
+        <p14:creationId xmlns:p14="http://schemas.microsoft.com/office/powerpoint/2010/main" val="2844187483"/>
+      </p:ext>
+    </p:extLst>
+  </p:cSld>
+  <p:clrMapOvr>
+    <a:masterClrMapping/>
+  </p:clrMapOvr>
+</p:sld>
+</file>
+
+<file path=ppt/slides/slide9.xml><?xml version="1.0" encoding="utf-8"?>
+<p:sld xmlns:a="http://schemas.openxmlformats.org/drawingml/2006/main" xmlns:r="http://schemas.openxmlformats.org/officeDocument/2006/relationships" xmlns:p="http://schemas.openxmlformats.org/presentationml/2006/main">
+  <p:cSld>
+    <p:spTree>
+      <p:nvGrpSpPr>
+        <p:cNvPr id="1" name=""/>
+        <p:cNvGrpSpPr/>
+        <p:nvPr/>
+      </p:nvGrpSpPr>
+      <p:grpSpPr>
+        <a:xfrm>
+          <a:off x="0" y="0"/>
+          <a:ext cx="0" cy="0"/>
+          <a:chOff x="0" y="0"/>
+          <a:chExt cx="0" cy="0"/>
+        </a:xfrm>
+      </p:grpSpPr>
+      <p:sp>
+        <p:nvSpPr>
+          <p:cNvPr id="2" name="标题 1">
+            <a:extLst>
+              <a:ext uri="{FF2B5EF4-FFF2-40B4-BE49-F238E27FC236}">
+                <a16:creationId xmlns:a16="http://schemas.microsoft.com/office/drawing/2014/main" id="{5C9A53AF-80C2-463F-B615-5FB311D687E7}"/>
+              </a:ext>
+            </a:extLst>
+          </p:cNvPr>
+          <p:cNvSpPr>
+            <a:spLocks noGrp="1"/>
+          </p:cNvSpPr>
+          <p:nvPr>
+            <p:ph type="title"/>
+          </p:nvPr>
+        </p:nvSpPr>
+        <p:spPr/>
+        <p:txBody>
+          <a:bodyPr/>
+          <a:lstStyle/>
+          <a:p>
+            <a:pPr>
+              <a:lnSpc>
+                <a:spcPct val="150000"/>
+              </a:lnSpc>
+            </a:pPr>
+            <a:r>
+              <a:rPr lang="zh-CN" altLang="en-US" dirty="0"/>
+              <a:t>模型训练</a:t>
+            </a:r>
+          </a:p>
+        </p:txBody>
+      </p:sp>
+      <p:sp>
+        <p:nvSpPr>
+          <p:cNvPr id="3" name="内容占位符 2">
+            <a:extLst>
+              <a:ext uri="{FF2B5EF4-FFF2-40B4-BE49-F238E27FC236}">
+                <a16:creationId xmlns:a16="http://schemas.microsoft.com/office/drawing/2014/main" id="{D6A60BF5-2C3A-4908-8877-CD53B4AECA9B}"/>
+              </a:ext>
+            </a:extLst>
+          </p:cNvPr>
+          <p:cNvSpPr>
+            <a:spLocks noGrp="1"/>
+          </p:cNvSpPr>
+          <p:nvPr>
+            <p:ph idx="1"/>
+          </p:nvPr>
+        </p:nvSpPr>
+        <p:spPr>
+          <a:xfrm>
+            <a:off x="628650" y="1582433"/>
+            <a:ext cx="7886700" cy="4351338"/>
+          </a:xfrm>
+        </p:spPr>
+        <p:txBody>
+          <a:bodyPr/>
+          <a:lstStyle/>
+          <a:p>
+            <a:pPr>
+              <a:lnSpc>
+                <a:spcPct val="150000"/>
+              </a:lnSpc>
+              <a:spcBef>
+                <a:spcPts val="0"/>
+              </a:spcBef>
+            </a:pPr>
+            <a:r>
+              <a:rPr lang="zh-CN" altLang="en-US" dirty="0"/>
+              <a:t>主要模型</a:t>
+            </a:r>
+            <a:endParaRPr lang="en-US" altLang="zh-CN" dirty="0"/>
+          </a:p>
+          <a:p>
+            <a:pPr lvl="1">
+              <a:lnSpc>
+                <a:spcPct val="150000"/>
+              </a:lnSpc>
+              <a:spcBef>
+                <a:spcPts val="0"/>
+              </a:spcBef>
+            </a:pPr>
+            <a:r>
+              <a:rPr lang="en-US" altLang="zh-CN" dirty="0"/>
+              <a:t>Bert baseline</a:t>
+            </a:r>
+          </a:p>
+          <a:p>
+            <a:pPr lvl="1">
+              <a:lnSpc>
+                <a:spcPct val="150000"/>
+              </a:lnSpc>
+              <a:spcBef>
+                <a:spcPts val="0"/>
+              </a:spcBef>
+            </a:pPr>
+            <a:r>
+              <a:rPr lang="en-US" altLang="zh-CN" dirty="0"/>
+              <a:t>Bert + context2query and query2context attention</a:t>
+            </a:r>
+          </a:p>
+          <a:p>
+            <a:pPr lvl="1">
+              <a:lnSpc>
+                <a:spcPct val="150000"/>
+              </a:lnSpc>
+              <a:spcBef>
+                <a:spcPts val="0"/>
+              </a:spcBef>
+            </a:pPr>
+            <a:endParaRPr lang="en-US" altLang="zh-CN" dirty="0"/>
+          </a:p>
+          <a:p>
+            <a:pPr lvl="1">
+              <a:lnSpc>
+                <a:spcPct val="150000"/>
+              </a:lnSpc>
+              <a:spcBef>
+                <a:spcPts val="0"/>
+              </a:spcBef>
+            </a:pPr>
+            <a:endParaRPr lang="en-US" altLang="zh-CN" dirty="0"/>
+          </a:p>
+          <a:p>
+            <a:pPr lvl="1">
+              <a:lnSpc>
+                <a:spcPct val="150000"/>
+              </a:lnSpc>
+              <a:spcBef>
+                <a:spcPts val="0"/>
+              </a:spcBef>
+            </a:pPr>
+            <a:r>
+              <a:rPr lang="en-US" altLang="zh-CN" dirty="0"/>
+              <a:t>Bert + </a:t>
+            </a:r>
+            <a:r>
+              <a:rPr lang="en-US" altLang="zh-CN" dirty="0" err="1"/>
+              <a:t>rnet</a:t>
+            </a:r>
+            <a:endParaRPr lang="zh-CN" altLang="en-US" dirty="0"/>
+          </a:p>
+        </p:txBody>
+      </p:sp>
+      <p:pic>
+        <p:nvPicPr>
+          <p:cNvPr id="4" name="图片 3">
+            <a:extLst>
+              <a:ext uri="{FF2B5EF4-FFF2-40B4-BE49-F238E27FC236}">
+                <a16:creationId xmlns:a16="http://schemas.microsoft.com/office/drawing/2014/main" id="{887082F0-0D0E-4843-AF58-0425CDAE9591}"/>
+              </a:ext>
+            </a:extLst>
+          </p:cNvPr>
+          <p:cNvPicPr>
+            <a:picLocks noChangeAspect="1"/>
+          </p:cNvPicPr>
+          <p:nvPr/>
+        </p:nvPicPr>
+        <p:blipFill>
+          <a:blip r:embed="rId3"/>
+          <a:stretch>
+            <a:fillRect/>
+          </a:stretch>
+        </p:blipFill>
+        <p:spPr>
+          <a:xfrm>
+            <a:off x="3389493" y="3620368"/>
+            <a:ext cx="1182507" cy="1030470"/>
+          </a:xfrm>
+          <a:prstGeom prst="rect">
+            <a:avLst/>
+          </a:prstGeom>
+        </p:spPr>
+      </p:pic>
+      <p:pic>
+        <p:nvPicPr>
+          <p:cNvPr id="5" name="图片 4">
+            <a:extLst>
+              <a:ext uri="{FF2B5EF4-FFF2-40B4-BE49-F238E27FC236}">
+                <a16:creationId xmlns:a16="http://schemas.microsoft.com/office/drawing/2014/main" id="{B361C887-CEFB-43CE-A058-9B3079DB1995}"/>
+              </a:ext>
+            </a:extLst>
+          </p:cNvPr>
+          <p:cNvPicPr>
+            <a:picLocks noChangeAspect="1"/>
+          </p:cNvPicPr>
+          <p:nvPr/>
+        </p:nvPicPr>
+        <p:blipFill>
+          <a:blip r:embed="rId4"/>
+          <a:stretch>
+            <a:fillRect/>
+          </a:stretch>
+        </p:blipFill>
+        <p:spPr>
+          <a:xfrm>
+            <a:off x="1674765" y="3602906"/>
+            <a:ext cx="1218102" cy="1058197"/>
+          </a:xfrm>
+          <a:prstGeom prst="rect">
+            <a:avLst/>
+          </a:prstGeom>
+        </p:spPr>
+      </p:pic>
+      <p:pic>
+        <p:nvPicPr>
+          <p:cNvPr id="7" name="图片 6">
+            <a:extLst>
+              <a:ext uri="{FF2B5EF4-FFF2-40B4-BE49-F238E27FC236}">
+                <a16:creationId xmlns:a16="http://schemas.microsoft.com/office/drawing/2014/main" id="{9EE8993D-A098-4A05-8436-36E5F7667A6C}"/>
+              </a:ext>
+            </a:extLst>
+          </p:cNvPr>
+          <p:cNvPicPr>
+            <a:picLocks noChangeAspect="1"/>
+          </p:cNvPicPr>
+          <p:nvPr/>
+        </p:nvPicPr>
+        <p:blipFill>
+          <a:blip r:embed="rId5"/>
+          <a:stretch>
+            <a:fillRect/>
+          </a:stretch>
+        </p:blipFill>
+        <p:spPr>
+          <a:xfrm>
+            <a:off x="4572000" y="3463572"/>
+            <a:ext cx="4264044" cy="3029302"/>
+          </a:xfrm>
+          <a:prstGeom prst="rect">
+            <a:avLst/>
+          </a:prstGeom>
+        </p:spPr>
+      </p:pic>
+    </p:spTree>
+    <p:extLst>
+      <p:ext uri="{BB962C8B-B14F-4D97-AF65-F5344CB8AC3E}">
+        <p14:creationId xmlns:p14="http://schemas.microsoft.com/office/powerpoint/2010/main" val="2803102934"/>
       </p:ext>
     </p:extLst>
   </p:cSld>

--- a/0424.pptx
+++ b/0424.pptx
@@ -1135,6 +1135,90 @@
           <a:p>
             <a:fld id="{EE49BDBF-463A-4B57-A225-93A9BE3D9D52}" type="slidenum">
               <a:rPr lang="zh-CN" altLang="en-US" smtClean="0"/>
+              <a:t>13</a:t>
+            </a:fld>
+            <a:endParaRPr lang="zh-CN" altLang="en-US"/>
+          </a:p>
+        </p:txBody>
+      </p:sp>
+    </p:spTree>
+    <p:extLst>
+      <p:ext uri="{BB962C8B-B14F-4D97-AF65-F5344CB8AC3E}">
+        <p14:creationId xmlns:p14="http://schemas.microsoft.com/office/powerpoint/2010/main" val="2477308758"/>
+      </p:ext>
+    </p:extLst>
+  </p:cSld>
+  <p:clrMapOvr>
+    <a:masterClrMapping/>
+  </p:clrMapOvr>
+</p:notes>
+</file>
+
+<file path=ppt/notesSlides/notesSlide8.xml><?xml version="1.0" encoding="utf-8"?>
+<p:notes xmlns:a="http://schemas.openxmlformats.org/drawingml/2006/main" xmlns:r="http://schemas.openxmlformats.org/officeDocument/2006/relationships" xmlns:p="http://schemas.openxmlformats.org/presentationml/2006/main">
+  <p:cSld>
+    <p:spTree>
+      <p:nvGrpSpPr>
+        <p:cNvPr id="1" name=""/>
+        <p:cNvGrpSpPr/>
+        <p:nvPr/>
+      </p:nvGrpSpPr>
+      <p:grpSpPr>
+        <a:xfrm>
+          <a:off x="0" y="0"/>
+          <a:ext cx="0" cy="0"/>
+          <a:chOff x="0" y="0"/>
+          <a:chExt cx="0" cy="0"/>
+        </a:xfrm>
+      </p:grpSpPr>
+      <p:sp>
+        <p:nvSpPr>
+          <p:cNvPr id="2" name="幻灯片图像占位符 1"/>
+          <p:cNvSpPr>
+            <a:spLocks noGrp="1" noRot="1" noChangeAspect="1"/>
+          </p:cNvSpPr>
+          <p:nvPr>
+            <p:ph type="sldImg"/>
+          </p:nvPr>
+        </p:nvSpPr>
+        <p:spPr/>
+      </p:sp>
+      <p:sp>
+        <p:nvSpPr>
+          <p:cNvPr id="3" name="备注占位符 2"/>
+          <p:cNvSpPr>
+            <a:spLocks noGrp="1"/>
+          </p:cNvSpPr>
+          <p:nvPr>
+            <p:ph type="body" idx="1"/>
+          </p:nvPr>
+        </p:nvSpPr>
+        <p:spPr/>
+        <p:txBody>
+          <a:bodyPr/>
+          <a:lstStyle/>
+          <a:p>
+            <a:endParaRPr lang="zh-CN" altLang="en-US" dirty="0"/>
+          </a:p>
+        </p:txBody>
+      </p:sp>
+      <p:sp>
+        <p:nvSpPr>
+          <p:cNvPr id="4" name="灯片编号占位符 3"/>
+          <p:cNvSpPr>
+            <a:spLocks noGrp="1"/>
+          </p:cNvSpPr>
+          <p:nvPr>
+            <p:ph type="sldNum" sz="quarter" idx="5"/>
+          </p:nvPr>
+        </p:nvSpPr>
+        <p:spPr/>
+        <p:txBody>
+          <a:bodyPr/>
+          <a:lstStyle/>
+          <a:p>
+            <a:fld id="{EE49BDBF-463A-4B57-A225-93A9BE3D9D52}" type="slidenum">
+              <a:rPr lang="zh-CN" altLang="en-US" smtClean="0"/>
               <a:t>14</a:t>
             </a:fld>
             <a:endParaRPr lang="zh-CN" altLang="en-US"/>
@@ -1154,7 +1238,7 @@
 </p:notes>
 </file>
 
-<file path=ppt/notesSlides/notesSlide8.xml><?xml version="1.0" encoding="utf-8"?>
+<file path=ppt/notesSlides/notesSlide9.xml><?xml version="1.0" encoding="utf-8"?>
 <p:notes xmlns:a="http://schemas.openxmlformats.org/drawingml/2006/main" xmlns:r="http://schemas.openxmlformats.org/officeDocument/2006/relationships" xmlns:p="http://schemas.openxmlformats.org/presentationml/2006/main">
   <p:cSld>
     <p:spTree>
@@ -4866,7 +4950,7 @@
           <a:graphicData uri="http://schemas.openxmlformats.org/presentationml/2006/ole">
             <mc:AlternateContent xmlns:mc="http://schemas.openxmlformats.org/markup-compatibility/2006">
               <mc:Choice xmlns:v="urn:schemas-microsoft-com:vml" Requires="v">
-                <p:oleObj spid="_x0000_s1658" name="Equation" r:id="rId4" imgW="2120760" imgH="203040" progId="Equation.DSMT4">
+                <p:oleObj spid="_x0000_s1699" name="Equation" r:id="rId4" imgW="2120760" imgH="203040" progId="Equation.DSMT4">
                   <p:embed/>
                 </p:oleObj>
               </mc:Choice>
@@ -5131,20 +5215,6 @@
               <a:t>=0.5/0.6/0.75</a:t>
             </a:r>
           </a:p>
-          <a:p>
-            <a:pPr lvl="2">
-              <a:lnSpc>
-                <a:spcPct val="150000"/>
-              </a:lnSpc>
-              <a:spcBef>
-                <a:spcPct val="0"/>
-              </a:spcBef>
-            </a:pPr>
-            <a:r>
-              <a:rPr lang="zh-CN" altLang="en-US" dirty="0"/>
-              <a:t>数据少</a:t>
-            </a:r>
-          </a:p>
         </p:txBody>
       </p:sp>
     </p:spTree>
@@ -6259,7 +6329,7 @@
             </a:pPr>
             <a:r>
               <a:rPr lang="en-US" altLang="zh-CN" dirty="0"/>
-              <a:t>n-best</a:t>
+              <a:t>N-best</a:t>
             </a:r>
             <a:r>
               <a:rPr lang="zh-CN" altLang="en-US" dirty="0"/>
@@ -6283,6 +6353,24 @@
             <a:endParaRPr lang="en-US" altLang="zh-CN" dirty="0"/>
           </a:p>
           <a:p>
+            <a:pPr lvl="2">
+              <a:lnSpc>
+                <a:spcPct val="150000"/>
+              </a:lnSpc>
+              <a:spcBef>
+                <a:spcPts val="0"/>
+              </a:spcBef>
+            </a:pPr>
+            <a:r>
+              <a:rPr lang="en-US" altLang="zh-CN" dirty="0" err="1"/>
+              <a:t>Max_length</a:t>
+            </a:r>
+            <a:r>
+              <a:rPr lang="en-US" altLang="zh-CN" dirty="0"/>
+              <a:t>=5</a:t>
+            </a:r>
+          </a:p>
+          <a:p>
             <a:pPr lvl="1">
               <a:lnSpc>
                 <a:spcPct val="150000"/>
@@ -6327,23 +6415,155 @@
             </a:r>
             <a:endParaRPr lang="en-US" altLang="zh-CN" dirty="0"/>
           </a:p>
-          <a:p>
-            <a:pPr lvl="1">
-              <a:lnSpc>
-                <a:spcPct val="150000"/>
-              </a:lnSpc>
-              <a:spcBef>
-                <a:spcPts val="0"/>
-              </a:spcBef>
-            </a:pPr>
-            <a:r>
-              <a:rPr lang="zh-CN" altLang="en-US" dirty="0"/>
-              <a:t>词性</a:t>
-            </a:r>
-            <a:endParaRPr lang="en-US" altLang="zh-CN" dirty="0"/>
-          </a:p>
-        </p:txBody>
-      </p:sp>
+        </p:txBody>
+      </p:sp>
+      <p:graphicFrame>
+        <p:nvGraphicFramePr>
+          <p:cNvPr id="4" name="表格 3">
+            <a:extLst>
+              <a:ext uri="{FF2B5EF4-FFF2-40B4-BE49-F238E27FC236}">
+                <a16:creationId xmlns:a16="http://schemas.microsoft.com/office/drawing/2014/main" id="{60D46F5A-044D-4118-BBA4-A3DA680B6B7D}"/>
+              </a:ext>
+            </a:extLst>
+          </p:cNvPr>
+          <p:cNvGraphicFramePr>
+            <a:graphicFrameLocks noGrp="1"/>
+          </p:cNvGraphicFramePr>
+          <p:nvPr>
+            <p:extLst>
+              <p:ext uri="{D42A27DB-BD31-4B8C-83A1-F6EECF244321}">
+                <p14:modId xmlns:p14="http://schemas.microsoft.com/office/powerpoint/2010/main" val="917268206"/>
+              </p:ext>
+            </p:extLst>
+          </p:nvPr>
+        </p:nvGraphicFramePr>
+        <p:xfrm>
+          <a:off x="5162833" y="1912955"/>
+          <a:ext cx="3383712" cy="2757556"/>
+        </p:xfrm>
+        <a:graphic>
+          <a:graphicData uri="http://schemas.openxmlformats.org/drawingml/2006/table">
+            <a:tbl>
+              <a:tblPr firstRow="1" bandRow="1">
+                <a:tableStyleId>{5C22544A-7EE6-4342-B048-85BDC9FD1C3A}</a:tableStyleId>
+              </a:tblPr>
+              <a:tblGrid>
+                <a:gridCol w="3383712">
+                  <a:extLst>
+                    <a:ext uri="{9D8B030D-6E8A-4147-A177-3AD203B41FA5}">
+                      <a16:colId xmlns:a16="http://schemas.microsoft.com/office/drawing/2014/main" val="2855600491"/>
+                    </a:ext>
+                  </a:extLst>
+                </a:gridCol>
+              </a:tblGrid>
+              <a:tr h="529369">
+                <a:tc>
+                  <a:txBody>
+                    <a:bodyPr/>
+                    <a:lstStyle/>
+                    <a:p>
+                      <a:r>
+                        <a:rPr lang="zh-CN" altLang="en-US" dirty="0"/>
+                        <a:t>谁的官职是工部侍郎？</a:t>
+                      </a:r>
+                    </a:p>
+                  </a:txBody>
+                  <a:tcPr/>
+                </a:tc>
+                <a:extLst>
+                  <a:ext uri="{0D108BD9-81ED-4DB2-BD59-A6C34878D82A}">
+                    <a16:rowId xmlns:a16="http://schemas.microsoft.com/office/drawing/2014/main" val="3052558794"/>
+                  </a:ext>
+                </a:extLst>
+              </a:tr>
+              <a:tr h="529369">
+                <a:tc>
+                  <a:txBody>
+                    <a:bodyPr/>
+                    <a:lstStyle/>
+                    <a:p>
+                      <a:r>
+                        <a:rPr lang="zh-CN" altLang="en-US" dirty="0"/>
+                        <a:t>柳公权忠良耿直，能言善谏，官职是工部侍郎</a:t>
+                      </a:r>
+                    </a:p>
+                  </a:txBody>
+                  <a:tcPr/>
+                </a:tc>
+                <a:extLst>
+                  <a:ext uri="{0D108BD9-81ED-4DB2-BD59-A6C34878D82A}">
+                    <a16:rowId xmlns:a16="http://schemas.microsoft.com/office/drawing/2014/main" val="143525956"/>
+                  </a:ext>
+                </a:extLst>
+              </a:tr>
+              <a:tr h="529369">
+                <a:tc>
+                  <a:txBody>
+                    <a:bodyPr/>
+                    <a:lstStyle/>
+                    <a:p>
+                      <a:r>
+                        <a:rPr lang="zh-CN" altLang="en-US" b="1" dirty="0"/>
+                        <a:t>柳公权</a:t>
+                      </a:r>
+                    </a:p>
+                  </a:txBody>
+                  <a:tcPr/>
+                </a:tc>
+                <a:extLst>
+                  <a:ext uri="{0D108BD9-81ED-4DB2-BD59-A6C34878D82A}">
+                    <a16:rowId xmlns:a16="http://schemas.microsoft.com/office/drawing/2014/main" val="1986385240"/>
+                  </a:ext>
+                </a:extLst>
+              </a:tr>
+              <a:tr h="529369">
+                <a:tc>
+                  <a:txBody>
+                    <a:bodyPr/>
+                    <a:lstStyle/>
+                    <a:p>
+                      <a:r>
+                        <a:rPr lang="zh-CN" altLang="en-US" dirty="0"/>
+                        <a:t>大书法家</a:t>
+                      </a:r>
+                      <a:r>
+                        <a:rPr lang="zh-CN" altLang="en-US" b="0" dirty="0"/>
+                        <a:t>柳公权</a:t>
+                      </a:r>
+                    </a:p>
+                  </a:txBody>
+                  <a:tcPr/>
+                </a:tc>
+                <a:extLst>
+                  <a:ext uri="{0D108BD9-81ED-4DB2-BD59-A6C34878D82A}">
+                    <a16:rowId xmlns:a16="http://schemas.microsoft.com/office/drawing/2014/main" val="2198615445"/>
+                  </a:ext>
+                </a:extLst>
+              </a:tr>
+              <a:tr h="529369">
+                <a:tc>
+                  <a:txBody>
+                    <a:bodyPr/>
+                    <a:lstStyle/>
+                    <a:p>
+                      <a:r>
+                        <a:rPr lang="zh-CN" altLang="en-US" dirty="0"/>
+                        <a:t>唐文宗时，大书法家柳公权</a:t>
+                      </a:r>
+                    </a:p>
+                  </a:txBody>
+                  <a:tcPr/>
+                </a:tc>
+                <a:extLst>
+                  <a:ext uri="{0D108BD9-81ED-4DB2-BD59-A6C34878D82A}">
+                    <a16:rowId xmlns:a16="http://schemas.microsoft.com/office/drawing/2014/main" val="623819719"/>
+                  </a:ext>
+                </a:extLst>
+              </a:tr>
+            </a:tbl>
+          </a:graphicData>
+        </a:graphic>
+      </p:graphicFrame>
       <p:pic>
         <p:nvPicPr>
           <p:cNvPr id="6" name="图片 5">
@@ -6359,7 +6579,7 @@
           <p:nvPr/>
         </p:nvPicPr>
         <p:blipFill>
-          <a:blip r:embed="rId2">
+          <a:blip r:embed="rId3">
             <a:extLst>
               <a:ext uri="{28A0092B-C50C-407E-A947-70E740481C1C}">
                 <a14:useLocalDpi xmlns:a14="http://schemas.microsoft.com/office/drawing/2010/main" val="0"/>
@@ -6372,7 +6592,7 @@
         </p:blipFill>
         <p:spPr>
           <a:xfrm>
-            <a:off x="4565378" y="1528355"/>
+            <a:off x="4448419" y="1690689"/>
             <a:ext cx="4578622" cy="3383887"/>
           </a:xfrm>
           <a:prstGeom prst="rect">
@@ -6395,13 +6615,13 @@
           <p:nvPr>
             <p:extLst>
               <p:ext uri="{D42A27DB-BD31-4B8C-83A1-F6EECF244321}">
-                <p14:modId xmlns:p14="http://schemas.microsoft.com/office/powerpoint/2010/main" val="1476389545"/>
+                <p14:modId xmlns:p14="http://schemas.microsoft.com/office/powerpoint/2010/main" val="4141655313"/>
               </p:ext>
             </p:extLst>
           </p:nvPr>
         </p:nvGraphicFramePr>
         <p:xfrm>
-          <a:off x="4593341" y="1690689"/>
+          <a:off x="4534862" y="1873367"/>
           <a:ext cx="4236334" cy="3293944"/>
         </p:xfrm>
         <a:graphic>
@@ -6708,6 +6928,112 @@
                                           </p:stCondLst>
                                         </p:cTn>
                                         <p:tgtEl>
+                                          <p:spTgt spid="4"/>
+                                        </p:tgtEl>
+                                        <p:attrNameLst>
+                                          <p:attrName>style.visibility</p:attrName>
+                                        </p:attrNameLst>
+                                      </p:cBhvr>
+                                      <p:to>
+                                        <p:strVal val="visible"/>
+                                      </p:to>
+                                    </p:set>
+                                    <p:animEffect transition="in" filter="fade">
+                                      <p:cBhvr>
+                                        <p:cTn id="7" dur="500"/>
+                                        <p:tgtEl>
+                                          <p:spTgt spid="4"/>
+                                        </p:tgtEl>
+                                      </p:cBhvr>
+                                    </p:animEffect>
+                                  </p:childTnLst>
+                                </p:cTn>
+                              </p:par>
+                            </p:childTnLst>
+                          </p:cTn>
+                        </p:par>
+                      </p:childTnLst>
+                    </p:cTn>
+                  </p:par>
+                  <p:par>
+                    <p:cTn id="8" fill="hold">
+                      <p:stCondLst>
+                        <p:cond delay="indefinite"/>
+                      </p:stCondLst>
+                      <p:childTnLst>
+                        <p:par>
+                          <p:cTn id="9" fill="hold">
+                            <p:stCondLst>
+                              <p:cond delay="0"/>
+                            </p:stCondLst>
+                            <p:childTnLst>
+                              <p:par>
+                                <p:cTn id="10" presetID="10" presetClass="entr" presetSubtype="0" fill="hold" nodeType="clickEffect">
+                                  <p:stCondLst>
+                                    <p:cond delay="0"/>
+                                  </p:stCondLst>
+                                  <p:childTnLst>
+                                    <p:set>
+                                      <p:cBhvr>
+                                        <p:cTn id="11" dur="1" fill="hold">
+                                          <p:stCondLst>
+                                            <p:cond delay="0"/>
+                                          </p:stCondLst>
+                                        </p:cTn>
+                                        <p:tgtEl>
+                                          <p:spTgt spid="6"/>
+                                        </p:tgtEl>
+                                        <p:attrNameLst>
+                                          <p:attrName>style.visibility</p:attrName>
+                                        </p:attrNameLst>
+                                      </p:cBhvr>
+                                      <p:to>
+                                        <p:strVal val="visible"/>
+                                      </p:to>
+                                    </p:set>
+                                    <p:animEffect transition="in" filter="fade">
+                                      <p:cBhvr>
+                                        <p:cTn id="12" dur="500"/>
+                                        <p:tgtEl>
+                                          <p:spTgt spid="6"/>
+                                        </p:tgtEl>
+                                      </p:cBhvr>
+                                    </p:animEffect>
+                                  </p:childTnLst>
+                                </p:cTn>
+                              </p:par>
+                            </p:childTnLst>
+                          </p:cTn>
+                        </p:par>
+                      </p:childTnLst>
+                    </p:cTn>
+                  </p:par>
+                  <p:par>
+                    <p:cTn id="13" fill="hold">
+                      <p:stCondLst>
+                        <p:cond delay="indefinite"/>
+                      </p:stCondLst>
+                      <p:childTnLst>
+                        <p:par>
+                          <p:cTn id="14" fill="hold">
+                            <p:stCondLst>
+                              <p:cond delay="0"/>
+                            </p:stCondLst>
+                            <p:childTnLst>
+                              <p:par>
+                                <p:cTn id="15" presetID="10" presetClass="entr" presetSubtype="0" fill="hold" nodeType="clickEffect">
+                                  <p:stCondLst>
+                                    <p:cond delay="0"/>
+                                  </p:stCondLst>
+                                  <p:childTnLst>
+                                    <p:set>
+                                      <p:cBhvr>
+                                        <p:cTn id="16" dur="1" fill="hold">
+                                          <p:stCondLst>
+                                            <p:cond delay="0"/>
+                                          </p:stCondLst>
+                                        </p:cTn>
+                                        <p:tgtEl>
                                           <p:spTgt spid="5"/>
                                         </p:tgtEl>
                                         <p:attrNameLst>
@@ -6720,7 +7046,7 @@
                                     </p:set>
                                     <p:animEffect transition="in" filter="fade">
                                       <p:cBhvr>
-                                        <p:cTn id="7" dur="500"/>
+                                        <p:cTn id="17" dur="500"/>
                                         <p:tgtEl>
                                           <p:spTgt spid="5"/>
                                         </p:tgtEl>
@@ -6828,12 +7154,14 @@
         </p:nvSpPr>
         <p:spPr>
           <a:xfrm>
-            <a:off x="628650" y="1690689"/>
+            <a:off x="628650" y="1891949"/>
             <a:ext cx="7886700" cy="4351338"/>
           </a:xfrm>
         </p:spPr>
         <p:txBody>
-          <a:bodyPr/>
+          <a:bodyPr>
+            <a:normAutofit lnSpcReduction="10000"/>
+          </a:bodyPr>
           <a:lstStyle/>
           <a:p>
             <a:pPr>
@@ -6865,15 +7193,7 @@
             </a:pPr>
             <a:r>
               <a:rPr lang="en-US" altLang="zh-CN" dirty="0"/>
-              <a:t>No answer doc span(</a:t>
-            </a:r>
-            <a:r>
-              <a:rPr lang="zh-CN" altLang="en-US" dirty="0"/>
-              <a:t>数据不足</a:t>
-            </a:r>
-            <a:r>
-              <a:rPr lang="en-US" altLang="zh-CN" dirty="0"/>
-              <a:t>)</a:t>
+              <a:t>No answer doc span</a:t>
             </a:r>
           </a:p>
           <a:p>
@@ -6981,6 +7301,20 @@
             <a:r>
               <a:rPr lang="en-US" altLang="zh-CN" dirty="0"/>
               <a:t>Hidden size</a:t>
+            </a:r>
+          </a:p>
+          <a:p>
+            <a:pPr lvl="2">
+              <a:lnSpc>
+                <a:spcPct val="150000"/>
+              </a:lnSpc>
+              <a:spcBef>
+                <a:spcPct val="0"/>
+              </a:spcBef>
+            </a:pPr>
+            <a:r>
+              <a:rPr lang="en-US" altLang="zh-CN" dirty="0"/>
+              <a:t>Batch Size</a:t>
             </a:r>
           </a:p>
           <a:p>
@@ -6996,6 +7330,72 @@
           </a:p>
         </p:txBody>
       </p:sp>
+      <p:sp>
+        <p:nvSpPr>
+          <p:cNvPr id="6" name="文本框 5">
+            <a:extLst>
+              <a:ext uri="{FF2B5EF4-FFF2-40B4-BE49-F238E27FC236}">
+                <a16:creationId xmlns:a16="http://schemas.microsoft.com/office/drawing/2014/main" id="{2821D14F-742A-4DA0-8DD3-522F9C66E623}"/>
+              </a:ext>
+            </a:extLst>
+          </p:cNvPr>
+          <p:cNvSpPr txBox="1"/>
+          <p:nvPr/>
+        </p:nvSpPr>
+        <p:spPr>
+          <a:xfrm>
+            <a:off x="2095019" y="6243287"/>
+            <a:ext cx="5544273" cy="369332"/>
+          </a:xfrm>
+          <a:prstGeom prst="rect">
+            <a:avLst/>
+          </a:prstGeom>
+          <a:noFill/>
+        </p:spPr>
+        <p:txBody>
+          <a:bodyPr wrap="square" rtlCol="0">
+            <a:spAutoFit/>
+          </a:bodyPr>
+          <a:lstStyle/>
+          <a:p>
+            <a:r>
+              <a:rPr lang="en-US" altLang="zh-CN" dirty="0"/>
+              <a:t>Bert baseline                                         Bert + R-net</a:t>
+            </a:r>
+            <a:endParaRPr lang="zh-CN" altLang="en-US" dirty="0"/>
+          </a:p>
+        </p:txBody>
+      </p:sp>
+      <p:pic>
+        <p:nvPicPr>
+          <p:cNvPr id="5" name="图片 4">
+            <a:extLst>
+              <a:ext uri="{FF2B5EF4-FFF2-40B4-BE49-F238E27FC236}">
+                <a16:creationId xmlns:a16="http://schemas.microsoft.com/office/drawing/2014/main" id="{401476E5-EEBD-4173-A7AD-3256A1CBF8A5}"/>
+              </a:ext>
+            </a:extLst>
+          </p:cNvPr>
+          <p:cNvPicPr>
+            <a:picLocks noChangeAspect="1"/>
+          </p:cNvPicPr>
+          <p:nvPr/>
+        </p:nvPicPr>
+        <p:blipFill>
+          <a:blip r:embed="rId3"/>
+          <a:stretch>
+            <a:fillRect/>
+          </a:stretch>
+        </p:blipFill>
+        <p:spPr>
+          <a:xfrm>
+            <a:off x="1111169" y="3993679"/>
+            <a:ext cx="6613494" cy="2136413"/>
+          </a:xfrm>
+          <a:prstGeom prst="rect">
+            <a:avLst/>
+          </a:prstGeom>
+        </p:spPr>
+      </p:pic>
     </p:spTree>
     <p:extLst>
       <p:ext uri="{BB962C8B-B14F-4D97-AF65-F5344CB8AC3E}">
@@ -7006,6 +7406,127 @@
   <p:clrMapOvr>
     <a:masterClrMapping/>
   </p:clrMapOvr>
+  <p:timing>
+    <p:tnLst>
+      <p:par>
+        <p:cTn id="1" dur="indefinite" restart="never" nodeType="tmRoot">
+          <p:childTnLst>
+            <p:seq concurrent="1" nextAc="seek">
+              <p:cTn id="2" dur="indefinite" nodeType="mainSeq">
+                <p:childTnLst>
+                  <p:par>
+                    <p:cTn id="3" fill="hold">
+                      <p:stCondLst>
+                        <p:cond delay="indefinite"/>
+                      </p:stCondLst>
+                      <p:childTnLst>
+                        <p:par>
+                          <p:cTn id="4" fill="hold">
+                            <p:stCondLst>
+                              <p:cond delay="0"/>
+                            </p:stCondLst>
+                            <p:childTnLst>
+                              <p:par>
+                                <p:cTn id="5" presetID="10" presetClass="entr" presetSubtype="0" fill="hold" nodeType="clickEffect">
+                                  <p:stCondLst>
+                                    <p:cond delay="0"/>
+                                  </p:stCondLst>
+                                  <p:childTnLst>
+                                    <p:set>
+                                      <p:cBhvr>
+                                        <p:cTn id="6" dur="1" fill="hold">
+                                          <p:stCondLst>
+                                            <p:cond delay="0"/>
+                                          </p:stCondLst>
+                                        </p:cTn>
+                                        <p:tgtEl>
+                                          <p:spTgt spid="5"/>
+                                        </p:tgtEl>
+                                        <p:attrNameLst>
+                                          <p:attrName>style.visibility</p:attrName>
+                                        </p:attrNameLst>
+                                      </p:cBhvr>
+                                      <p:to>
+                                        <p:strVal val="visible"/>
+                                      </p:to>
+                                    </p:set>
+                                    <p:animEffect transition="in" filter="fade">
+                                      <p:cBhvr>
+                                        <p:cTn id="7" dur="500"/>
+                                        <p:tgtEl>
+                                          <p:spTgt spid="5"/>
+                                        </p:tgtEl>
+                                      </p:cBhvr>
+                                    </p:animEffect>
+                                  </p:childTnLst>
+                                </p:cTn>
+                              </p:par>
+                              <p:par>
+                                <p:cTn id="8" presetID="10" presetClass="entr" presetSubtype="0" fill="hold" grpId="0" nodeType="withEffect">
+                                  <p:stCondLst>
+                                    <p:cond delay="0"/>
+                                  </p:stCondLst>
+                                  <p:childTnLst>
+                                    <p:set>
+                                      <p:cBhvr>
+                                        <p:cTn id="9" dur="1" fill="hold">
+                                          <p:stCondLst>
+                                            <p:cond delay="0"/>
+                                          </p:stCondLst>
+                                        </p:cTn>
+                                        <p:tgtEl>
+                                          <p:spTgt spid="6"/>
+                                        </p:tgtEl>
+                                        <p:attrNameLst>
+                                          <p:attrName>style.visibility</p:attrName>
+                                        </p:attrNameLst>
+                                      </p:cBhvr>
+                                      <p:to>
+                                        <p:strVal val="visible"/>
+                                      </p:to>
+                                    </p:set>
+                                    <p:animEffect transition="in" filter="fade">
+                                      <p:cBhvr>
+                                        <p:cTn id="10" dur="500"/>
+                                        <p:tgtEl>
+                                          <p:spTgt spid="6"/>
+                                        </p:tgtEl>
+                                      </p:cBhvr>
+                                    </p:animEffect>
+                                  </p:childTnLst>
+                                </p:cTn>
+                              </p:par>
+                            </p:childTnLst>
+                          </p:cTn>
+                        </p:par>
+                      </p:childTnLst>
+                    </p:cTn>
+                  </p:par>
+                </p:childTnLst>
+              </p:cTn>
+              <p:prevCondLst>
+                <p:cond evt="onPrev" delay="0">
+                  <p:tgtEl>
+                    <p:sldTgt/>
+                  </p:tgtEl>
+                </p:cond>
+              </p:prevCondLst>
+              <p:nextCondLst>
+                <p:cond evt="onNext" delay="0">
+                  <p:tgtEl>
+                    <p:sldTgt/>
+                  </p:tgtEl>
+                </p:cond>
+              </p:nextCondLst>
+            </p:seq>
+          </p:childTnLst>
+        </p:cTn>
+      </p:par>
+    </p:tnLst>
+    <p:bldLst>
+      <p:bldP spid="6" grpId="0"/>
+    </p:bldLst>
+  </p:timing>
 </p:sld>
 </file>
 

--- a/0424.pptx
+++ b/0424.pptx
@@ -212,7 +212,7 @@
           <a:p>
             <a:fld id="{8180ADAB-C48E-46AB-8AF2-FE54B3CA7DE2}" type="datetimeFigureOut">
               <a:rPr lang="zh-CN" altLang="en-US" smtClean="0"/>
-              <a:t>2019/4/24</a:t>
+              <a:t>2019/5/18</a:t>
             </a:fld>
             <a:endParaRPr lang="zh-CN" altLang="en-US"/>
           </a:p>
@@ -1469,7 +1469,7 @@
           <a:p>
             <a:fld id="{E5049357-7B08-40E3-A88F-364B08A63176}" type="datetimeFigureOut">
               <a:rPr lang="zh-CN" altLang="en-US" smtClean="0"/>
-              <a:t>2019/4/24</a:t>
+              <a:t>2019/5/18</a:t>
             </a:fld>
             <a:endParaRPr lang="zh-CN" altLang="en-US"/>
           </a:p>
@@ -1667,7 +1667,7 @@
           <a:p>
             <a:fld id="{E5049357-7B08-40E3-A88F-364B08A63176}" type="datetimeFigureOut">
               <a:rPr lang="zh-CN" altLang="en-US" smtClean="0"/>
-              <a:t>2019/4/24</a:t>
+              <a:t>2019/5/18</a:t>
             </a:fld>
             <a:endParaRPr lang="zh-CN" altLang="en-US"/>
           </a:p>
@@ -1875,7 +1875,7 @@
           <a:p>
             <a:fld id="{E5049357-7B08-40E3-A88F-364B08A63176}" type="datetimeFigureOut">
               <a:rPr lang="zh-CN" altLang="en-US" smtClean="0"/>
-              <a:t>2019/4/24</a:t>
+              <a:t>2019/5/18</a:t>
             </a:fld>
             <a:endParaRPr lang="zh-CN" altLang="en-US"/>
           </a:p>
@@ -2073,7 +2073,7 @@
           <a:p>
             <a:fld id="{E5049357-7B08-40E3-A88F-364B08A63176}" type="datetimeFigureOut">
               <a:rPr lang="zh-CN" altLang="en-US" smtClean="0"/>
-              <a:t>2019/4/24</a:t>
+              <a:t>2019/5/18</a:t>
             </a:fld>
             <a:endParaRPr lang="zh-CN" altLang="en-US"/>
           </a:p>
@@ -2348,7 +2348,7 @@
           <a:p>
             <a:fld id="{E5049357-7B08-40E3-A88F-364B08A63176}" type="datetimeFigureOut">
               <a:rPr lang="zh-CN" altLang="en-US" smtClean="0"/>
-              <a:t>2019/4/24</a:t>
+              <a:t>2019/5/18</a:t>
             </a:fld>
             <a:endParaRPr lang="zh-CN" altLang="en-US"/>
           </a:p>
@@ -2613,7 +2613,7 @@
           <a:p>
             <a:fld id="{E5049357-7B08-40E3-A88F-364B08A63176}" type="datetimeFigureOut">
               <a:rPr lang="zh-CN" altLang="en-US" smtClean="0"/>
-              <a:t>2019/4/24</a:t>
+              <a:t>2019/5/18</a:t>
             </a:fld>
             <a:endParaRPr lang="zh-CN" altLang="en-US"/>
           </a:p>
@@ -3025,7 +3025,7 @@
           <a:p>
             <a:fld id="{E5049357-7B08-40E3-A88F-364B08A63176}" type="datetimeFigureOut">
               <a:rPr lang="zh-CN" altLang="en-US" smtClean="0"/>
-              <a:t>2019/4/24</a:t>
+              <a:t>2019/5/18</a:t>
             </a:fld>
             <a:endParaRPr lang="zh-CN" altLang="en-US"/>
           </a:p>
@@ -3166,7 +3166,7 @@
           <a:p>
             <a:fld id="{E5049357-7B08-40E3-A88F-364B08A63176}" type="datetimeFigureOut">
               <a:rPr lang="zh-CN" altLang="en-US" smtClean="0"/>
-              <a:t>2019/4/24</a:t>
+              <a:t>2019/5/18</a:t>
             </a:fld>
             <a:endParaRPr lang="zh-CN" altLang="en-US"/>
           </a:p>
@@ -3279,7 +3279,7 @@
           <a:p>
             <a:fld id="{E5049357-7B08-40E3-A88F-364B08A63176}" type="datetimeFigureOut">
               <a:rPr lang="zh-CN" altLang="en-US" smtClean="0"/>
-              <a:t>2019/4/24</a:t>
+              <a:t>2019/5/18</a:t>
             </a:fld>
             <a:endParaRPr lang="zh-CN" altLang="en-US"/>
           </a:p>
@@ -3590,7 +3590,7 @@
           <a:p>
             <a:fld id="{E5049357-7B08-40E3-A88F-364B08A63176}" type="datetimeFigureOut">
               <a:rPr lang="zh-CN" altLang="en-US" smtClean="0"/>
-              <a:t>2019/4/24</a:t>
+              <a:t>2019/5/18</a:t>
             </a:fld>
             <a:endParaRPr lang="zh-CN" altLang="en-US"/>
           </a:p>
@@ -3878,7 +3878,7 @@
           <a:p>
             <a:fld id="{E5049357-7B08-40E3-A88F-364B08A63176}" type="datetimeFigureOut">
               <a:rPr lang="zh-CN" altLang="en-US" smtClean="0"/>
-              <a:t>2019/4/24</a:t>
+              <a:t>2019/5/18</a:t>
             </a:fld>
             <a:endParaRPr lang="zh-CN" altLang="en-US"/>
           </a:p>
@@ -4119,7 +4119,7 @@
           <a:p>
             <a:fld id="{E5049357-7B08-40E3-A88F-364B08A63176}" type="datetimeFigureOut">
               <a:rPr lang="zh-CN" altLang="en-US" smtClean="0"/>
-              <a:t>2019/4/24</a:t>
+              <a:t>2019/5/18</a:t>
             </a:fld>
             <a:endParaRPr lang="zh-CN" altLang="en-US"/>
           </a:p>
@@ -4950,7 +4950,7 @@
           <a:graphicData uri="http://schemas.openxmlformats.org/presentationml/2006/ole">
             <mc:AlternateContent xmlns:mc="http://schemas.openxmlformats.org/markup-compatibility/2006">
               <mc:Choice xmlns:v="urn:schemas-microsoft-com:vml" Requires="v">
-                <p:oleObj spid="_x0000_s1699" name="Equation" r:id="rId4" imgW="2120760" imgH="203040" progId="Equation.DSMT4">
+                <p:oleObj spid="_x0000_s1706" name="Equation" r:id="rId4" imgW="2120760" imgH="203040" progId="Equation.DSMT4">
                   <p:embed/>
                 </p:oleObj>
               </mc:Choice>
@@ -5317,7 +5317,7 @@
             <p:ph idx="1"/>
             <p:extLst>
               <p:ext uri="{D42A27DB-BD31-4B8C-83A1-F6EECF244321}">
-                <p14:modId xmlns:p14="http://schemas.microsoft.com/office/powerpoint/2010/main" val="430973837"/>
+                <p14:modId xmlns:p14="http://schemas.microsoft.com/office/powerpoint/2010/main" val="3225999142"/>
               </p:ext>
             </p:extLst>
           </p:nvPr>
@@ -5741,10 +5741,10 @@
                         </a:spcAft>
                       </a:pPr>
                       <a:r>
-                        <a:rPr lang="en-US" altLang="zh-CN" dirty="0"/>
+                        <a:rPr lang="en-US" altLang="zh-CN" b="1" dirty="0"/>
                         <a:t>87.365</a:t>
                       </a:r>
-                      <a:endParaRPr lang="zh-CN" altLang="en-US" dirty="0"/>
+                      <a:endParaRPr lang="zh-CN" altLang="en-US" b="1" dirty="0"/>
                     </a:p>
                   </a:txBody>
                   <a:tcPr/>
@@ -5959,10 +5959,10 @@
                         </a:spcAft>
                       </a:pPr>
                       <a:r>
-                        <a:rPr lang="en-US" altLang="zh-CN" dirty="0"/>
+                        <a:rPr lang="en-US" altLang="zh-CN" b="1" dirty="0"/>
                         <a:t>87.315</a:t>
                       </a:r>
-                      <a:endParaRPr lang="zh-CN" altLang="en-US" dirty="0"/>
+                      <a:endParaRPr lang="zh-CN" altLang="en-US" b="1" dirty="0"/>
                     </a:p>
                   </a:txBody>
                   <a:tcPr/>
@@ -5984,10 +5984,10 @@
                         </a:spcAft>
                       </a:pPr>
                       <a:r>
-                        <a:rPr lang="en-US" altLang="zh-CN" dirty="0"/>
+                        <a:rPr lang="en-US" altLang="zh-CN" b="1" dirty="0"/>
                         <a:t>88.546</a:t>
                       </a:r>
-                      <a:endParaRPr lang="zh-CN" altLang="en-US" dirty="0"/>
+                      <a:endParaRPr lang="zh-CN" altLang="en-US" b="1" dirty="0"/>
                     </a:p>
                   </a:txBody>
                   <a:tcPr/>
@@ -6070,10 +6070,10 @@
                         </a:spcAft>
                       </a:pPr>
                       <a:r>
-                        <a:rPr lang="en-US" altLang="zh-CN" dirty="0"/>
+                        <a:rPr lang="en-US" altLang="zh-CN" b="1" dirty="0"/>
                         <a:t>87.571</a:t>
                       </a:r>
-                      <a:endParaRPr lang="zh-CN" altLang="en-US" dirty="0"/>
+                      <a:endParaRPr lang="zh-CN" altLang="en-US" b="1" dirty="0"/>
                     </a:p>
                   </a:txBody>
                   <a:tcPr/>
@@ -6095,10 +6095,10 @@
                         </a:spcAft>
                       </a:pPr>
                       <a:r>
-                        <a:rPr lang="en-US" altLang="zh-CN" dirty="0"/>
+                        <a:rPr lang="en-US" altLang="zh-CN" b="1" dirty="0"/>
                         <a:t>88.857</a:t>
                       </a:r>
-                      <a:endParaRPr lang="zh-CN" altLang="en-US" dirty="0"/>
+                      <a:endParaRPr lang="zh-CN" altLang="en-US" b="1" dirty="0"/>
                     </a:p>
                   </a:txBody>
                   <a:tcPr/>
@@ -8304,7 +8304,7 @@
         </p:blipFill>
         <p:spPr>
           <a:xfrm>
-            <a:off x="820131" y="4865869"/>
+            <a:off x="820131" y="4812067"/>
             <a:ext cx="5609818" cy="252885"/>
           </a:xfrm>
           <a:prstGeom prst="rect">
@@ -8334,7 +8334,7 @@
         </p:blipFill>
         <p:spPr>
           <a:xfrm>
-            <a:off x="820131" y="5341629"/>
+            <a:off x="820131" y="5057492"/>
             <a:ext cx="6325388" cy="612458"/>
           </a:xfrm>
           <a:prstGeom prst="rect">
